--- a/PrivacyTutorial/iab-privacy-considerations.pptx
+++ b/PrivacyTutorial/iab-privacy-considerations.pptx
@@ -5,47 +5,50 @@
     <p:sldMasterId id="2147483648" r:id="rId1"/>
   </p:sldMasterIdLst>
   <p:notesMasterIdLst>
-    <p:notesMasterId r:id="rId37"/>
+    <p:notesMasterId r:id="rId40"/>
   </p:notesMasterIdLst>
   <p:handoutMasterIdLst>
-    <p:handoutMasterId r:id="rId38"/>
+    <p:handoutMasterId r:id="rId41"/>
   </p:handoutMasterIdLst>
   <p:sldIdLst>
     <p:sldId id="256" r:id="rId2"/>
     <p:sldId id="277" r:id="rId3"/>
-    <p:sldId id="420" r:id="rId4"/>
-    <p:sldId id="351" r:id="rId5"/>
-    <p:sldId id="373" r:id="rId6"/>
-    <p:sldId id="371" r:id="rId7"/>
-    <p:sldId id="372" r:id="rId8"/>
-    <p:sldId id="375" r:id="rId9"/>
-    <p:sldId id="376" r:id="rId10"/>
-    <p:sldId id="377" r:id="rId11"/>
-    <p:sldId id="378" r:id="rId12"/>
-    <p:sldId id="383" r:id="rId13"/>
-    <p:sldId id="379" r:id="rId14"/>
-    <p:sldId id="380" r:id="rId15"/>
-    <p:sldId id="381" r:id="rId16"/>
-    <p:sldId id="384" r:id="rId17"/>
-    <p:sldId id="385" r:id="rId18"/>
-    <p:sldId id="387" r:id="rId19"/>
-    <p:sldId id="393" r:id="rId20"/>
-    <p:sldId id="388" r:id="rId21"/>
-    <p:sldId id="391" r:id="rId22"/>
-    <p:sldId id="396" r:id="rId23"/>
-    <p:sldId id="397" r:id="rId24"/>
-    <p:sldId id="422" r:id="rId25"/>
-    <p:sldId id="404" r:id="rId26"/>
-    <p:sldId id="405" r:id="rId27"/>
-    <p:sldId id="406" r:id="rId28"/>
-    <p:sldId id="423" r:id="rId29"/>
-    <p:sldId id="424" r:id="rId30"/>
-    <p:sldId id="425" r:id="rId31"/>
-    <p:sldId id="419" r:id="rId32"/>
-    <p:sldId id="394" r:id="rId33"/>
-    <p:sldId id="356" r:id="rId34"/>
-    <p:sldId id="272" r:id="rId35"/>
-    <p:sldId id="328" r:id="rId36"/>
+    <p:sldId id="428" r:id="rId4"/>
+    <p:sldId id="420" r:id="rId5"/>
+    <p:sldId id="426" r:id="rId6"/>
+    <p:sldId id="427" r:id="rId7"/>
+    <p:sldId id="351" r:id="rId8"/>
+    <p:sldId id="373" r:id="rId9"/>
+    <p:sldId id="371" r:id="rId10"/>
+    <p:sldId id="372" r:id="rId11"/>
+    <p:sldId id="375" r:id="rId12"/>
+    <p:sldId id="376" r:id="rId13"/>
+    <p:sldId id="377" r:id="rId14"/>
+    <p:sldId id="378" r:id="rId15"/>
+    <p:sldId id="383" r:id="rId16"/>
+    <p:sldId id="379" r:id="rId17"/>
+    <p:sldId id="380" r:id="rId18"/>
+    <p:sldId id="381" r:id="rId19"/>
+    <p:sldId id="384" r:id="rId20"/>
+    <p:sldId id="385" r:id="rId21"/>
+    <p:sldId id="387" r:id="rId22"/>
+    <p:sldId id="393" r:id="rId23"/>
+    <p:sldId id="388" r:id="rId24"/>
+    <p:sldId id="391" r:id="rId25"/>
+    <p:sldId id="396" r:id="rId26"/>
+    <p:sldId id="397" r:id="rId27"/>
+    <p:sldId id="422" r:id="rId28"/>
+    <p:sldId id="404" r:id="rId29"/>
+    <p:sldId id="405" r:id="rId30"/>
+    <p:sldId id="406" r:id="rId31"/>
+    <p:sldId id="423" r:id="rId32"/>
+    <p:sldId id="424" r:id="rId33"/>
+    <p:sldId id="425" r:id="rId34"/>
+    <p:sldId id="419" r:id="rId35"/>
+    <p:sldId id="394" r:id="rId36"/>
+    <p:sldId id="356" r:id="rId37"/>
+    <p:sldId id="272" r:id="rId38"/>
+    <p:sldId id="328" r:id="rId39"/>
   </p:sldIdLst>
   <p:sldSz cx="9144000" cy="6858000" type="screen4x3"/>
   <p:notesSz cx="6858000" cy="9144000"/>
@@ -286,7 +289,7 @@
               <a:pPr>
                 <a:defRPr/>
               </a:pPr>
-              <a:t>7/25/13</a:t>
+              <a:t>7/27/13</a:t>
             </a:fld>
             <a:endParaRPr lang="en-US"/>
           </a:p>
@@ -501,7 +504,7 @@
               <a:pPr>
                 <a:defRPr/>
               </a:pPr>
-              <a:t>7/25/13</a:t>
+              <a:t>7/27/13</a:t>
             </a:fld>
             <a:endParaRPr lang="en-US"/>
           </a:p>
@@ -1013,7 +1016,7 @@
               <a:pPr>
                 <a:defRPr/>
               </a:pPr>
-              <a:t>7/25/13</a:t>
+              <a:t>7/27/13</a:t>
             </a:fld>
             <a:endParaRPr lang="en-US"/>
           </a:p>
@@ -1203,7 +1206,7 @@
               <a:pPr>
                 <a:defRPr/>
               </a:pPr>
-              <a:t>7/25/13</a:t>
+              <a:t>7/27/13</a:t>
             </a:fld>
             <a:endParaRPr lang="en-US"/>
           </a:p>
@@ -1403,7 +1406,7 @@
               <a:pPr>
                 <a:defRPr/>
               </a:pPr>
-              <a:t>7/25/13</a:t>
+              <a:t>7/27/13</a:t>
             </a:fld>
             <a:endParaRPr lang="en-US"/>
           </a:p>
@@ -1593,7 +1596,7 @@
               <a:pPr>
                 <a:defRPr/>
               </a:pPr>
-              <a:t>7/25/13</a:t>
+              <a:t>7/27/13</a:t>
             </a:fld>
             <a:endParaRPr lang="en-US"/>
           </a:p>
@@ -1860,7 +1863,7 @@
               <a:pPr>
                 <a:defRPr/>
               </a:pPr>
-              <a:t>7/25/13</a:t>
+              <a:t>7/27/13</a:t>
             </a:fld>
             <a:endParaRPr lang="en-US"/>
           </a:p>
@@ -2167,7 +2170,7 @@
               <a:pPr>
                 <a:defRPr/>
               </a:pPr>
-              <a:t>7/25/13</a:t>
+              <a:t>7/27/13</a:t>
             </a:fld>
             <a:endParaRPr lang="en-US"/>
           </a:p>
@@ -2608,7 +2611,7 @@
               <a:pPr>
                 <a:defRPr/>
               </a:pPr>
-              <a:t>7/25/13</a:t>
+              <a:t>7/27/13</a:t>
             </a:fld>
             <a:endParaRPr lang="en-US"/>
           </a:p>
@@ -2747,7 +2750,7 @@
               <a:pPr>
                 <a:defRPr/>
               </a:pPr>
-              <a:t>7/25/13</a:t>
+              <a:t>7/27/13</a:t>
             </a:fld>
             <a:endParaRPr lang="en-US"/>
           </a:p>
@@ -2864,7 +2867,7 @@
               <a:pPr>
                 <a:defRPr/>
               </a:pPr>
-              <a:t>7/25/13</a:t>
+              <a:t>7/27/13</a:t>
             </a:fld>
             <a:endParaRPr lang="en-US"/>
           </a:p>
@@ -3161,7 +3164,7 @@
               <a:pPr>
                 <a:defRPr/>
               </a:pPr>
-              <a:t>7/25/13</a:t>
+              <a:t>7/27/13</a:t>
             </a:fld>
             <a:endParaRPr lang="en-US"/>
           </a:p>
@@ -3438,7 +3441,7 @@
               <a:pPr>
                 <a:defRPr/>
               </a:pPr>
-              <a:t>7/25/13</a:t>
+              <a:t>7/27/13</a:t>
             </a:fld>
             <a:endParaRPr lang="en-US"/>
           </a:p>
@@ -3694,7 +3697,7 @@
               <a:pPr>
                 <a:defRPr/>
               </a:pPr>
-              <a:t>7/25/13</a:t>
+              <a:t>7/27/13</a:t>
             </a:fld>
             <a:endParaRPr lang="en-US"/>
           </a:p>
@@ -4294,10 +4297,345 @@
   <p:clrMapOvr>
     <a:masterClrMapping/>
   </p:clrMapOvr>
+  <p:timing>
+    <p:tnLst>
+      <p:par>
+        <p:cTn id="1" dur="indefinite" restart="never" nodeType="tmRoot"/>
+      </p:par>
+    </p:tnLst>
+  </p:timing>
 </p:sld>
 </file>
 
 <file path=ppt/slides/slide10.xml><?xml version="1.0" encoding="utf-8"?>
+<p:sld xmlns:a="http://schemas.openxmlformats.org/drawingml/2006/main" xmlns:r="http://schemas.openxmlformats.org/officeDocument/2006/relationships" xmlns:mc="http://schemas.openxmlformats.org/markup-compatibility/2006" xmlns:mv="urn:schemas-microsoft-com:mac:vml" xmlns:p="http://schemas.openxmlformats.org/presentationml/2006/main" mc:Ignorable="mv" mc:PreserveAttributes="mv:*">
+  <p:cSld>
+    <p:spTree>
+      <p:nvGrpSpPr>
+        <p:cNvPr id="1" name=""/>
+        <p:cNvGrpSpPr/>
+        <p:nvPr/>
+      </p:nvGrpSpPr>
+      <p:grpSpPr>
+        <a:xfrm>
+          <a:off x="0" y="0"/>
+          <a:ext cx="0" cy="0"/>
+          <a:chOff x="0" y="0"/>
+          <a:chExt cx="0" cy="0"/>
+        </a:xfrm>
+      </p:grpSpPr>
+      <p:sp>
+        <p:nvSpPr>
+          <p:cNvPr id="2" name="Title 1"/>
+          <p:cNvSpPr>
+            <a:spLocks noGrp="1"/>
+          </p:cNvSpPr>
+          <p:nvPr>
+            <p:ph type="title"/>
+          </p:nvPr>
+        </p:nvSpPr>
+        <p:spPr/>
+        <p:txBody>
+          <a:bodyPr/>
+          <a:lstStyle/>
+          <a:p>
+            <a:r>
+              <a:rPr lang="en-US" dirty="0" smtClean="0">
+                <a:latin typeface="Calibri" charset="0"/>
+              </a:rPr>
+              <a:t>Privacy-Specific Threats</a:t>
+            </a:r>
+            <a:endParaRPr lang="en-US" dirty="0"/>
+          </a:p>
+        </p:txBody>
+      </p:sp>
+      <p:sp>
+        <p:nvSpPr>
+          <p:cNvPr id="3" name="Content Placeholder 2"/>
+          <p:cNvSpPr>
+            <a:spLocks noGrp="1"/>
+          </p:cNvSpPr>
+          <p:nvPr>
+            <p:ph idx="1"/>
+          </p:nvPr>
+        </p:nvSpPr>
+        <p:spPr/>
+        <p:txBody>
+          <a:bodyPr/>
+          <a:lstStyle/>
+          <a:p>
+            <a:r>
+              <a:rPr lang="en-US" sz="2400" dirty="0" smtClean="0">
+                <a:latin typeface="Calibri" charset="0"/>
+              </a:rPr>
+              <a:t>Correlation: Correlation is the combination of various pieces of information related to an individual. </a:t>
+            </a:r>
+          </a:p>
+          <a:p>
+            <a:r>
+              <a:rPr lang="en-US" sz="2400" dirty="0" smtClean="0">
+                <a:latin typeface="Calibri" charset="0"/>
+              </a:rPr>
+              <a:t>Identification: Linking of information to a particular individual. </a:t>
+            </a:r>
+          </a:p>
+          <a:p>
+            <a:r>
+              <a:rPr lang="en-US" sz="2400" dirty="0" smtClean="0">
+                <a:latin typeface="Calibri" charset="0"/>
+              </a:rPr>
+              <a:t>Secondary use: It the individual's consent for a purpose different from that for which the information was collected.</a:t>
+            </a:r>
+          </a:p>
+          <a:p>
+            <a:r>
+              <a:rPr lang="en-US" sz="2400" dirty="0" smtClean="0">
+                <a:latin typeface="Calibri" charset="0"/>
+              </a:rPr>
+              <a:t>Disclosure: Revelation of information about an individual that affects the way others judge the individual</a:t>
+            </a:r>
+          </a:p>
+          <a:p>
+            <a:r>
+              <a:rPr lang="en-US" sz="2400" dirty="0" smtClean="0">
+                <a:latin typeface="Calibri" charset="0"/>
+              </a:rPr>
+              <a:t>Exclusion: Is the failure to allow individuals to know about the data that others have about them. </a:t>
+            </a:r>
+          </a:p>
+        </p:txBody>
+      </p:sp>
+      <p:sp>
+        <p:nvSpPr>
+          <p:cNvPr id="4" name="Slide Number Placeholder 3"/>
+          <p:cNvSpPr>
+            <a:spLocks noGrp="1"/>
+          </p:cNvSpPr>
+          <p:nvPr>
+            <p:ph type="sldNum" sz="quarter" idx="12"/>
+          </p:nvPr>
+        </p:nvSpPr>
+        <p:spPr/>
+        <p:txBody>
+          <a:bodyPr/>
+          <a:lstStyle/>
+          <a:p>
+            <a:pPr>
+              <a:defRPr/>
+            </a:pPr>
+            <a:fld id="{4E698A4C-E10E-4ED5-A726-2B34B2342519}" type="slidenum">
+              <a:rPr lang="en-US" smtClean="0"/>
+              <a:pPr>
+                <a:defRPr/>
+              </a:pPr>
+              <a:t>10</a:t>
+            </a:fld>
+            <a:endParaRPr lang="en-US"/>
+          </a:p>
+        </p:txBody>
+      </p:sp>
+    </p:spTree>
+  </p:cSld>
+  <p:clrMapOvr>
+    <a:masterClrMapping/>
+  </p:clrMapOvr>
+  <p:timing>
+    <p:tnLst>
+      <p:par>
+        <p:cTn id="1" dur="indefinite" restart="never" nodeType="tmRoot"/>
+      </p:par>
+    </p:tnLst>
+  </p:timing>
+</p:sld>
+</file>
+
+<file path=ppt/slides/slide11.xml><?xml version="1.0" encoding="utf-8"?>
+<p:sld xmlns:a="http://schemas.openxmlformats.org/drawingml/2006/main" xmlns:r="http://schemas.openxmlformats.org/officeDocument/2006/relationships" xmlns:mc="http://schemas.openxmlformats.org/markup-compatibility/2006" xmlns:mv="urn:schemas-microsoft-com:mac:vml" xmlns:p="http://schemas.openxmlformats.org/presentationml/2006/main" mc:Ignorable="mv" mc:PreserveAttributes="mv:*">
+  <p:cSld>
+    <p:spTree>
+      <p:nvGrpSpPr>
+        <p:cNvPr id="1" name=""/>
+        <p:cNvGrpSpPr/>
+        <p:nvPr/>
+      </p:nvGrpSpPr>
+      <p:grpSpPr>
+        <a:xfrm>
+          <a:off x="0" y="0"/>
+          <a:ext cx="0" cy="0"/>
+          <a:chOff x="0" y="0"/>
+          <a:chExt cx="0" cy="0"/>
+        </a:xfrm>
+      </p:grpSpPr>
+      <p:sp>
+        <p:nvSpPr>
+          <p:cNvPr id="2" name="Title 1"/>
+          <p:cNvSpPr>
+            <a:spLocks noGrp="1"/>
+          </p:cNvSpPr>
+          <p:nvPr>
+            <p:ph type="title"/>
+          </p:nvPr>
+        </p:nvSpPr>
+        <p:spPr/>
+        <p:txBody>
+          <a:bodyPr rtlCol="0">
+            <a:normAutofit/>
+          </a:bodyPr>
+          <a:lstStyle/>
+          <a:p>
+            <a:pPr fontAlgn="auto">
+              <a:spcAft>
+                <a:spcPts val="0"/>
+              </a:spcAft>
+              <a:defRPr/>
+            </a:pPr>
+            <a:r>
+              <a:rPr lang="en-US" dirty="0" smtClean="0"/>
+              <a:t>Examples</a:t>
+            </a:r>
+          </a:p>
+        </p:txBody>
+      </p:sp>
+      <p:sp>
+        <p:nvSpPr>
+          <p:cNvPr id="5" name="Text Placeholder 4"/>
+          <p:cNvSpPr>
+            <a:spLocks noGrp="1"/>
+          </p:cNvSpPr>
+          <p:nvPr>
+            <p:ph type="body" idx="1"/>
+          </p:nvPr>
+        </p:nvSpPr>
+        <p:spPr/>
+        <p:txBody>
+          <a:bodyPr rtlCol="0">
+            <a:normAutofit/>
+          </a:bodyPr>
+          <a:lstStyle/>
+          <a:p>
+            <a:pPr fontAlgn="auto">
+              <a:spcAft>
+                <a:spcPts val="0"/>
+              </a:spcAft>
+              <a:buFont typeface="Arial"/>
+              <a:buNone/>
+              <a:defRPr/>
+            </a:pPr>
+            <a:endParaRPr lang="en-US" dirty="0"/>
+          </a:p>
+        </p:txBody>
+      </p:sp>
+      <p:sp>
+        <p:nvSpPr>
+          <p:cNvPr id="4" name="Slide Number Placeholder 3"/>
+          <p:cNvSpPr>
+            <a:spLocks noGrp="1"/>
+          </p:cNvSpPr>
+          <p:nvPr>
+            <p:ph type="sldNum" sz="quarter" idx="12"/>
+          </p:nvPr>
+        </p:nvSpPr>
+        <p:spPr/>
+        <p:txBody>
+          <a:bodyPr/>
+          <a:lstStyle/>
+          <a:p>
+            <a:pPr>
+              <a:defRPr/>
+            </a:pPr>
+            <a:fld id="{0B7EBD3E-F327-49A7-B776-ABE45368DF4A}" type="slidenum">
+              <a:rPr lang="en-US" smtClean="0"/>
+              <a:pPr>
+                <a:defRPr/>
+              </a:pPr>
+              <a:t>11</a:t>
+            </a:fld>
+            <a:endParaRPr lang="en-US"/>
+          </a:p>
+        </p:txBody>
+      </p:sp>
+    </p:spTree>
+  </p:cSld>
+  <p:clrMapOvr>
+    <a:masterClrMapping/>
+  </p:clrMapOvr>
+  <p:timing>
+    <p:tnLst>
+      <p:par>
+        <p:cTn id="1" dur="indefinite" restart="never" nodeType="tmRoot"/>
+      </p:par>
+    </p:tnLst>
+  </p:timing>
+</p:sld>
+</file>
+
+<file path=ppt/slides/slide12.xml><?xml version="1.0" encoding="utf-8"?>
+<p:sld xmlns:a="http://schemas.openxmlformats.org/drawingml/2006/main" xmlns:r="http://schemas.openxmlformats.org/officeDocument/2006/relationships" xmlns:mc="http://schemas.openxmlformats.org/markup-compatibility/2006" xmlns:mv="urn:schemas-microsoft-com:mac:vml" xmlns:p="http://schemas.openxmlformats.org/presentationml/2006/main" mc:Ignorable="mv" mc:PreserveAttributes="mv:*">
+  <p:cSld>
+    <p:spTree>
+      <p:nvGrpSpPr>
+        <p:cNvPr id="1" name=""/>
+        <p:cNvGrpSpPr/>
+        <p:nvPr/>
+      </p:nvGrpSpPr>
+      <p:grpSpPr>
+        <a:xfrm>
+          <a:off x="0" y="0"/>
+          <a:ext cx="0" cy="0"/>
+          <a:chOff x="0" y="0"/>
+          <a:chExt cx="0" cy="0"/>
+        </a:xfrm>
+      </p:grpSpPr>
+      <p:sp>
+        <p:nvSpPr>
+          <p:cNvPr id="59393" name="Title 1"/>
+          <p:cNvSpPr>
+            <a:spLocks noGrp="1"/>
+          </p:cNvSpPr>
+          <p:nvPr>
+            <p:ph type="ctrTitle"/>
+          </p:nvPr>
+        </p:nvSpPr>
+        <p:spPr>
+          <a:xfrm>
+            <a:off x="457200" y="2130425"/>
+            <a:ext cx="8229600" cy="1470025"/>
+          </a:xfrm>
+        </p:spPr>
+        <p:txBody>
+          <a:bodyPr/>
+          <a:lstStyle/>
+          <a:p>
+            <a:r>
+              <a:rPr lang="en-US" sz="4000" dirty="0" smtClean="0"/>
+              <a:t>Example:  </a:t>
+            </a:r>
+            <a:br>
+              <a:rPr lang="en-US" sz="4000" dirty="0" smtClean="0"/>
+            </a:br>
+            <a:r>
+              <a:rPr lang="en-US" sz="4000" dirty="0" smtClean="0"/>
+              <a:t>Network Access Authentication</a:t>
+            </a:r>
+          </a:p>
+        </p:txBody>
+      </p:sp>
+    </p:spTree>
+  </p:cSld>
+  <p:clrMapOvr>
+    <a:masterClrMapping/>
+  </p:clrMapOvr>
+  <p:timing>
+    <p:tnLst>
+      <p:par>
+        <p:cTn id="1" dur="indefinite" restart="never" nodeType="tmRoot"/>
+      </p:par>
+    </p:tnLst>
+  </p:timing>
+</p:sld>
+</file>
+
+<file path=ppt/slides/slide13.xml><?xml version="1.0" encoding="utf-8"?>
 <p:sld xmlns:a="http://schemas.openxmlformats.org/drawingml/2006/main" xmlns:r="http://schemas.openxmlformats.org/officeDocument/2006/relationships" xmlns:mc="http://schemas.openxmlformats.org/markup-compatibility/2006" xmlns:mv="urn:schemas-microsoft-com:mac:vml" xmlns:p="http://schemas.openxmlformats.org/presentationml/2006/main" mc:Ignorable="mv" mc:PreserveAttributes="mv:*">
   <p:cSld>
     <p:spTree>
@@ -5657,7 +5995,7 @@
 </p:sld>
 </file>
 
-<file path=ppt/slides/slide11.xml><?xml version="1.0" encoding="utf-8"?>
+<file path=ppt/slides/slide14.xml><?xml version="1.0" encoding="utf-8"?>
 <p:sld xmlns:a="http://schemas.openxmlformats.org/drawingml/2006/main" xmlns:r="http://schemas.openxmlformats.org/officeDocument/2006/relationships" xmlns:mc="http://schemas.openxmlformats.org/markup-compatibility/2006" xmlns:mv="urn:schemas-microsoft-com:mac:vml" xmlns:p="http://schemas.openxmlformats.org/presentationml/2006/main" mc:Ignorable="mv" mc:PreserveAttributes="mv:*">
   <p:cSld>
     <p:spTree>
@@ -5711,9 +6049,10 @@
             <a:chExt cx="8501122" cy="5357850"/>
           </a:xfrm>
           <a:solidFill>
-            <a:srgbClr val="3399FF">
+            <a:schemeClr val="bg1">
+              <a:lumMod val="50000"/>
               <a:alpha val="30196"/>
-            </a:srgbClr>
+            </a:schemeClr>
           </a:solidFill>
         </p:grpSpPr>
         <p:sp>
@@ -6533,7 +6872,7 @@
             <a:noFill/>
             <a:ln w="28575">
               <a:solidFill>
-                <a:srgbClr val="FF00FF"/>
+                <a:srgbClr val="800000"/>
               </a:solidFill>
               <a:round/>
               <a:headEnd/>
@@ -6560,7 +6899,7 @@
             <a:noFill/>
             <a:ln w="28575">
               <a:solidFill>
-                <a:srgbClr val="FF00FF"/>
+                <a:srgbClr val="800000"/>
               </a:solidFill>
               <a:round/>
               <a:headEnd/>
@@ -6587,7 +6926,7 @@
             <a:noFill/>
             <a:ln w="28575">
               <a:solidFill>
-                <a:srgbClr val="FF00FF"/>
+                <a:srgbClr val="800000"/>
               </a:solidFill>
               <a:round/>
               <a:headEnd/>
@@ -6615,7 +6954,7 @@
           <a:noFill/>
           <a:ln w="28575">
             <a:solidFill>
-              <a:srgbClr val="FF00FF"/>
+              <a:srgbClr val="800000"/>
             </a:solidFill>
             <a:round/>
             <a:headEnd/>
@@ -6871,17 +7210,17 @@
           <a:lstStyle/>
           <a:p>
             <a:r>
-              <a:rPr lang="en-US" b="1">
+              <a:rPr lang="en-US" b="1" dirty="0">
                 <a:solidFill>
-                  <a:srgbClr val="FF00FF"/>
+                  <a:srgbClr val="800000"/>
                 </a:solidFill>
                 <a:latin typeface="Calibri" pitchFamily="34" charset="0"/>
               </a:rPr>
               <a:t>EAP MSK</a:t>
             </a:r>
-            <a:endParaRPr lang="en-GB" b="1">
+            <a:endParaRPr lang="en-GB" b="1" dirty="0">
               <a:solidFill>
-                <a:srgbClr val="FF00FF"/>
+                <a:srgbClr val="800000"/>
               </a:solidFill>
               <a:latin typeface="Calibri" pitchFamily="34" charset="0"/>
             </a:endParaRPr>
@@ -6919,17 +7258,17 @@
           <a:lstStyle/>
           <a:p>
             <a:r>
-              <a:rPr lang="en-US" b="1">
+              <a:rPr lang="en-US" b="1" dirty="0">
                 <a:solidFill>
-                  <a:srgbClr val="FF00FF"/>
+                  <a:srgbClr val="800000"/>
                 </a:solidFill>
                 <a:latin typeface="Calibri" pitchFamily="34" charset="0"/>
               </a:rPr>
               <a:t>EAP MSK</a:t>
             </a:r>
-            <a:endParaRPr lang="en-GB" b="1">
+            <a:endParaRPr lang="en-GB" b="1" dirty="0">
               <a:solidFill>
-                <a:srgbClr val="FF00FF"/>
+                <a:srgbClr val="800000"/>
               </a:solidFill>
               <a:latin typeface="Calibri" pitchFamily="34" charset="0"/>
             </a:endParaRPr>
@@ -6944,555 +7283,6 @@
   <p:transition>
     <p:fade/>
   </p:transition>
-  <p:timing>
-    <p:tnLst>
-      <p:par>
-        <p:cTn id="1" dur="indefinite" restart="never" nodeType="tmRoot"/>
-      </p:par>
-    </p:tnLst>
-  </p:timing>
-</p:sld>
-</file>
-
-<file path=ppt/slides/slide12.xml><?xml version="1.0" encoding="utf-8"?>
-<p:sld xmlns:a="http://schemas.openxmlformats.org/drawingml/2006/main" xmlns:r="http://schemas.openxmlformats.org/officeDocument/2006/relationships" xmlns:mc="http://schemas.openxmlformats.org/markup-compatibility/2006" xmlns:mv="urn:schemas-microsoft-com:mac:vml" xmlns:p="http://schemas.openxmlformats.org/presentationml/2006/main" mc:Ignorable="mv" mc:PreserveAttributes="mv:*">
-  <p:cSld>
-    <p:spTree>
-      <p:nvGrpSpPr>
-        <p:cNvPr id="1" name=""/>
-        <p:cNvGrpSpPr/>
-        <p:nvPr/>
-      </p:nvGrpSpPr>
-      <p:grpSpPr>
-        <a:xfrm>
-          <a:off x="0" y="0"/>
-          <a:ext cx="0" cy="0"/>
-          <a:chOff x="0" y="0"/>
-          <a:chExt cx="0" cy="0"/>
-        </a:xfrm>
-      </p:grpSpPr>
-      <p:sp>
-        <p:nvSpPr>
-          <p:cNvPr id="2" name="Title 1"/>
-          <p:cNvSpPr>
-            <a:spLocks noGrp="1"/>
-          </p:cNvSpPr>
-          <p:nvPr>
-            <p:ph type="title"/>
-          </p:nvPr>
-        </p:nvSpPr>
-        <p:spPr/>
-        <p:txBody>
-          <a:bodyPr/>
-          <a:lstStyle/>
-          <a:p>
-            <a:r>
-              <a:rPr lang="en-US" dirty="0" smtClean="0">
-                <a:latin typeface="Calibri" charset="0"/>
-              </a:rPr>
-              <a:t>Guideline</a:t>
-            </a:r>
-            <a:endParaRPr lang="en-US" dirty="0"/>
-          </a:p>
-        </p:txBody>
-      </p:sp>
-      <p:sp>
-        <p:nvSpPr>
-          <p:cNvPr id="3" name="Content Placeholder 2"/>
-          <p:cNvSpPr>
-            <a:spLocks noGrp="1"/>
-          </p:cNvSpPr>
-          <p:nvPr>
-            <p:ph idx="1"/>
-          </p:nvPr>
-        </p:nvSpPr>
-        <p:spPr/>
-        <p:txBody>
-          <a:bodyPr/>
-          <a:lstStyle/>
-          <a:p>
-            <a:r>
-              <a:rPr lang="en-US" sz="2400" b="1" dirty="0" smtClean="0"/>
-              <a:t>Identifiers</a:t>
-            </a:r>
-            <a:r>
-              <a:rPr lang="en-US" sz="2400" dirty="0" smtClean="0"/>
-              <a:t>.  What identifiers does the protocol use for distinguishing initiators of communications?</a:t>
-            </a:r>
-          </a:p>
-          <a:p>
-            <a:r>
-              <a:rPr lang="en-US" sz="2400" b="1" dirty="0" smtClean="0"/>
-              <a:t>Observers</a:t>
-            </a:r>
-            <a:r>
-              <a:rPr lang="en-US" sz="2400" dirty="0" smtClean="0"/>
-              <a:t>.  Which information is exposed to other protocol entities? </a:t>
-            </a:r>
-          </a:p>
-          <a:p>
-            <a:r>
-              <a:rPr lang="en-US" sz="2400" b="1" dirty="0" smtClean="0"/>
-              <a:t>Persistence of identifiers</a:t>
-            </a:r>
-            <a:r>
-              <a:rPr lang="en-US" sz="2400" dirty="0" smtClean="0"/>
-              <a:t>.  What assumptions are made in the protocol design about the lifetime of the identifiers?</a:t>
-            </a:r>
-          </a:p>
-          <a:p>
-            <a:r>
-              <a:rPr lang="en-US" sz="2400" b="1" dirty="0" smtClean="0"/>
-              <a:t>Correlation</a:t>
-            </a:r>
-            <a:r>
-              <a:rPr lang="en-US" sz="2400" dirty="0" smtClean="0"/>
-              <a:t>.  Does the protocol allow for correlation of identifiers?</a:t>
-            </a:r>
-            <a:endParaRPr lang="en-US" sz="2400" dirty="0" smtClean="0">
-              <a:latin typeface="Calibri" charset="0"/>
-            </a:endParaRPr>
-          </a:p>
-        </p:txBody>
-      </p:sp>
-      <p:sp>
-        <p:nvSpPr>
-          <p:cNvPr id="4" name="Slide Number Placeholder 3"/>
-          <p:cNvSpPr>
-            <a:spLocks noGrp="1"/>
-          </p:cNvSpPr>
-          <p:nvPr>
-            <p:ph type="sldNum" sz="quarter" idx="12"/>
-          </p:nvPr>
-        </p:nvSpPr>
-        <p:spPr/>
-        <p:txBody>
-          <a:bodyPr/>
-          <a:lstStyle/>
-          <a:p>
-            <a:pPr>
-              <a:defRPr/>
-            </a:pPr>
-            <a:fld id="{4E698A4C-E10E-4ED5-A726-2B34B2342519}" type="slidenum">
-              <a:rPr lang="en-US" smtClean="0"/>
-              <a:pPr>
-                <a:defRPr/>
-              </a:pPr>
-              <a:t>12</a:t>
-            </a:fld>
-            <a:endParaRPr lang="en-US"/>
-          </a:p>
-        </p:txBody>
-      </p:sp>
-    </p:spTree>
-  </p:cSld>
-  <p:clrMapOvr>
-    <a:masterClrMapping/>
-  </p:clrMapOvr>
-</p:sld>
-</file>
-
-<file path=ppt/slides/slide13.xml><?xml version="1.0" encoding="utf-8"?>
-<p:sld xmlns:a="http://schemas.openxmlformats.org/drawingml/2006/main" xmlns:r="http://schemas.openxmlformats.org/officeDocument/2006/relationships" xmlns:mc="http://schemas.openxmlformats.org/markup-compatibility/2006" xmlns:mv="urn:schemas-microsoft-com:mac:vml" xmlns:p="http://schemas.openxmlformats.org/presentationml/2006/main" mc:Ignorable="mv" mc:PreserveAttributes="mv:*">
-  <p:cSld>
-    <p:spTree>
-      <p:nvGrpSpPr>
-        <p:cNvPr id="1" name=""/>
-        <p:cNvGrpSpPr/>
-        <p:nvPr/>
-      </p:nvGrpSpPr>
-      <p:grpSpPr>
-        <a:xfrm>
-          <a:off x="0" y="0"/>
-          <a:ext cx="0" cy="0"/>
-          <a:chOff x="0" y="0"/>
-          <a:chExt cx="0" cy="0"/>
-        </a:xfrm>
-      </p:grpSpPr>
-      <p:sp>
-        <p:nvSpPr>
-          <p:cNvPr id="62465" name="Title 1"/>
-          <p:cNvSpPr>
-            <a:spLocks noGrp="1"/>
-          </p:cNvSpPr>
-          <p:nvPr>
-            <p:ph type="title"/>
-          </p:nvPr>
-        </p:nvSpPr>
-        <p:spPr/>
-        <p:txBody>
-          <a:bodyPr/>
-          <a:lstStyle/>
-          <a:p>
-            <a:r>
-              <a:rPr lang="en-US" dirty="0" smtClean="0"/>
-              <a:t>Identifiers</a:t>
-            </a:r>
-          </a:p>
-        </p:txBody>
-      </p:sp>
-      <p:sp>
-        <p:nvSpPr>
-          <p:cNvPr id="62466" name="Content Placeholder 2"/>
-          <p:cNvSpPr txBox="1">
-            <a:spLocks/>
-          </p:cNvSpPr>
-          <p:nvPr/>
-        </p:nvSpPr>
-        <p:spPr bwMode="auto">
-          <a:xfrm>
-            <a:off x="457200" y="1600200"/>
-            <a:ext cx="8229600" cy="4525963"/>
-          </a:xfrm>
-          <a:prstGeom prst="rect">
-            <a:avLst/>
-          </a:prstGeom>
-          <a:noFill/>
-          <a:ln w="9525">
-            <a:noFill/>
-            <a:miter lim="800000"/>
-            <a:headEnd/>
-            <a:tailEnd/>
-          </a:ln>
-        </p:spPr>
-        <p:txBody>
-          <a:bodyPr/>
-          <a:lstStyle/>
-          <a:p>
-            <a:pPr marL="342900" indent="-342900" eaLnBrk="0" hangingPunct="0">
-              <a:spcBef>
-                <a:spcPct val="20000"/>
-              </a:spcBef>
-              <a:buFont typeface="Arial" charset="0"/>
-              <a:buChar char="•"/>
-            </a:pPr>
-            <a:r>
-              <a:rPr lang="en-US" sz="2000" dirty="0">
-                <a:latin typeface="Calibri" pitchFamily="34" charset="0"/>
-                <a:ea typeface="ＭＳ Ｐゴシック" pitchFamily="34" charset="-128"/>
-              </a:rPr>
-              <a:t>The MAC address of the end device.</a:t>
-            </a:r>
-          </a:p>
-          <a:p>
-            <a:pPr marL="342900" indent="-342900" eaLnBrk="0" hangingPunct="0">
-              <a:spcBef>
-                <a:spcPct val="20000"/>
-              </a:spcBef>
-              <a:buFont typeface="Arial" charset="0"/>
-              <a:buChar char="•"/>
-            </a:pPr>
-            <a:r>
-              <a:rPr lang="en-US" sz="2000" dirty="0">
-                <a:latin typeface="Calibri" pitchFamily="34" charset="0"/>
-                <a:ea typeface="ＭＳ Ｐゴシック" pitchFamily="34" charset="-128"/>
-              </a:rPr>
-              <a:t>The IP address of the user, typically assigned after the EAP exchange has completed.</a:t>
-            </a:r>
-          </a:p>
-          <a:p>
-            <a:pPr marL="342900" indent="-342900" eaLnBrk="0" hangingPunct="0">
-              <a:spcBef>
-                <a:spcPct val="20000"/>
-              </a:spcBef>
-              <a:buFont typeface="Arial" charset="0"/>
-              <a:buChar char="•"/>
-            </a:pPr>
-            <a:r>
-              <a:rPr lang="en-US" sz="2000" dirty="0">
-                <a:latin typeface="Calibri" pitchFamily="34" charset="0"/>
-                <a:ea typeface="ＭＳ Ｐゴシック" pitchFamily="34" charset="-128"/>
-              </a:rPr>
-              <a:t>The EAP network access identifier (NAI) used in the EAP-Response/Identity exchange.  The NAI is defined in RFC 4282. </a:t>
-            </a:r>
-          </a:p>
-          <a:p>
-            <a:pPr marL="342900" indent="-342900" eaLnBrk="0" hangingPunct="0">
-              <a:spcBef>
-                <a:spcPct val="20000"/>
-              </a:spcBef>
-              <a:buFont typeface="Arial" charset="0"/>
-              <a:buChar char="•"/>
-            </a:pPr>
-            <a:r>
-              <a:rPr lang="en-US" sz="2000" dirty="0">
-                <a:latin typeface="Calibri" pitchFamily="34" charset="0"/>
-                <a:ea typeface="ＭＳ Ｐゴシック" pitchFamily="34" charset="-128"/>
-              </a:rPr>
-              <a:t>The EAP NAI used within the</a:t>
-            </a:r>
-            <a:r>
-              <a:rPr lang="en-US" sz="2000" dirty="0" smtClean="0">
-                <a:latin typeface="Calibri" pitchFamily="34" charset="0"/>
-                <a:ea typeface="ＭＳ Ｐゴシック" pitchFamily="34" charset="-128"/>
-              </a:rPr>
-              <a:t> EAP </a:t>
-            </a:r>
-            <a:r>
-              <a:rPr lang="en-US" sz="2000" dirty="0">
-                <a:latin typeface="Calibri" pitchFamily="34" charset="0"/>
-                <a:ea typeface="ＭＳ Ｐゴシック" pitchFamily="34" charset="-128"/>
-              </a:rPr>
-              <a:t>method</a:t>
-            </a:r>
-            <a:r>
-              <a:rPr lang="en-US" sz="2000" dirty="0" smtClean="0">
-                <a:latin typeface="Calibri" pitchFamily="34" charset="0"/>
-                <a:ea typeface="ＭＳ Ｐゴシック" pitchFamily="34" charset="-128"/>
-              </a:rPr>
-              <a:t> itself. </a:t>
-            </a:r>
-          </a:p>
-          <a:p>
-            <a:pPr marL="342900" indent="-342900" eaLnBrk="0" hangingPunct="0">
-              <a:spcBef>
-                <a:spcPct val="20000"/>
-              </a:spcBef>
-              <a:buFont typeface="Arial" charset="0"/>
-              <a:buChar char="•"/>
-            </a:pPr>
-            <a:r>
-              <a:rPr lang="en-US" sz="2000" dirty="0">
-                <a:latin typeface="Calibri" pitchFamily="34" charset="0"/>
-                <a:ea typeface="ＭＳ Ｐゴシック" pitchFamily="34" charset="-128"/>
-              </a:rPr>
-              <a:t>Network Access Server (NAS) identifiers carried by the AAA protocol.   There include: NAS-Identifier, NAS-IPv4-Address (RFC 2865), NAS-IPv6-Address (RFC 3162) and Called-Station-Id (RFC 2865, 3580).  In addition to identifying the NAS, these attributes can be used to infer the user's location. </a:t>
-            </a:r>
-          </a:p>
-          <a:p>
-            <a:pPr marL="342900" indent="-342900" eaLnBrk="0" hangingPunct="0">
-              <a:spcBef>
-                <a:spcPct val="20000"/>
-              </a:spcBef>
-              <a:buFont typeface="Arial" charset="0"/>
-              <a:buChar char="•"/>
-            </a:pPr>
-            <a:r>
-              <a:rPr lang="en-US" sz="2000" dirty="0">
-                <a:latin typeface="Calibri" pitchFamily="34" charset="0"/>
-                <a:ea typeface="ＭＳ Ｐゴシック" pitchFamily="34" charset="-128"/>
-              </a:rPr>
-              <a:t>User identifiers carried by the AAA protocol.  These include the following attributes: User-Name (RFC 2865), Calling-Station-Id (RFC 3580)  EAP-Message attribute (RFC 3579), Chargeable User Identity (RFC 4372).</a:t>
-            </a:r>
-            <a:r>
-              <a:rPr lang="en-US" sz="2000" dirty="0" smtClean="0">
-                <a:latin typeface="Calibri" pitchFamily="34" charset="0"/>
-                <a:ea typeface="ＭＳ Ｐゴシック" pitchFamily="34" charset="-128"/>
-              </a:rPr>
-              <a:t> </a:t>
-            </a:r>
-            <a:endParaRPr lang="en-US" sz="2000" dirty="0">
-              <a:latin typeface="Calibri" pitchFamily="34" charset="0"/>
-              <a:ea typeface="ＭＳ Ｐゴシック" pitchFamily="34" charset="-128"/>
-            </a:endParaRPr>
-          </a:p>
-        </p:txBody>
-      </p:sp>
-    </p:spTree>
-  </p:cSld>
-  <p:clrMapOvr>
-    <a:masterClrMapping/>
-  </p:clrMapOvr>
-  <p:timing>
-    <p:tnLst>
-      <p:par>
-        <p:cTn id="1" dur="indefinite" restart="never" nodeType="tmRoot"/>
-      </p:par>
-    </p:tnLst>
-  </p:timing>
-</p:sld>
-</file>
-
-<file path=ppt/slides/slide14.xml><?xml version="1.0" encoding="utf-8"?>
-<p:sld xmlns:a="http://schemas.openxmlformats.org/drawingml/2006/main" xmlns:r="http://schemas.openxmlformats.org/officeDocument/2006/relationships" xmlns:mc="http://schemas.openxmlformats.org/markup-compatibility/2006" xmlns:mv="urn:schemas-microsoft-com:mac:vml" xmlns:p="http://schemas.openxmlformats.org/presentationml/2006/main" mc:Ignorable="mv" mc:PreserveAttributes="mv:*">
-  <p:cSld>
-    <p:spTree>
-      <p:nvGrpSpPr>
-        <p:cNvPr id="1" name=""/>
-        <p:cNvGrpSpPr/>
-        <p:nvPr/>
-      </p:nvGrpSpPr>
-      <p:grpSpPr>
-        <a:xfrm>
-          <a:off x="0" y="0"/>
-          <a:ext cx="0" cy="0"/>
-          <a:chOff x="0" y="0"/>
-          <a:chExt cx="0" cy="0"/>
-        </a:xfrm>
-      </p:grpSpPr>
-      <p:sp>
-        <p:nvSpPr>
-          <p:cNvPr id="63489" name="Title 1"/>
-          <p:cNvSpPr>
-            <a:spLocks noGrp="1"/>
-          </p:cNvSpPr>
-          <p:nvPr>
-            <p:ph type="title"/>
-          </p:nvPr>
-        </p:nvSpPr>
-        <p:spPr/>
-        <p:txBody>
-          <a:bodyPr/>
-          <a:lstStyle/>
-          <a:p>
-            <a:r>
-              <a:rPr lang="en-US" smtClean="0"/>
-              <a:t>Lessons Learned</a:t>
-            </a:r>
-          </a:p>
-        </p:txBody>
-      </p:sp>
-      <p:sp>
-        <p:nvSpPr>
-          <p:cNvPr id="63490" name="Content Placeholder 2"/>
-          <p:cNvSpPr txBox="1">
-            <a:spLocks/>
-          </p:cNvSpPr>
-          <p:nvPr/>
-        </p:nvSpPr>
-        <p:spPr bwMode="auto">
-          <a:xfrm>
-            <a:off x="381000" y="1493838"/>
-            <a:ext cx="8458200" cy="4525962"/>
-          </a:xfrm>
-          <a:prstGeom prst="rect">
-            <a:avLst/>
-          </a:prstGeom>
-          <a:noFill/>
-          <a:ln w="9525">
-            <a:noFill/>
-            <a:miter lim="800000"/>
-            <a:headEnd/>
-            <a:tailEnd/>
-          </a:ln>
-        </p:spPr>
-        <p:txBody>
-          <a:bodyPr/>
-          <a:lstStyle/>
-          <a:p>
-            <a:pPr marL="457200" indent="-457200">
-              <a:spcBef>
-                <a:spcPct val="20000"/>
-              </a:spcBef>
-              <a:buFont typeface="Calibri" pitchFamily="34" charset="0"/>
-              <a:buAutoNum type="arabicPeriod"/>
-            </a:pPr>
-            <a:r>
-              <a:rPr lang="en-US" sz="2400" dirty="0">
-                <a:latin typeface="Calibri" pitchFamily="34" charset="0"/>
-              </a:rPr>
-              <a:t>No privacy threat model was developed. Instead the debate occurred on a piecemeal basis across multiple documents and </a:t>
-            </a:r>
-            <a:r>
-              <a:rPr lang="en-US" sz="2400" dirty="0" err="1">
-                <a:latin typeface="Calibri" pitchFamily="34" charset="0"/>
-              </a:rPr>
-              <a:t>WGs</a:t>
-            </a:r>
-            <a:r>
-              <a:rPr lang="en-US" sz="2400" dirty="0">
-                <a:latin typeface="Calibri" pitchFamily="34" charset="0"/>
-              </a:rPr>
-              <a:t>. </a:t>
-            </a:r>
-          </a:p>
-          <a:p>
-            <a:pPr marL="457200" indent="-457200">
-              <a:spcBef>
-                <a:spcPct val="20000"/>
-              </a:spcBef>
-              <a:buFont typeface="Calibri" pitchFamily="34" charset="0"/>
-              <a:buAutoNum type="arabicPeriod"/>
-            </a:pPr>
-            <a:r>
-              <a:rPr lang="en-US" sz="2400" dirty="0">
-                <a:latin typeface="Calibri" pitchFamily="34" charset="0"/>
-              </a:rPr>
-              <a:t>Due to the piecemeal nature of the discussion, introduction of</a:t>
-            </a:r>
-            <a:r>
-              <a:rPr lang="en-US" sz="2400" dirty="0" smtClean="0">
-                <a:latin typeface="Calibri" pitchFamily="34" charset="0"/>
-              </a:rPr>
-              <a:t> identity confidentiality </a:t>
-            </a:r>
-            <a:r>
-              <a:rPr lang="en-US" sz="2400" dirty="0">
-                <a:latin typeface="Calibri" pitchFamily="34" charset="0"/>
-              </a:rPr>
-              <a:t>in one part of the system (e.g</a:t>
-            </a:r>
-            <a:r>
-              <a:rPr lang="en-US" sz="2400" dirty="0" smtClean="0">
-                <a:latin typeface="Calibri" pitchFamily="34" charset="0"/>
-              </a:rPr>
-              <a:t>., </a:t>
-            </a:r>
-            <a:r>
-              <a:rPr lang="en-US" sz="2400" dirty="0">
-                <a:latin typeface="Calibri" pitchFamily="34" charset="0"/>
-              </a:rPr>
-              <a:t>user-NAS communications) resulted in issues arising for other actors (e.g</a:t>
-            </a:r>
-            <a:r>
-              <a:rPr lang="en-US" sz="2400" dirty="0" smtClean="0">
-                <a:latin typeface="Calibri" pitchFamily="34" charset="0"/>
-              </a:rPr>
-              <a:t>., </a:t>
-            </a:r>
-            <a:r>
-              <a:rPr lang="en-US" sz="2400" dirty="0">
-                <a:latin typeface="Calibri" pitchFamily="34" charset="0"/>
-              </a:rPr>
-              <a:t>network providers, administrators). </a:t>
-            </a:r>
-          </a:p>
-          <a:p>
-            <a:pPr marL="457200" indent="-457200">
-              <a:spcBef>
-                <a:spcPct val="20000"/>
-              </a:spcBef>
-              <a:buFont typeface="Calibri" pitchFamily="34" charset="0"/>
-              <a:buAutoNum type="arabicPeriod"/>
-            </a:pPr>
-            <a:r>
-              <a:rPr lang="en-US" sz="2400" dirty="0">
-                <a:latin typeface="Calibri" pitchFamily="34" charset="0"/>
-              </a:rPr>
-              <a:t>No terminology was defined, nor were the goals laid out. </a:t>
-            </a:r>
-            <a:r>
-              <a:rPr lang="en-US" sz="2400" dirty="0" smtClean="0">
-                <a:latin typeface="Calibri" pitchFamily="34" charset="0"/>
-              </a:rPr>
-              <a:t> The </a:t>
-            </a:r>
-            <a:r>
-              <a:rPr lang="en-US" sz="2400" dirty="0">
-                <a:latin typeface="Calibri" pitchFamily="34" charset="0"/>
-              </a:rPr>
-              <a:t>initial concerns seemed to be more about security than privacy, and subsequent arguments more about </a:t>
-            </a:r>
-            <a:r>
-              <a:rPr lang="en-US" sz="2400" dirty="0" smtClean="0">
-                <a:latin typeface="Calibri" pitchFamily="34" charset="0"/>
-              </a:rPr>
-              <a:t>billing assurance </a:t>
-            </a:r>
-            <a:r>
-              <a:rPr lang="en-US" sz="2400" dirty="0">
-                <a:latin typeface="Calibri" pitchFamily="34" charset="0"/>
-              </a:rPr>
-              <a:t>than privacy.  </a:t>
-            </a:r>
-          </a:p>
-        </p:txBody>
-      </p:sp>
-    </p:spTree>
-  </p:cSld>
-  <p:clrMapOvr>
-    <a:masterClrMapping/>
-  </p:clrMapOvr>
   <p:timing>
     <p:tnLst>
       <p:par>
@@ -7522,7 +7312,7 @@
       </p:grpSpPr>
       <p:sp>
         <p:nvSpPr>
-          <p:cNvPr id="64513" name="Title 1"/>
+          <p:cNvPr id="2" name="Title 1"/>
           <p:cNvSpPr>
             <a:spLocks noGrp="1"/>
           </p:cNvSpPr>
@@ -7536,153 +7326,100 @@
           <a:lstStyle/>
           <a:p>
             <a:r>
-              <a:rPr lang="en-US" smtClean="0"/>
-              <a:t>Lessons Learned, cont.</a:t>
-            </a:r>
-          </a:p>
-        </p:txBody>
-      </p:sp>
-      <p:sp>
-        <p:nvSpPr>
-          <p:cNvPr id="64514" name="Content Placeholder 2"/>
-          <p:cNvSpPr txBox="1">
-            <a:spLocks/>
-          </p:cNvSpPr>
-          <p:nvPr/>
-        </p:nvSpPr>
-        <p:spPr bwMode="auto">
-          <a:xfrm>
-            <a:off x="381000" y="1493838"/>
-            <a:ext cx="8458200" cy="4525962"/>
-          </a:xfrm>
-          <a:prstGeom prst="rect">
-            <a:avLst/>
-          </a:prstGeom>
-          <a:noFill/>
-          <a:ln w="9525">
-            <a:noFill/>
-            <a:miter lim="800000"/>
-            <a:headEnd/>
-            <a:tailEnd/>
-          </a:ln>
-        </p:spPr>
+              <a:rPr lang="en-US" dirty="0" smtClean="0">
+                <a:latin typeface="Calibri" charset="0"/>
+              </a:rPr>
+              <a:t>Guideline</a:t>
+            </a:r>
+            <a:endParaRPr lang="en-US" dirty="0"/>
+          </a:p>
+        </p:txBody>
+      </p:sp>
+      <p:sp>
+        <p:nvSpPr>
+          <p:cNvPr id="3" name="Content Placeholder 2"/>
+          <p:cNvSpPr>
+            <a:spLocks noGrp="1"/>
+          </p:cNvSpPr>
+          <p:nvPr>
+            <p:ph idx="1"/>
+          </p:nvPr>
+        </p:nvSpPr>
+        <p:spPr/>
         <p:txBody>
           <a:bodyPr/>
           <a:lstStyle/>
           <a:p>
-            <a:pPr marL="457200" indent="-457200">
-              <a:spcBef>
-                <a:spcPct val="20000"/>
-              </a:spcBef>
-              <a:buFont typeface="Calibri" pitchFamily="34" charset="0"/>
-              <a:buAutoNum type="arabicPeriod" startAt="4"/>
-            </a:pPr>
-            <a:r>
-              <a:rPr lang="en-US" sz="2000" dirty="0">
-                <a:latin typeface="Calibri" pitchFamily="34" charset="0"/>
-              </a:rPr>
-              <a:t>Although regulatory requirements eventually loomed large in the debate, these were never referenced in any of the documents, or even comprehensively discussed.  As a result, there were arguments within the IETF as well as IEEE 802 about what those requirements were real or imagined that were never put to rest  (e.g., is a MAC address considered</a:t>
-            </a:r>
-            <a:r>
-              <a:rPr lang="en-US" sz="2000" dirty="0" smtClean="0">
-                <a:latin typeface="Calibri" pitchFamily="34" charset="0"/>
-              </a:rPr>
-              <a:t> personal data?</a:t>
-            </a:r>
-            <a:r>
-              <a:rPr lang="en-US" sz="2000" dirty="0">
-                <a:latin typeface="Calibri" pitchFamily="34" charset="0"/>
-              </a:rPr>
-              <a:t>  What other things in the EAP/AAA system are considered</a:t>
-            </a:r>
-            <a:r>
-              <a:rPr lang="en-US" sz="2000" dirty="0" smtClean="0">
-                <a:latin typeface="Calibri" pitchFamily="34" charset="0"/>
-              </a:rPr>
-              <a:t> personal data?</a:t>
-            </a:r>
-            <a:r>
-              <a:rPr lang="en-US" sz="2000" dirty="0">
-                <a:latin typeface="Calibri" pitchFamily="34" charset="0"/>
-              </a:rPr>
-              <a:t>).  </a:t>
-            </a:r>
-          </a:p>
-          <a:p>
-            <a:pPr marL="457200" indent="-457200">
-              <a:spcBef>
-                <a:spcPct val="20000"/>
-              </a:spcBef>
-              <a:buFont typeface="Calibri" pitchFamily="34" charset="0"/>
-              <a:buAutoNum type="arabicPeriod" startAt="4"/>
-            </a:pPr>
-            <a:r>
-              <a:rPr lang="en-US" sz="2000" dirty="0">
-                <a:latin typeface="Calibri" pitchFamily="34" charset="0"/>
-              </a:rPr>
-              <a:t>The lack of a definition of privacy goals lead to somewhat odd design decisions that were not fully justified or even discussed.</a:t>
-            </a:r>
-          </a:p>
-          <a:p>
-            <a:pPr marL="457200" indent="-457200">
-              <a:spcBef>
-                <a:spcPct val="20000"/>
-              </a:spcBef>
-              <a:buFont typeface="Calibri" pitchFamily="34" charset="0"/>
-              <a:buAutoNum type="arabicPeriod" startAt="4"/>
-            </a:pPr>
-            <a:r>
-              <a:rPr lang="en-US" sz="2000" dirty="0">
-                <a:latin typeface="Calibri" pitchFamily="34" charset="0"/>
-              </a:rPr>
-              <a:t>The use of EAP and AAA data in other contexts has continued to grow.  </a:t>
-            </a:r>
-          </a:p>
-          <a:p>
-            <a:pPr marL="800100" lvl="1" indent="-342900">
-              <a:spcBef>
-                <a:spcPct val="20000"/>
-              </a:spcBef>
-              <a:buFont typeface="Arial" charset="0"/>
-              <a:buChar char="•"/>
-            </a:pPr>
-            <a:r>
-              <a:rPr lang="en-US" sz="2000" dirty="0">
-                <a:latin typeface="Calibri" pitchFamily="34" charset="0"/>
-              </a:rPr>
-              <a:t>For example, this data is a very popular source of location info as provided in location configuration protocols (e.g., HELD, DHCP).  </a:t>
-            </a:r>
-          </a:p>
-          <a:p>
-            <a:pPr marL="800100" lvl="1" indent="-342900">
-              <a:spcBef>
-                <a:spcPct val="20000"/>
-              </a:spcBef>
-              <a:buFont typeface="Arial" charset="0"/>
-              <a:buChar char="•"/>
-            </a:pPr>
-            <a:r>
-              <a:rPr lang="en-US" sz="2000" dirty="0">
-                <a:latin typeface="Calibri" pitchFamily="34" charset="0"/>
-              </a:rPr>
-              <a:t>It is also commonly used in response to security incidents (e.g., denying access to infected machines, detection of spoofing or </a:t>
-            </a:r>
-            <a:r>
-              <a:rPr lang="en-US" sz="2000" dirty="0" err="1">
-                <a:latin typeface="Calibri" pitchFamily="34" charset="0"/>
-              </a:rPr>
-              <a:t>bot</a:t>
-            </a:r>
-            <a:r>
-              <a:rPr lang="en-US" sz="2000" dirty="0">
-                <a:latin typeface="Calibri" pitchFamily="34" charset="0"/>
-              </a:rPr>
-              <a:t> infection, etc.).</a:t>
-            </a:r>
-            <a:endParaRPr lang="en-US" sz="2000" dirty="0">
-              <a:latin typeface="Calibri" pitchFamily="34" charset="0"/>
-              <a:ea typeface="ＭＳ Ｐゴシック" pitchFamily="34" charset="-128"/>
+            <a:r>
+              <a:rPr lang="en-US" sz="2400" b="1" dirty="0" smtClean="0"/>
+              <a:t>Identifiers</a:t>
+            </a:r>
+            <a:r>
+              <a:rPr lang="en-US" sz="2400" dirty="0" smtClean="0"/>
+              <a:t>.  What identifiers does the protocol use for distinguishing initiators of communications?</a:t>
+            </a:r>
+          </a:p>
+          <a:p>
+            <a:r>
+              <a:rPr lang="en-US" sz="2400" b="1" dirty="0" smtClean="0"/>
+              <a:t>Observers</a:t>
+            </a:r>
+            <a:r>
+              <a:rPr lang="en-US" sz="2400" dirty="0" smtClean="0"/>
+              <a:t>.  Which information is exposed to other protocol entities? </a:t>
+            </a:r>
+          </a:p>
+          <a:p>
+            <a:r>
+              <a:rPr lang="en-US" sz="2400" b="1" dirty="0" smtClean="0"/>
+              <a:t>Persistence of identifiers</a:t>
+            </a:r>
+            <a:r>
+              <a:rPr lang="en-US" sz="2400" dirty="0" smtClean="0"/>
+              <a:t>.  What assumptions are made in the protocol design about the lifetime of the identifiers?</a:t>
+            </a:r>
+          </a:p>
+          <a:p>
+            <a:r>
+              <a:rPr lang="en-US" sz="2400" b="1" dirty="0" smtClean="0"/>
+              <a:t>Correlation</a:t>
+            </a:r>
+            <a:r>
+              <a:rPr lang="en-US" sz="2400" dirty="0" smtClean="0"/>
+              <a:t>.  Does the protocol allow for correlation of identifiers?</a:t>
+            </a:r>
+            <a:endParaRPr lang="en-US" sz="2400" dirty="0" smtClean="0">
+              <a:latin typeface="Calibri" charset="0"/>
             </a:endParaRPr>
+          </a:p>
+        </p:txBody>
+      </p:sp>
+      <p:sp>
+        <p:nvSpPr>
+          <p:cNvPr id="4" name="Slide Number Placeholder 3"/>
+          <p:cNvSpPr>
+            <a:spLocks noGrp="1"/>
+          </p:cNvSpPr>
+          <p:nvPr>
+            <p:ph type="sldNum" sz="quarter" idx="12"/>
+          </p:nvPr>
+        </p:nvSpPr>
+        <p:spPr/>
+        <p:txBody>
+          <a:bodyPr/>
+          <a:lstStyle/>
+          <a:p>
+            <a:pPr>
+              <a:defRPr/>
+            </a:pPr>
+            <a:fld id="{4E698A4C-E10E-4ED5-A726-2B34B2342519}" type="slidenum">
+              <a:rPr lang="en-US" smtClean="0"/>
+              <a:pPr>
+                <a:defRPr/>
+              </a:pPr>
+              <a:t>15</a:t>
+            </a:fld>
+            <a:endParaRPr lang="en-US"/>
           </a:p>
         </p:txBody>
       </p:sp>
@@ -7720,28 +7457,180 @@
       </p:grpSpPr>
       <p:sp>
         <p:nvSpPr>
-          <p:cNvPr id="65537" name="Title 1"/>
-          <p:cNvSpPr>
-            <a:spLocks noGrp="1"/>
-          </p:cNvSpPr>
-          <p:nvPr>
-            <p:ph type="ctrTitle"/>
-          </p:nvPr>
-        </p:nvSpPr>
-        <p:spPr>
-          <a:xfrm>
-            <a:off x="457200" y="2130425"/>
-            <a:ext cx="8229600" cy="1470025"/>
-          </a:xfrm>
-        </p:spPr>
+          <p:cNvPr id="62465" name="Title 1"/>
+          <p:cNvSpPr>
+            <a:spLocks noGrp="1"/>
+          </p:cNvSpPr>
+          <p:nvPr>
+            <p:ph type="title"/>
+          </p:nvPr>
+        </p:nvSpPr>
+        <p:spPr/>
         <p:txBody>
           <a:bodyPr/>
           <a:lstStyle/>
           <a:p>
             <a:r>
-              <a:rPr lang="en-US" sz="4000" smtClean="0"/>
-              <a:t>Use Case: IPv6</a:t>
-            </a:r>
+              <a:rPr lang="en-US" dirty="0" smtClean="0"/>
+              <a:t>Identifiers</a:t>
+            </a:r>
+          </a:p>
+        </p:txBody>
+      </p:sp>
+      <p:sp>
+        <p:nvSpPr>
+          <p:cNvPr id="62466" name="Content Placeholder 2"/>
+          <p:cNvSpPr txBox="1">
+            <a:spLocks/>
+          </p:cNvSpPr>
+          <p:nvPr/>
+        </p:nvSpPr>
+        <p:spPr bwMode="auto">
+          <a:xfrm>
+            <a:off x="457200" y="1600200"/>
+            <a:ext cx="8229600" cy="4525963"/>
+          </a:xfrm>
+          <a:prstGeom prst="rect">
+            <a:avLst/>
+          </a:prstGeom>
+          <a:noFill/>
+          <a:ln w="9525">
+            <a:noFill/>
+            <a:miter lim="800000"/>
+            <a:headEnd/>
+            <a:tailEnd/>
+          </a:ln>
+        </p:spPr>
+        <p:txBody>
+          <a:bodyPr/>
+          <a:lstStyle/>
+          <a:p>
+            <a:pPr marL="342900" indent="-342900" eaLnBrk="0" hangingPunct="0">
+              <a:spcBef>
+                <a:spcPct val="20000"/>
+              </a:spcBef>
+              <a:buFont typeface="Arial" charset="0"/>
+              <a:buChar char="•"/>
+            </a:pPr>
+            <a:r>
+              <a:rPr lang="en-US" sz="2000" dirty="0">
+                <a:latin typeface="Calibri" pitchFamily="34" charset="0"/>
+                <a:ea typeface="ＭＳ Ｐゴシック" pitchFamily="34" charset="-128"/>
+              </a:rPr>
+              <a:t>The MAC address of the end device.</a:t>
+            </a:r>
+          </a:p>
+          <a:p>
+            <a:pPr marL="342900" indent="-342900" eaLnBrk="0" hangingPunct="0">
+              <a:spcBef>
+                <a:spcPct val="20000"/>
+              </a:spcBef>
+              <a:buFont typeface="Arial" charset="0"/>
+              <a:buChar char="•"/>
+            </a:pPr>
+            <a:r>
+              <a:rPr lang="en-US" sz="2000" dirty="0">
+                <a:latin typeface="Calibri" pitchFamily="34" charset="0"/>
+                <a:ea typeface="ＭＳ Ｐゴシック" pitchFamily="34" charset="-128"/>
+              </a:rPr>
+              <a:t>The IP address of the user, typically assigned after the EAP exchange has completed.</a:t>
+            </a:r>
+          </a:p>
+          <a:p>
+            <a:pPr marL="342900" indent="-342900" eaLnBrk="0" hangingPunct="0">
+              <a:spcBef>
+                <a:spcPct val="20000"/>
+              </a:spcBef>
+              <a:buFont typeface="Arial" charset="0"/>
+              <a:buChar char="•"/>
+            </a:pPr>
+            <a:r>
+              <a:rPr lang="en-US" sz="2000" dirty="0">
+                <a:latin typeface="Calibri" pitchFamily="34" charset="0"/>
+                <a:ea typeface="ＭＳ Ｐゴシック" pitchFamily="34" charset="-128"/>
+              </a:rPr>
+              <a:t>The EAP network access identifier (NAI) used in the EAP-Response/Identity exchange.  The NAI is defined in RFC 4282. </a:t>
+            </a:r>
+          </a:p>
+          <a:p>
+            <a:pPr marL="342900" indent="-342900" eaLnBrk="0" hangingPunct="0">
+              <a:spcBef>
+                <a:spcPct val="20000"/>
+              </a:spcBef>
+              <a:buFont typeface="Arial" charset="0"/>
+              <a:buChar char="•"/>
+            </a:pPr>
+            <a:r>
+              <a:rPr lang="en-US" sz="2000" dirty="0">
+                <a:latin typeface="Calibri" pitchFamily="34" charset="0"/>
+                <a:ea typeface="ＭＳ Ｐゴシック" pitchFamily="34" charset="-128"/>
+              </a:rPr>
+              <a:t>The EAP NAI used within the</a:t>
+            </a:r>
+            <a:r>
+              <a:rPr lang="en-US" sz="2000" dirty="0" smtClean="0">
+                <a:latin typeface="Calibri" pitchFamily="34" charset="0"/>
+                <a:ea typeface="ＭＳ Ｐゴシック" pitchFamily="34" charset="-128"/>
+              </a:rPr>
+              <a:t> EAP </a:t>
+            </a:r>
+            <a:r>
+              <a:rPr lang="en-US" sz="2000" dirty="0">
+                <a:latin typeface="Calibri" pitchFamily="34" charset="0"/>
+                <a:ea typeface="ＭＳ Ｐゴシック" pitchFamily="34" charset="-128"/>
+              </a:rPr>
+              <a:t>method</a:t>
+            </a:r>
+            <a:r>
+              <a:rPr lang="en-US" sz="2000" dirty="0" smtClean="0">
+                <a:latin typeface="Calibri" pitchFamily="34" charset="0"/>
+                <a:ea typeface="ＭＳ Ｐゴシック" pitchFamily="34" charset="-128"/>
+              </a:rPr>
+              <a:t> itself. </a:t>
+            </a:r>
+          </a:p>
+          <a:p>
+            <a:pPr marL="342900" indent="-342900" eaLnBrk="0" hangingPunct="0">
+              <a:spcBef>
+                <a:spcPct val="20000"/>
+              </a:spcBef>
+              <a:buFont typeface="Arial" charset="0"/>
+              <a:buChar char="•"/>
+            </a:pPr>
+            <a:r>
+              <a:rPr lang="en-US" sz="2000" dirty="0">
+                <a:latin typeface="Calibri" pitchFamily="34" charset="0"/>
+                <a:ea typeface="ＭＳ Ｐゴシック" pitchFamily="34" charset="-128"/>
+              </a:rPr>
+              <a:t>Network Access Server (NAS) identifiers carried by the AAA protocol.   There include: NAS-Identifier, NAS-IPv4-Address (RFC 2865), NAS-IPv6-Address (RFC 3162) and Called-Station-Id (RFC 2865, 3580).  In addition to identifying the NAS, these attributes can be used to infer the user's location. </a:t>
+            </a:r>
+          </a:p>
+          <a:p>
+            <a:pPr marL="342900" indent="-342900" eaLnBrk="0" hangingPunct="0">
+              <a:spcBef>
+                <a:spcPct val="20000"/>
+              </a:spcBef>
+              <a:buFont typeface="Arial" charset="0"/>
+              <a:buChar char="•"/>
+            </a:pPr>
+            <a:r>
+              <a:rPr lang="en-US" sz="2000" dirty="0">
+                <a:latin typeface="Calibri" pitchFamily="34" charset="0"/>
+                <a:ea typeface="ＭＳ Ｐゴシック" pitchFamily="34" charset="-128"/>
+              </a:rPr>
+              <a:t>User identifiers carried by the AAA protocol.  These include the following attributes: User-Name (RFC 2865), Calling-Station-Id (RFC 3580)  EAP-Message attribute (RFC 3579), Chargeable User Identity (RFC 4372).</a:t>
+            </a:r>
+            <a:r>
+              <a:rPr lang="en-US" sz="2000" dirty="0" smtClean="0">
+                <a:latin typeface="Calibri" pitchFamily="34" charset="0"/>
+                <a:ea typeface="ＭＳ Ｐゴシック" pitchFamily="34" charset="-128"/>
+              </a:rPr>
+              <a:t> </a:t>
+            </a:r>
+            <a:endParaRPr lang="en-US" sz="2000" dirty="0">
+              <a:latin typeface="Calibri" pitchFamily="34" charset="0"/>
+              <a:ea typeface="ＭＳ Ｐゴシック" pitchFamily="34" charset="-128"/>
+            </a:endParaRPr>
           </a:p>
         </p:txBody>
       </p:sp>
@@ -7779,7 +7668,7 @@
       </p:grpSpPr>
       <p:sp>
         <p:nvSpPr>
-          <p:cNvPr id="66561" name="Title 1"/>
+          <p:cNvPr id="63489" name="Title 1"/>
           <p:cNvSpPr>
             <a:spLocks noGrp="1"/>
           </p:cNvSpPr>
@@ -7794,14 +7683,14 @@
           <a:p>
             <a:r>
               <a:rPr lang="en-US" smtClean="0"/>
-              <a:t>History of IPv6 address assignment</a:t>
-            </a:r>
-          </a:p>
-        </p:txBody>
-      </p:sp>
-      <p:sp>
-        <p:nvSpPr>
-          <p:cNvPr id="66562" name="Content Placeholder 2"/>
+              <a:t>Lessons Learned</a:t>
+            </a:r>
+          </a:p>
+        </p:txBody>
+      </p:sp>
+      <p:sp>
+        <p:nvSpPr>
+          <p:cNvPr id="63490" name="Content Placeholder 2"/>
           <p:cNvSpPr txBox="1">
             <a:spLocks/>
           </p:cNvSpPr>
@@ -7827,128 +7716,121 @@
           <a:bodyPr/>
           <a:lstStyle/>
           <a:p>
-            <a:pPr marL="342900" indent="-342900">
+            <a:pPr marL="457200" indent="-457200">
               <a:spcBef>
                 <a:spcPct val="20000"/>
               </a:spcBef>
-              <a:buFont typeface="Arial" charset="0"/>
-              <a:buChar char="•"/>
-            </a:pPr>
-            <a:r>
-              <a:rPr lang="en-US" sz="3200" dirty="0">
+              <a:buFont typeface="Calibri" pitchFamily="34" charset="0"/>
+              <a:buAutoNum type="arabicPeriod"/>
+            </a:pPr>
+            <a:r>
+              <a:rPr lang="en-US" sz="2400" dirty="0">
                 <a:latin typeface="Calibri" pitchFamily="34" charset="0"/>
               </a:rPr>
-              <a:t>In IPv4, we used static addresses or DHCP</a:t>
-            </a:r>
-          </a:p>
-          <a:p>
-            <a:pPr marL="800100" lvl="1" indent="-342900">
+              <a:t>No privacy threat model was developed. Instead the debate occurred on a piecemeal basis across multiple documents and </a:t>
+            </a:r>
+            <a:r>
+              <a:rPr lang="en-US" sz="2400" dirty="0" err="1">
+                <a:latin typeface="Calibri" pitchFamily="34" charset="0"/>
+              </a:rPr>
+              <a:t>WGs</a:t>
+            </a:r>
+            <a:r>
+              <a:rPr lang="en-US" sz="2400" dirty="0">
+                <a:latin typeface="Calibri" pitchFamily="34" charset="0"/>
+              </a:rPr>
+              <a:t>. </a:t>
+            </a:r>
+          </a:p>
+          <a:p>
+            <a:pPr marL="457200" indent="-457200">
               <a:spcBef>
                 <a:spcPct val="20000"/>
               </a:spcBef>
-              <a:buFont typeface="Arial" charset="0"/>
-              <a:buChar char="•"/>
-            </a:pPr>
-            <a:r>
-              <a:rPr lang="en-US" sz="3200" dirty="0">
+              <a:buFont typeface="Calibri" pitchFamily="34" charset="0"/>
+              <a:buAutoNum type="arabicPeriod"/>
+            </a:pPr>
+            <a:r>
+              <a:rPr lang="en-US" sz="2400" dirty="0">
                 <a:latin typeface="Calibri" pitchFamily="34" charset="0"/>
               </a:rPr>
-              <a:t>Static is manually intensive and error prone</a:t>
-            </a:r>
-          </a:p>
-          <a:p>
-            <a:pPr marL="800100" lvl="1" indent="-342900">
+              <a:t>Due to the piecemeal nature of the discussion, introduction of</a:t>
+            </a:r>
+            <a:r>
+              <a:rPr lang="en-US" sz="2400" dirty="0" smtClean="0">
+                <a:latin typeface="Calibri" pitchFamily="34" charset="0"/>
+              </a:rPr>
+              <a:t> identity confidentiality </a:t>
+            </a:r>
+            <a:r>
+              <a:rPr lang="en-US" sz="2400" dirty="0">
+                <a:latin typeface="Calibri" pitchFamily="34" charset="0"/>
+              </a:rPr>
+              <a:t>in one part of the system (e.g</a:t>
+            </a:r>
+            <a:r>
+              <a:rPr lang="en-US" sz="2400" dirty="0" smtClean="0">
+                <a:latin typeface="Calibri" pitchFamily="34" charset="0"/>
+              </a:rPr>
+              <a:t>., </a:t>
+            </a:r>
+            <a:r>
+              <a:rPr lang="en-US" sz="2400" dirty="0">
+                <a:latin typeface="Calibri" pitchFamily="34" charset="0"/>
+              </a:rPr>
+              <a:t>user-NAS communications) resulted in issues arising for other actors (e.g</a:t>
+            </a:r>
+            <a:r>
+              <a:rPr lang="en-US" sz="2400" dirty="0" smtClean="0">
+                <a:latin typeface="Calibri" pitchFamily="34" charset="0"/>
+              </a:rPr>
+              <a:t>., </a:t>
+            </a:r>
+            <a:r>
+              <a:rPr lang="en-US" sz="2400" dirty="0">
+                <a:latin typeface="Calibri" pitchFamily="34" charset="0"/>
+              </a:rPr>
+              <a:t>network providers, administrators). </a:t>
+            </a:r>
+          </a:p>
+          <a:p>
+            <a:pPr marL="457200" indent="-457200">
               <a:spcBef>
                 <a:spcPct val="20000"/>
               </a:spcBef>
-              <a:buFont typeface="Arial" charset="0"/>
-              <a:buChar char="•"/>
-            </a:pPr>
-            <a:r>
-              <a:rPr lang="en-US" sz="3200" dirty="0">
+              <a:buFont typeface="Calibri" pitchFamily="34" charset="0"/>
+              <a:buAutoNum type="arabicPeriod"/>
+            </a:pPr>
+            <a:r>
+              <a:rPr lang="en-US" sz="2400" dirty="0">
                 <a:latin typeface="Calibri" pitchFamily="34" charset="0"/>
               </a:rPr>
-              <a:t>DHCP is</a:t>
-            </a:r>
-            <a:r>
-              <a:rPr lang="en-US" sz="3200" dirty="0" smtClean="0">
+              <a:t>No terminology was defined, nor were the goals laid out. </a:t>
+            </a:r>
+            <a:r>
+              <a:rPr lang="en-US" sz="2400" dirty="0" smtClean="0">
                 <a:latin typeface="Calibri" pitchFamily="34" charset="0"/>
               </a:rPr>
-              <a:t> a </a:t>
-            </a:r>
-            <a:r>
-              <a:rPr lang="en-US" sz="3200" dirty="0" err="1" smtClean="0">
+              <a:t> The </a:t>
+            </a:r>
+            <a:r>
+              <a:rPr lang="en-US" sz="2400" dirty="0">
                 <a:latin typeface="Calibri" pitchFamily="34" charset="0"/>
               </a:rPr>
-              <a:t>statefull</a:t>
-            </a:r>
-            <a:r>
-              <a:rPr lang="en-US" sz="3200" dirty="0" smtClean="0">
+              <a:t>initial concerns seemed to be more about security than privacy, and subsequent arguments more about </a:t>
+            </a:r>
+            <a:r>
+              <a:rPr lang="en-US" sz="2400" dirty="0" smtClean="0">
                 <a:latin typeface="Calibri" pitchFamily="34" charset="0"/>
               </a:rPr>
-              <a:t> protocol and </a:t>
-            </a:r>
-            <a:r>
-              <a:rPr lang="en-US" sz="3200" dirty="0">
+              <a:t>billing assurance </a:t>
+            </a:r>
+            <a:r>
+              <a:rPr lang="en-US" sz="2400" dirty="0">
                 <a:latin typeface="Calibri" pitchFamily="34" charset="0"/>
               </a:rPr>
-              <a:t>requires manual configuration on server</a:t>
-            </a:r>
-          </a:p>
-          <a:p>
-            <a:pPr marL="342900" indent="-342900">
-              <a:spcBef>
-                <a:spcPct val="20000"/>
-              </a:spcBef>
-              <a:buFont typeface="Arial" charset="0"/>
-              <a:buChar char="•"/>
-            </a:pPr>
-            <a:r>
-              <a:rPr lang="en-US" sz="3200" dirty="0">
-                <a:latin typeface="Calibri" pitchFamily="34" charset="0"/>
-              </a:rPr>
-              <a:t>IPv6 then added (in addition) stateless address auto-configuration</a:t>
-            </a:r>
-          </a:p>
-          <a:p>
-            <a:pPr marL="800100" lvl="1" indent="-342900">
-              <a:spcBef>
-                <a:spcPct val="20000"/>
-              </a:spcBef>
-              <a:buFont typeface="Arial" charset="0"/>
-              <a:buChar char="•"/>
-            </a:pPr>
-            <a:r>
-              <a:rPr lang="en-US" sz="3200" dirty="0">
-                <a:latin typeface="Calibri" pitchFamily="34" charset="0"/>
-              </a:rPr>
-              <a:t>Routers advertise on-link </a:t>
-            </a:r>
-            <a:r>
-              <a:rPr lang="en-US" sz="3200" dirty="0" smtClean="0">
-                <a:latin typeface="Calibri" pitchFamily="34" charset="0"/>
-              </a:rPr>
-              <a:t>prefix</a:t>
-            </a:r>
-          </a:p>
-          <a:p>
-            <a:pPr marL="800100" lvl="1" indent="-342900">
-              <a:spcBef>
-                <a:spcPct val="20000"/>
-              </a:spcBef>
-              <a:buFont typeface="Arial" charset="0"/>
-              <a:buChar char="•"/>
-            </a:pPr>
-            <a:r>
-              <a:rPr lang="en-US" sz="3200" dirty="0">
-                <a:latin typeface="Calibri" pitchFamily="34" charset="0"/>
-              </a:rPr>
-              <a:t>Hosts generate own suffix and append it to prefix</a:t>
-            </a:r>
-            <a:endParaRPr lang="en-US" sz="3200" dirty="0">
-              <a:latin typeface="Calibri" pitchFamily="34" charset="0"/>
-              <a:ea typeface="ＭＳ Ｐゴシック" pitchFamily="34" charset="-128"/>
-            </a:endParaRPr>
+              <a:t>than privacy.  </a:t>
+            </a:r>
           </a:p>
         </p:txBody>
       </p:sp>
@@ -7986,7 +7868,7 @@
       </p:grpSpPr>
       <p:sp>
         <p:nvSpPr>
-          <p:cNvPr id="68609" name="Title 1"/>
+          <p:cNvPr id="64513" name="Title 1"/>
           <p:cNvSpPr>
             <a:spLocks noGrp="1"/>
           </p:cNvSpPr>
@@ -8001,14 +7883,14 @@
           <a:p>
             <a:r>
               <a:rPr lang="en-US" smtClean="0"/>
-              <a:t>Suffix generation mechanisms</a:t>
-            </a:r>
-          </a:p>
-        </p:txBody>
-      </p:sp>
-      <p:sp>
-        <p:nvSpPr>
-          <p:cNvPr id="68610" name="Content Placeholder 2"/>
+              <a:t>Lessons Learned, cont.</a:t>
+            </a:r>
+          </a:p>
+        </p:txBody>
+      </p:sp>
+      <p:sp>
+        <p:nvSpPr>
+          <p:cNvPr id="64514" name="Content Placeholder 2"/>
           <p:cNvSpPr txBox="1">
             <a:spLocks/>
           </p:cNvSpPr>
@@ -8034,18 +7916,72 @@
           <a:bodyPr/>
           <a:lstStyle/>
           <a:p>
-            <a:pPr marL="342900" indent="-342900">
+            <a:pPr marL="457200" indent="-457200">
               <a:spcBef>
                 <a:spcPct val="20000"/>
               </a:spcBef>
-              <a:buFont typeface="Arial" charset="0"/>
-              <a:buChar char="•"/>
-            </a:pPr>
-            <a:r>
-              <a:rPr lang="en-US" sz="2400" dirty="0">
+              <a:buFont typeface="Calibri" pitchFamily="34" charset="0"/>
+              <a:buAutoNum type="arabicPeriod" startAt="4"/>
+            </a:pPr>
+            <a:r>
+              <a:rPr lang="en-US" sz="2000" dirty="0">
                 <a:latin typeface="Calibri" pitchFamily="34" charset="0"/>
               </a:rPr>
-              <a:t>Many suffix generation mechanisms are defined:</a:t>
+              <a:t>Although regulatory requirements eventually loomed large in the debate, these were never referenced in any of the documents, or even comprehensively discussed.  As a result, there were arguments within the IETF as well as IEEE 802 about what those requirements were real or imagined that were never put to rest  (e.g., is a MAC address considered</a:t>
+            </a:r>
+            <a:r>
+              <a:rPr lang="en-US" sz="2000" dirty="0" smtClean="0">
+                <a:latin typeface="Calibri" pitchFamily="34" charset="0"/>
+              </a:rPr>
+              <a:t> personal data?</a:t>
+            </a:r>
+            <a:r>
+              <a:rPr lang="en-US" sz="2000" dirty="0">
+                <a:latin typeface="Calibri" pitchFamily="34" charset="0"/>
+              </a:rPr>
+              <a:t>  What other things in the EAP/AAA system are considered</a:t>
+            </a:r>
+            <a:r>
+              <a:rPr lang="en-US" sz="2000" dirty="0" smtClean="0">
+                <a:latin typeface="Calibri" pitchFamily="34" charset="0"/>
+              </a:rPr>
+              <a:t> personal data?</a:t>
+            </a:r>
+            <a:r>
+              <a:rPr lang="en-US" sz="2000" dirty="0">
+                <a:latin typeface="Calibri" pitchFamily="34" charset="0"/>
+              </a:rPr>
+              <a:t>).  </a:t>
+            </a:r>
+          </a:p>
+          <a:p>
+            <a:pPr marL="457200" indent="-457200">
+              <a:spcBef>
+                <a:spcPct val="20000"/>
+              </a:spcBef>
+              <a:buFont typeface="Calibri" pitchFamily="34" charset="0"/>
+              <a:buAutoNum type="arabicPeriod" startAt="4"/>
+            </a:pPr>
+            <a:r>
+              <a:rPr lang="en-US" sz="2000" dirty="0">
+                <a:latin typeface="Calibri" pitchFamily="34" charset="0"/>
+              </a:rPr>
+              <a:t>The lack of a definition of privacy goals lead to somewhat odd design decisions that were not fully justified or even discussed.</a:t>
+            </a:r>
+          </a:p>
+          <a:p>
+            <a:pPr marL="457200" indent="-457200">
+              <a:spcBef>
+                <a:spcPct val="20000"/>
+              </a:spcBef>
+              <a:buFont typeface="Calibri" pitchFamily="34" charset="0"/>
+              <a:buAutoNum type="arabicPeriod" startAt="4"/>
+            </a:pPr>
+            <a:r>
+              <a:rPr lang="en-US" sz="2000" dirty="0">
+                <a:latin typeface="Calibri" pitchFamily="34" charset="0"/>
+              </a:rPr>
+              <a:t>The use of EAP and AAA data in other contexts has continued to grow.  </a:t>
             </a:r>
           </a:p>
           <a:p>
@@ -8057,10 +7993,10 @@
               <a:buChar char="•"/>
             </a:pPr>
             <a:r>
-              <a:rPr lang="en-US" sz="2400" dirty="0">
+              <a:rPr lang="en-US" sz="2000" dirty="0">
                 <a:latin typeface="Calibri" pitchFamily="34" charset="0"/>
               </a:rPr>
-              <a:t>Manual configuration</a:t>
+              <a:t>For example, this data is a very popular source of location info as provided in location configuration protocols (e.g., HELD, DHCP).  </a:t>
             </a:r>
           </a:p>
           <a:p>
@@ -8072,106 +8008,26 @@
               <a:buChar char="•"/>
             </a:pPr>
             <a:r>
-              <a:rPr lang="en-US" sz="2400" dirty="0">
+              <a:rPr lang="en-US" sz="2000" dirty="0">
                 <a:latin typeface="Calibri" pitchFamily="34" charset="0"/>
               </a:rPr>
-              <a:t>Link-layer address derived</a:t>
-            </a:r>
-          </a:p>
-          <a:p>
-            <a:pPr marL="1257300" lvl="2" indent="-342900">
-              <a:spcBef>
-                <a:spcPct val="20000"/>
-              </a:spcBef>
-              <a:buFont typeface="Arial" charset="0"/>
-              <a:buChar char="•"/>
-            </a:pPr>
-            <a:r>
-              <a:rPr lang="en-US" sz="2400" dirty="0">
+              <a:t>It is also commonly used in response to security incidents (e.g., denying access to infected machines, detection of spoofing or </a:t>
+            </a:r>
+            <a:r>
+              <a:rPr lang="en-US" sz="2000" dirty="0" err="1">
                 <a:latin typeface="Calibri" pitchFamily="34" charset="0"/>
               </a:rPr>
-              <a:t>MAC address (RFC 1972/2464)</a:t>
-            </a:r>
-          </a:p>
-          <a:p>
-            <a:pPr marL="1257300" lvl="2" indent="-342900">
-              <a:spcBef>
-                <a:spcPct val="20000"/>
-              </a:spcBef>
-              <a:buFont typeface="Arial" charset="0"/>
-              <a:buChar char="•"/>
-            </a:pPr>
-            <a:r>
-              <a:rPr lang="en-US" sz="2400" dirty="0">
+              <a:t>bot</a:t>
+            </a:r>
+            <a:r>
+              <a:rPr lang="en-US" sz="2000" dirty="0">
                 <a:latin typeface="Calibri" pitchFamily="34" charset="0"/>
               </a:rPr>
-              <a:t>IPv4 address (many </a:t>
-            </a:r>
-            <a:r>
-              <a:rPr lang="en-US" sz="2400" dirty="0" err="1">
-                <a:latin typeface="Calibri" pitchFamily="34" charset="0"/>
-              </a:rPr>
-              <a:t>RFCs</a:t>
-            </a:r>
-            <a:r>
-              <a:rPr lang="en-US" sz="2400" dirty="0">
-                <a:latin typeface="Calibri" pitchFamily="34" charset="0"/>
-              </a:rPr>
-              <a:t>)</a:t>
-            </a:r>
-          </a:p>
-          <a:p>
-            <a:pPr marL="1257300" lvl="2" indent="-342900">
-              <a:spcBef>
-                <a:spcPct val="20000"/>
-              </a:spcBef>
-              <a:buFont typeface="Arial" charset="0"/>
-              <a:buChar char="•"/>
-            </a:pPr>
-            <a:r>
-              <a:rPr lang="en-US" sz="2400" dirty="0">
-                <a:latin typeface="Calibri" pitchFamily="34" charset="0"/>
-              </a:rPr>
-              <a:t>IPv4 address + port (RFC 4380)</a:t>
-            </a:r>
-          </a:p>
-          <a:p>
-            <a:pPr marL="800100" lvl="1" indent="-342900">
-              <a:spcBef>
-                <a:spcPct val="20000"/>
-              </a:spcBef>
-              <a:buFont typeface="Arial" charset="0"/>
-              <a:buChar char="•"/>
-            </a:pPr>
-            <a:r>
-              <a:rPr lang="en-US" sz="2400" dirty="0">
-                <a:latin typeface="Calibri" pitchFamily="34" charset="0"/>
-              </a:rPr>
-              <a:t>Random (RFC 3041/4941)</a:t>
-            </a:r>
-          </a:p>
-          <a:p>
-            <a:pPr marL="800100" lvl="1" indent="-342900">
-              <a:spcBef>
-                <a:spcPct val="20000"/>
-              </a:spcBef>
-              <a:buFont typeface="Arial" charset="0"/>
-              <a:buChar char="•"/>
-            </a:pPr>
-            <a:r>
-              <a:rPr lang="en-US" sz="2400" dirty="0">
-                <a:latin typeface="Calibri" pitchFamily="34" charset="0"/>
-              </a:rPr>
-              <a:t>Hash of public key (RFC 3972</a:t>
-            </a:r>
-            <a:r>
-              <a:rPr lang="en-US" sz="2400" dirty="0" smtClean="0">
-                <a:latin typeface="Calibri" pitchFamily="34" charset="0"/>
-              </a:rPr>
-              <a:t>)</a:t>
-            </a:r>
-            <a:endParaRPr lang="en-US" sz="2400" dirty="0">
+              <a:t> infection, etc.).</a:t>
+            </a:r>
+            <a:endParaRPr lang="en-US" sz="2000" dirty="0">
               <a:latin typeface="Calibri" pitchFamily="34" charset="0"/>
+              <a:ea typeface="ＭＳ Ｐゴシック" pitchFamily="34" charset="-128"/>
             </a:endParaRPr>
           </a:p>
         </p:txBody>
@@ -8210,90 +8066,28 @@
       </p:grpSpPr>
       <p:sp>
         <p:nvSpPr>
-          <p:cNvPr id="66561" name="Title 1"/>
-          <p:cNvSpPr>
-            <a:spLocks noGrp="1"/>
-          </p:cNvSpPr>
-          <p:nvPr>
-            <p:ph type="title"/>
-          </p:nvPr>
-        </p:nvSpPr>
-        <p:spPr/>
+          <p:cNvPr id="65537" name="Title 1"/>
+          <p:cNvSpPr>
+            <a:spLocks noGrp="1"/>
+          </p:cNvSpPr>
+          <p:nvPr>
+            <p:ph type="ctrTitle"/>
+          </p:nvPr>
+        </p:nvSpPr>
+        <p:spPr>
+          <a:xfrm>
+            <a:off x="457200" y="2130425"/>
+            <a:ext cx="8229600" cy="1470025"/>
+          </a:xfrm>
+        </p:spPr>
         <p:txBody>
           <a:bodyPr/>
           <a:lstStyle/>
           <a:p>
             <a:r>
-              <a:rPr lang="en-US" dirty="0" smtClean="0"/>
-              <a:t>Guidelines</a:t>
-            </a:r>
-          </a:p>
-        </p:txBody>
-      </p:sp>
-      <p:sp>
-        <p:nvSpPr>
-          <p:cNvPr id="66562" name="Content Placeholder 2"/>
-          <p:cNvSpPr txBox="1">
-            <a:spLocks/>
-          </p:cNvSpPr>
-          <p:nvPr/>
-        </p:nvSpPr>
-        <p:spPr bwMode="auto">
-          <a:xfrm>
-            <a:off x="381000" y="1493838"/>
-            <a:ext cx="8458200" cy="4525962"/>
-          </a:xfrm>
-          <a:prstGeom prst="rect">
-            <a:avLst/>
-          </a:prstGeom>
-          <a:noFill/>
-          <a:ln w="9525">
-            <a:noFill/>
-            <a:miter lim="800000"/>
-            <a:headEnd/>
-            <a:tailEnd/>
-          </a:ln>
-        </p:spPr>
-        <p:txBody>
-          <a:bodyPr/>
-          <a:lstStyle/>
-          <a:p>
-            <a:pPr marL="342900" indent="-342900">
-              <a:spcBef>
-                <a:spcPct val="20000"/>
-              </a:spcBef>
-              <a:buFont typeface="Arial" charset="0"/>
-              <a:buChar char="•"/>
-            </a:pPr>
-            <a:r>
-              <a:rPr lang="en-US" sz="2800" b="1" dirty="0" smtClean="0"/>
-              <a:t>Identifiers</a:t>
-            </a:r>
-            <a:r>
-              <a:rPr lang="en-US" sz="2800" dirty="0" smtClean="0"/>
-              <a:t>.  What identifiers does the protocol use for distinguishing initiators of communications?</a:t>
-            </a:r>
-          </a:p>
-          <a:p>
-            <a:pPr marL="342900" indent="-342900">
-              <a:spcBef>
-                <a:spcPct val="20000"/>
-              </a:spcBef>
-              <a:buFont typeface="Arial" charset="0"/>
-              <a:buChar char="•"/>
-            </a:pPr>
-            <a:r>
-              <a:rPr lang="en-US" sz="2800" b="1" dirty="0" smtClean="0"/>
-              <a:t>Persistence of identifiers</a:t>
-            </a:r>
-            <a:r>
-              <a:rPr lang="en-US" sz="2800" dirty="0" smtClean="0"/>
-              <a:t>.  What assumptions are made in the protocol design about the lifetime of the identifiers?  Does the protocol allow implementers or users to delete or replace identifiers?  How often does the specification recommend to delete or replace identifiers by default?  Can the identifiers, along with other state information, be set to automatically expire?</a:t>
-            </a:r>
-            <a:endParaRPr lang="en-US" sz="2800" dirty="0">
-              <a:latin typeface="Calibri" pitchFamily="34" charset="0"/>
-              <a:ea typeface="ＭＳ Ｐゴシック" pitchFamily="34" charset="-128"/>
-            </a:endParaRPr>
+              <a:rPr lang="en-US" sz="4000" smtClean="0"/>
+              <a:t>Use Case: IPv6</a:t>
+            </a:r>
           </a:p>
         </p:txBody>
       </p:sp>
@@ -8459,6 +8253,13 @@
   <p:clrMapOvr>
     <a:masterClrMapping/>
   </p:clrMapOvr>
+  <p:timing>
+    <p:tnLst>
+      <p:par>
+        <p:cTn id="1" dur="indefinite" restart="never" nodeType="tmRoot"/>
+      </p:par>
+    </p:tnLst>
+  </p:timing>
 </p:sld>
 </file>
 
@@ -8481,7 +8282,7 @@
       </p:grpSpPr>
       <p:sp>
         <p:nvSpPr>
-          <p:cNvPr id="69633" name="Title 1"/>
+          <p:cNvPr id="66561" name="Title 1"/>
           <p:cNvSpPr>
             <a:spLocks noGrp="1"/>
           </p:cNvSpPr>
@@ -8495,15 +8296,15 @@
           <a:lstStyle/>
           <a:p>
             <a:r>
-              <a:rPr lang="en-US" dirty="0" smtClean="0"/>
-              <a:t>IPv6 Privacy Addresses</a:t>
-            </a:r>
-          </a:p>
-        </p:txBody>
-      </p:sp>
-      <p:sp>
-        <p:nvSpPr>
-          <p:cNvPr id="3" name="Content Placeholder 2"/>
+              <a:rPr lang="en-US" smtClean="0"/>
+              <a:t>History of IPv6 address assignment</a:t>
+            </a:r>
+          </a:p>
+        </p:txBody>
+      </p:sp>
+      <p:sp>
+        <p:nvSpPr>
+          <p:cNvPr id="66562" name="Content Placeholder 2"/>
           <p:cNvSpPr txBox="1">
             <a:spLocks/>
           </p:cNvSpPr>
@@ -8529,104 +8330,6 @@
           <a:bodyPr/>
           <a:lstStyle/>
           <a:p>
-            <a:pPr marL="342900" indent="-342900" fontAlgn="auto">
-              <a:spcBef>
-                <a:spcPct val="20000"/>
-              </a:spcBef>
-              <a:spcAft>
-                <a:spcPts val="0"/>
-              </a:spcAft>
-              <a:buFont typeface="Arial" charset="0"/>
-              <a:buChar char="•"/>
-              <a:defRPr/>
-            </a:pPr>
-            <a:r>
-              <a:rPr lang="en-US" sz="2000" dirty="0">
-                <a:latin typeface="+mn-lt"/>
-                <a:cs typeface="+mn-cs"/>
-              </a:rPr>
-              <a:t>IPv6 (RFC 2462) specified creating suffix from (globally-unique) MAC address</a:t>
-            </a:r>
-            <a:endParaRPr lang="en-US" sz="2000" dirty="0" smtClean="0">
-              <a:latin typeface="+mn-lt"/>
-              <a:cs typeface="+mn-cs"/>
-            </a:endParaRPr>
-          </a:p>
-          <a:p>
-            <a:pPr marL="457200" indent="-457200" fontAlgn="auto">
-              <a:spcBef>
-                <a:spcPct val="20000"/>
-              </a:spcBef>
-              <a:spcAft>
-                <a:spcPts val="0"/>
-              </a:spcAft>
-              <a:buFont typeface="Arial"/>
-              <a:buChar char="•"/>
-              <a:defRPr/>
-            </a:pPr>
-            <a:r>
-              <a:rPr lang="en-US" sz="2000" dirty="0" smtClean="0">
-                <a:latin typeface="+mn-lt"/>
-                <a:cs typeface="+mn-cs"/>
-              </a:rPr>
-              <a:t>Unique </a:t>
-            </a:r>
-            <a:r>
-              <a:rPr lang="en-US" sz="2000" dirty="0">
-                <a:latin typeface="+mn-lt"/>
-                <a:cs typeface="+mn-cs"/>
-              </a:rPr>
-              <a:t>suffix means can be tracked as move</a:t>
-            </a:r>
-          </a:p>
-          <a:p>
-            <a:pPr marL="914400" lvl="1" indent="-457200" fontAlgn="auto">
-              <a:spcBef>
-                <a:spcPct val="20000"/>
-              </a:spcBef>
-              <a:spcAft>
-                <a:spcPts val="0"/>
-              </a:spcAft>
-              <a:buFont typeface="Arial"/>
-              <a:buChar char="•"/>
-              <a:defRPr/>
-            </a:pPr>
-            <a:r>
-              <a:rPr lang="en-US" sz="2000" dirty="0">
-                <a:latin typeface="+mn-lt"/>
-                <a:cs typeface="+mn-cs"/>
-              </a:rPr>
-              <a:t>Web sites (not just ones you authenticate to) can correlate where you’ve been</a:t>
-            </a:r>
-          </a:p>
-          <a:p>
-            <a:pPr marL="457200" indent="-457200" fontAlgn="auto">
-              <a:spcBef>
-                <a:spcPct val="20000"/>
-              </a:spcBef>
-              <a:spcAft>
-                <a:spcPts val="0"/>
-              </a:spcAft>
-              <a:buFont typeface="Arial"/>
-              <a:buChar char="•"/>
-              <a:defRPr/>
-            </a:pPr>
-            <a:r>
-              <a:rPr lang="en-US" sz="2000" dirty="0">
-                <a:latin typeface="+mn-lt"/>
-                <a:cs typeface="+mn-cs"/>
-              </a:rPr>
-              <a:t>“Permanent” suffix means can be tracked over long </a:t>
-            </a:r>
-            <a:r>
-              <a:rPr lang="en-US" sz="2000" dirty="0" smtClean="0">
-                <a:latin typeface="+mn-lt"/>
-                <a:cs typeface="+mn-cs"/>
-              </a:rPr>
-              <a:t>timescales</a:t>
-            </a:r>
-          </a:p>
-          <a:p>
             <a:pPr marL="342900" indent="-342900">
               <a:spcBef>
                 <a:spcPct val="20000"/>
@@ -8635,10 +8338,10 @@
               <a:buChar char="•"/>
             </a:pPr>
             <a:r>
-              <a:rPr lang="en-US" sz="2000" dirty="0" smtClean="0">
+              <a:rPr lang="en-US" sz="3200" dirty="0">
                 <a:latin typeface="Calibri" pitchFamily="34" charset="0"/>
               </a:rPr>
-              <a:t>RFC 3041 defines “temporary addresses” (aka “privacy addresses”) used for outbound connections</a:t>
+              <a:t>In IPv4, we used static addresses or DHCP</a:t>
             </a:r>
           </a:p>
           <a:p>
@@ -8650,10 +8353,10 @@
               <a:buChar char="•"/>
             </a:pPr>
             <a:r>
-              <a:rPr lang="en-US" sz="2000" dirty="0" smtClean="0">
+              <a:rPr lang="en-US" sz="3200" dirty="0">
                 <a:latin typeface="Calibri" pitchFamily="34" charset="0"/>
               </a:rPr>
-              <a:t>Randomly generated</a:t>
+              <a:t>Static is manually intensive and error prone</a:t>
             </a:r>
           </a:p>
           <a:p>
@@ -8665,10 +8368,34 @@
               <a:buChar char="•"/>
             </a:pPr>
             <a:r>
-              <a:rPr lang="en-US" sz="2000" dirty="0" smtClean="0">
+              <a:rPr lang="en-US" sz="3200" dirty="0">
                 <a:latin typeface="Calibri" pitchFamily="34" charset="0"/>
               </a:rPr>
-              <a:t>Changes daily by default (1d preferred, 7d valid)</a:t>
+              <a:t>DHCP is</a:t>
+            </a:r>
+            <a:r>
+              <a:rPr lang="en-US" sz="3200" dirty="0" smtClean="0">
+                <a:latin typeface="Calibri" pitchFamily="34" charset="0"/>
+              </a:rPr>
+              <a:t> a </a:t>
+            </a:r>
+            <a:r>
+              <a:rPr lang="en-US" sz="3200" dirty="0" err="1" smtClean="0">
+                <a:latin typeface="Calibri" pitchFamily="34" charset="0"/>
+              </a:rPr>
+              <a:t>statefull</a:t>
+            </a:r>
+            <a:r>
+              <a:rPr lang="en-US" sz="3200" dirty="0" smtClean="0">
+                <a:latin typeface="Calibri" pitchFamily="34" charset="0"/>
+              </a:rPr>
+              <a:t> protocol and </a:t>
+            </a:r>
+            <a:r>
+              <a:rPr lang="en-US" sz="3200" dirty="0">
+                <a:latin typeface="Calibri" pitchFamily="34" charset="0"/>
+              </a:rPr>
+              <a:t>requires manual configuration on server</a:t>
             </a:r>
           </a:p>
           <a:p>
@@ -8680,14 +8407,14 @@
               <a:buChar char="•"/>
             </a:pPr>
             <a:r>
-              <a:rPr lang="en-US" sz="2000" dirty="0" smtClean="0">
+              <a:rPr lang="en-US" sz="3200" dirty="0">
                 <a:latin typeface="Calibri" pitchFamily="34" charset="0"/>
               </a:rPr>
-              <a:t>Idea was that you use temporary addresses for anonymous web browsing etc. and “public” addresses for advertising in DNS etc.</a:t>
-            </a:r>
-          </a:p>
-          <a:p>
-            <a:pPr marL="342900" indent="-342900">
+              <a:t>IPv6 then added (in addition) stateless address auto-configuration</a:t>
+            </a:r>
+          </a:p>
+          <a:p>
+            <a:pPr marL="800100" lvl="1" indent="-342900">
               <a:spcBef>
                 <a:spcPct val="20000"/>
               </a:spcBef>
@@ -8695,37 +8422,35 @@
               <a:buChar char="•"/>
             </a:pPr>
             <a:r>
-              <a:rPr lang="en-US" sz="2000" dirty="0" smtClean="0">
+              <a:rPr lang="en-US" sz="3200" dirty="0">
                 <a:latin typeface="Calibri" pitchFamily="34" charset="0"/>
               </a:rPr>
-              <a:t>DON’T mix temporary &amp; public addresses, or the temporary addresses become </a:t>
-            </a:r>
-            <a:r>
-              <a:rPr lang="en-US" sz="2000" dirty="0" err="1" smtClean="0">
+              <a:t>Routers advertise on-link </a:t>
+            </a:r>
+            <a:r>
+              <a:rPr lang="en-US" sz="3200" dirty="0" smtClean="0">
                 <a:latin typeface="Calibri" pitchFamily="34" charset="0"/>
               </a:rPr>
-              <a:t>correlatable</a:t>
-            </a:r>
-            <a:endParaRPr lang="en-US" sz="2000" dirty="0" smtClean="0">
-              <a:latin typeface="Calibri" pitchFamily="34" charset="0"/>
-              <a:ea typeface="ＭＳ Ｐゴシック" pitchFamily="34" charset="-128"/>
-            </a:endParaRPr>
-          </a:p>
-          <a:p>
-            <a:pPr marL="457200" indent="-457200" fontAlgn="auto">
+              <a:t>prefix</a:t>
+            </a:r>
+          </a:p>
+          <a:p>
+            <a:pPr marL="800100" lvl="1" indent="-342900">
               <a:spcBef>
                 <a:spcPct val="20000"/>
               </a:spcBef>
-              <a:spcAft>
-                <a:spcPts val="0"/>
-              </a:spcAft>
-              <a:buFont typeface="Arial"/>
+              <a:buFont typeface="Arial" charset="0"/>
               <a:buChar char="•"/>
-              <a:defRPr/>
-            </a:pPr>
-            <a:endParaRPr lang="en-US" sz="1600" dirty="0">
-              <a:latin typeface="+mn-lt"/>
-              <a:cs typeface="+mn-cs"/>
+            </a:pPr>
+            <a:r>
+              <a:rPr lang="en-US" sz="3200" dirty="0">
+                <a:latin typeface="Calibri" pitchFamily="34" charset="0"/>
+              </a:rPr>
+              <a:t>Hosts generate own suffix and append it to prefix</a:t>
+            </a:r>
+            <a:endParaRPr lang="en-US" sz="3200" dirty="0">
+              <a:latin typeface="Calibri" pitchFamily="34" charset="0"/>
+              <a:ea typeface="ＭＳ Ｐゴシック" pitchFamily="34" charset="-128"/>
             </a:endParaRPr>
           </a:p>
         </p:txBody>
@@ -8764,7 +8489,7 @@
       </p:grpSpPr>
       <p:sp>
         <p:nvSpPr>
-          <p:cNvPr id="72705" name="Title 1"/>
+          <p:cNvPr id="68609" name="Title 1"/>
           <p:cNvSpPr>
             <a:spLocks noGrp="1"/>
           </p:cNvSpPr>
@@ -8779,14 +8504,14 @@
           <a:p>
             <a:r>
               <a:rPr lang="en-US" smtClean="0"/>
-              <a:t>Lessons Learned</a:t>
-            </a:r>
-          </a:p>
-        </p:txBody>
-      </p:sp>
-      <p:sp>
-        <p:nvSpPr>
-          <p:cNvPr id="72706" name="Content Placeholder 2"/>
+              <a:t>Suffix generation mechanisms</a:t>
+            </a:r>
+          </a:p>
+        </p:txBody>
+      </p:sp>
+      <p:sp>
+        <p:nvSpPr>
+          <p:cNvPr id="68610" name="Content Placeholder 2"/>
           <p:cNvSpPr txBox="1">
             <a:spLocks/>
           </p:cNvSpPr>
@@ -8820,14 +8545,14 @@
               <a:buChar char="•"/>
             </a:pPr>
             <a:r>
-              <a:rPr lang="en-US" sz="3200" dirty="0">
+              <a:rPr lang="en-US" sz="2400" dirty="0">
                 <a:latin typeface="Calibri" pitchFamily="34" charset="0"/>
               </a:rPr>
-              <a:t>Think about privacy up front.</a:t>
-            </a:r>
-          </a:p>
-          <a:p>
-            <a:pPr marL="342900" indent="-342900">
+              <a:t>Many suffix generation mechanisms are defined:</a:t>
+            </a:r>
+          </a:p>
+          <a:p>
+            <a:pPr marL="800100" lvl="1" indent="-342900">
               <a:spcBef>
                 <a:spcPct val="20000"/>
               </a:spcBef>
@@ -8835,14 +8560,14 @@
               <a:buChar char="•"/>
             </a:pPr>
             <a:r>
-              <a:rPr lang="en-US" sz="3200" dirty="0">
+              <a:rPr lang="en-US" sz="2400" dirty="0">
                 <a:latin typeface="Calibri" pitchFamily="34" charset="0"/>
               </a:rPr>
-              <a:t>If you specify non-privacy solution first, it’ll be seen as required and there will be barriers to privacy.</a:t>
-            </a:r>
-          </a:p>
-          <a:p>
-            <a:pPr marL="342900" indent="-342900">
+              <a:t>Manual configuration</a:t>
+            </a:r>
+          </a:p>
+          <a:p>
+            <a:pPr marL="800100" lvl="1" indent="-342900">
               <a:spcBef>
                 <a:spcPct val="20000"/>
               </a:spcBef>
@@ -8850,14 +8575,14 @@
               <a:buChar char="•"/>
             </a:pPr>
             <a:r>
-              <a:rPr lang="en-US" sz="3200" dirty="0">
+              <a:rPr lang="en-US" sz="2400" dirty="0">
                 <a:latin typeface="Calibri" pitchFamily="34" charset="0"/>
               </a:rPr>
-              <a:t>Stable identifiers (incl. MAC address) often cause concerns.</a:t>
-            </a:r>
-          </a:p>
-          <a:p>
-            <a:pPr marL="342900" indent="-342900">
+              <a:t>Link-layer address derived</a:t>
+            </a:r>
+          </a:p>
+          <a:p>
+            <a:pPr marL="1257300" lvl="2" indent="-342900">
               <a:spcBef>
                 <a:spcPct val="20000"/>
               </a:spcBef>
@@ -8865,14 +8590,91 @@
               <a:buChar char="•"/>
             </a:pPr>
             <a:r>
-              <a:rPr lang="en-US" sz="3200" dirty="0">
+              <a:rPr lang="en-US" sz="2400" dirty="0">
                 <a:latin typeface="Calibri" pitchFamily="34" charset="0"/>
               </a:rPr>
-              <a:t>Mixing stable identifiers and “privacy” identifiers is easy to do by accident.</a:t>
-            </a:r>
-            <a:endParaRPr lang="en-US" sz="3200" dirty="0">
+              <a:t>MAC address (RFC 1972/2464)</a:t>
+            </a:r>
+          </a:p>
+          <a:p>
+            <a:pPr marL="1257300" lvl="2" indent="-342900">
+              <a:spcBef>
+                <a:spcPct val="20000"/>
+              </a:spcBef>
+              <a:buFont typeface="Arial" charset="0"/>
+              <a:buChar char="•"/>
+            </a:pPr>
+            <a:r>
+              <a:rPr lang="en-US" sz="2400" dirty="0">
+                <a:latin typeface="Calibri" pitchFamily="34" charset="0"/>
+              </a:rPr>
+              <a:t>IPv4 address (many </a:t>
+            </a:r>
+            <a:r>
+              <a:rPr lang="en-US" sz="2400" dirty="0" err="1">
+                <a:latin typeface="Calibri" pitchFamily="34" charset="0"/>
+              </a:rPr>
+              <a:t>RFCs</a:t>
+            </a:r>
+            <a:r>
+              <a:rPr lang="en-US" sz="2400" dirty="0">
+                <a:latin typeface="Calibri" pitchFamily="34" charset="0"/>
+              </a:rPr>
+              <a:t>)</a:t>
+            </a:r>
+          </a:p>
+          <a:p>
+            <a:pPr marL="1257300" lvl="2" indent="-342900">
+              <a:spcBef>
+                <a:spcPct val="20000"/>
+              </a:spcBef>
+              <a:buFont typeface="Arial" charset="0"/>
+              <a:buChar char="•"/>
+            </a:pPr>
+            <a:r>
+              <a:rPr lang="en-US" sz="2400" dirty="0">
+                <a:latin typeface="Calibri" pitchFamily="34" charset="0"/>
+              </a:rPr>
+              <a:t>IPv4 address + port (RFC 4380)</a:t>
+            </a:r>
+          </a:p>
+          <a:p>
+            <a:pPr marL="800100" lvl="1" indent="-342900">
+              <a:spcBef>
+                <a:spcPct val="20000"/>
+              </a:spcBef>
+              <a:buFont typeface="Arial" charset="0"/>
+              <a:buChar char="•"/>
+            </a:pPr>
+            <a:r>
+              <a:rPr lang="en-US" sz="2400" dirty="0">
+                <a:latin typeface="Calibri" pitchFamily="34" charset="0"/>
+              </a:rPr>
+              <a:t>Random (RFC 3041/4941)</a:t>
+            </a:r>
+          </a:p>
+          <a:p>
+            <a:pPr marL="800100" lvl="1" indent="-342900">
+              <a:spcBef>
+                <a:spcPct val="20000"/>
+              </a:spcBef>
+              <a:buFont typeface="Arial" charset="0"/>
+              <a:buChar char="•"/>
+            </a:pPr>
+            <a:r>
+              <a:rPr lang="en-US" sz="2400" dirty="0">
+                <a:latin typeface="Calibri" pitchFamily="34" charset="0"/>
+              </a:rPr>
+              <a:t>Hash of public key (RFC 3972</a:t>
+            </a:r>
+            <a:r>
+              <a:rPr lang="en-US" sz="2400" dirty="0" smtClean="0">
+                <a:latin typeface="Calibri" pitchFamily="34" charset="0"/>
+              </a:rPr>
+              <a:t>)</a:t>
+            </a:r>
+            <a:endParaRPr lang="en-US" sz="2400" dirty="0">
               <a:latin typeface="Calibri" pitchFamily="34" charset="0"/>
-              <a:ea typeface="ＭＳ Ｐゴシック" pitchFamily="34" charset="-128"/>
             </a:endParaRPr>
           </a:p>
         </p:txBody>
@@ -8911,35 +8713,90 @@
       </p:grpSpPr>
       <p:sp>
         <p:nvSpPr>
-          <p:cNvPr id="50177" name="Title 1"/>
-          <p:cNvSpPr>
-            <a:spLocks noGrp="1"/>
-          </p:cNvSpPr>
-          <p:nvPr>
-            <p:ph type="ctrTitle"/>
-          </p:nvPr>
-        </p:nvSpPr>
-        <p:spPr>
-          <a:xfrm>
-            <a:off x="457200" y="2130425"/>
-            <a:ext cx="8229600" cy="1470025"/>
-          </a:xfrm>
-        </p:spPr>
+          <p:cNvPr id="66561" name="Title 1"/>
+          <p:cNvSpPr>
+            <a:spLocks noGrp="1"/>
+          </p:cNvSpPr>
+          <p:nvPr>
+            <p:ph type="title"/>
+          </p:nvPr>
+        </p:nvSpPr>
+        <p:spPr/>
         <p:txBody>
           <a:bodyPr/>
           <a:lstStyle/>
           <a:p>
             <a:r>
-              <a:rPr lang="en-US" sz="4000" smtClean="0"/>
-              <a:t>Use Case: </a:t>
-            </a:r>
-            <a:br>
-              <a:rPr lang="en-US" sz="4000" smtClean="0"/>
-            </a:br>
-            <a:r>
-              <a:rPr lang="en-US" sz="4000" smtClean="0"/>
-              <a:t>OAuth</a:t>
-            </a:r>
+              <a:rPr lang="en-US" dirty="0" smtClean="0"/>
+              <a:t>Guidelines</a:t>
+            </a:r>
+          </a:p>
+        </p:txBody>
+      </p:sp>
+      <p:sp>
+        <p:nvSpPr>
+          <p:cNvPr id="66562" name="Content Placeholder 2"/>
+          <p:cNvSpPr txBox="1">
+            <a:spLocks/>
+          </p:cNvSpPr>
+          <p:nvPr/>
+        </p:nvSpPr>
+        <p:spPr bwMode="auto">
+          <a:xfrm>
+            <a:off x="381000" y="1493838"/>
+            <a:ext cx="8458200" cy="4525962"/>
+          </a:xfrm>
+          <a:prstGeom prst="rect">
+            <a:avLst/>
+          </a:prstGeom>
+          <a:noFill/>
+          <a:ln w="9525">
+            <a:noFill/>
+            <a:miter lim="800000"/>
+            <a:headEnd/>
+            <a:tailEnd/>
+          </a:ln>
+        </p:spPr>
+        <p:txBody>
+          <a:bodyPr/>
+          <a:lstStyle/>
+          <a:p>
+            <a:pPr marL="342900" indent="-342900">
+              <a:spcBef>
+                <a:spcPct val="20000"/>
+              </a:spcBef>
+              <a:buFont typeface="Arial" charset="0"/>
+              <a:buChar char="•"/>
+            </a:pPr>
+            <a:r>
+              <a:rPr lang="en-US" sz="2800" b="1" dirty="0" smtClean="0"/>
+              <a:t>Identifiers</a:t>
+            </a:r>
+            <a:r>
+              <a:rPr lang="en-US" sz="2800" dirty="0" smtClean="0"/>
+              <a:t>.  What identifiers does the protocol use for distinguishing initiators of communications?</a:t>
+            </a:r>
+          </a:p>
+          <a:p>
+            <a:pPr marL="342900" indent="-342900">
+              <a:spcBef>
+                <a:spcPct val="20000"/>
+              </a:spcBef>
+              <a:buFont typeface="Arial" charset="0"/>
+              <a:buChar char="•"/>
+            </a:pPr>
+            <a:r>
+              <a:rPr lang="en-US" sz="2800" b="1" dirty="0" smtClean="0"/>
+              <a:t>Persistence of identifiers</a:t>
+            </a:r>
+            <a:r>
+              <a:rPr lang="en-US" sz="2800" dirty="0" smtClean="0"/>
+              <a:t>.  What assumptions are made in the protocol design about the lifetime of the identifiers?  Does the protocol allow implementers or users to delete or replace identifiers?  How often does the specification recommend to delete or replace identifiers by default?  Can the identifiers, along with other state information, be set to automatically expire?</a:t>
+            </a:r>
+            <a:endParaRPr lang="en-US" sz="2800" dirty="0">
+              <a:latin typeface="Calibri" pitchFamily="34" charset="0"/>
+              <a:ea typeface="ＭＳ Ｐゴシック" pitchFamily="34" charset="-128"/>
+            </a:endParaRPr>
           </a:p>
         </p:txBody>
       </p:sp>
@@ -8977,7 +8834,7 @@
       </p:grpSpPr>
       <p:sp>
         <p:nvSpPr>
-          <p:cNvPr id="51201" name="Title 1"/>
+          <p:cNvPr id="69633" name="Title 1"/>
           <p:cNvSpPr>
             <a:spLocks noGrp="1"/>
           </p:cNvSpPr>
@@ -8991,6 +8848,502 @@
           <a:lstStyle/>
           <a:p>
             <a:r>
+              <a:rPr lang="en-US" dirty="0" smtClean="0"/>
+              <a:t>IPv6 Privacy Addresses</a:t>
+            </a:r>
+          </a:p>
+        </p:txBody>
+      </p:sp>
+      <p:sp>
+        <p:nvSpPr>
+          <p:cNvPr id="3" name="Content Placeholder 2"/>
+          <p:cNvSpPr txBox="1">
+            <a:spLocks/>
+          </p:cNvSpPr>
+          <p:nvPr/>
+        </p:nvSpPr>
+        <p:spPr bwMode="auto">
+          <a:xfrm>
+            <a:off x="381000" y="1493838"/>
+            <a:ext cx="8458200" cy="4525962"/>
+          </a:xfrm>
+          <a:prstGeom prst="rect">
+            <a:avLst/>
+          </a:prstGeom>
+          <a:noFill/>
+          <a:ln w="9525">
+            <a:noFill/>
+            <a:miter lim="800000"/>
+            <a:headEnd/>
+            <a:tailEnd/>
+          </a:ln>
+        </p:spPr>
+        <p:txBody>
+          <a:bodyPr/>
+          <a:lstStyle/>
+          <a:p>
+            <a:pPr marL="342900" indent="-342900" fontAlgn="auto">
+              <a:spcBef>
+                <a:spcPct val="20000"/>
+              </a:spcBef>
+              <a:spcAft>
+                <a:spcPts val="0"/>
+              </a:spcAft>
+              <a:buFont typeface="Arial" charset="0"/>
+              <a:buChar char="•"/>
+              <a:defRPr/>
+            </a:pPr>
+            <a:r>
+              <a:rPr lang="en-US" sz="2000" dirty="0">
+                <a:latin typeface="+mn-lt"/>
+                <a:cs typeface="+mn-cs"/>
+              </a:rPr>
+              <a:t>IPv6 (RFC 2462) specified creating suffix from (globally-unique) MAC address</a:t>
+            </a:r>
+            <a:endParaRPr lang="en-US" sz="2000" dirty="0" smtClean="0">
+              <a:latin typeface="+mn-lt"/>
+              <a:cs typeface="+mn-cs"/>
+            </a:endParaRPr>
+          </a:p>
+          <a:p>
+            <a:pPr marL="457200" indent="-457200" fontAlgn="auto">
+              <a:spcBef>
+                <a:spcPct val="20000"/>
+              </a:spcBef>
+              <a:spcAft>
+                <a:spcPts val="0"/>
+              </a:spcAft>
+              <a:buFont typeface="Arial"/>
+              <a:buChar char="•"/>
+              <a:defRPr/>
+            </a:pPr>
+            <a:r>
+              <a:rPr lang="en-US" sz="2000" dirty="0" smtClean="0">
+                <a:latin typeface="+mn-lt"/>
+                <a:cs typeface="+mn-cs"/>
+              </a:rPr>
+              <a:t>Unique </a:t>
+            </a:r>
+            <a:r>
+              <a:rPr lang="en-US" sz="2000" dirty="0">
+                <a:latin typeface="+mn-lt"/>
+                <a:cs typeface="+mn-cs"/>
+              </a:rPr>
+              <a:t>suffix means can be tracked as move</a:t>
+            </a:r>
+          </a:p>
+          <a:p>
+            <a:pPr marL="914400" lvl="1" indent="-457200" fontAlgn="auto">
+              <a:spcBef>
+                <a:spcPct val="20000"/>
+              </a:spcBef>
+              <a:spcAft>
+                <a:spcPts val="0"/>
+              </a:spcAft>
+              <a:buFont typeface="Arial"/>
+              <a:buChar char="•"/>
+              <a:defRPr/>
+            </a:pPr>
+            <a:r>
+              <a:rPr lang="en-US" sz="2000" dirty="0">
+                <a:latin typeface="+mn-lt"/>
+                <a:cs typeface="+mn-cs"/>
+              </a:rPr>
+              <a:t>Web sites (not just ones you authenticate to) can correlate where you’ve been</a:t>
+            </a:r>
+          </a:p>
+          <a:p>
+            <a:pPr marL="457200" indent="-457200" fontAlgn="auto">
+              <a:spcBef>
+                <a:spcPct val="20000"/>
+              </a:spcBef>
+              <a:spcAft>
+                <a:spcPts val="0"/>
+              </a:spcAft>
+              <a:buFont typeface="Arial"/>
+              <a:buChar char="•"/>
+              <a:defRPr/>
+            </a:pPr>
+            <a:r>
+              <a:rPr lang="en-US" sz="2000" dirty="0">
+                <a:latin typeface="+mn-lt"/>
+                <a:cs typeface="+mn-cs"/>
+              </a:rPr>
+              <a:t>“Permanent” suffix means can be tracked over long </a:t>
+            </a:r>
+            <a:r>
+              <a:rPr lang="en-US" sz="2000" dirty="0" smtClean="0">
+                <a:latin typeface="+mn-lt"/>
+                <a:cs typeface="+mn-cs"/>
+              </a:rPr>
+              <a:t>timescales</a:t>
+            </a:r>
+          </a:p>
+          <a:p>
+            <a:pPr marL="342900" indent="-342900">
+              <a:spcBef>
+                <a:spcPct val="20000"/>
+              </a:spcBef>
+              <a:buFont typeface="Arial" charset="0"/>
+              <a:buChar char="•"/>
+            </a:pPr>
+            <a:r>
+              <a:rPr lang="en-US" sz="2000" dirty="0" smtClean="0">
+                <a:latin typeface="Calibri" pitchFamily="34" charset="0"/>
+              </a:rPr>
+              <a:t>RFC 3041 defines “temporary addresses” (aka “privacy addresses”) used for outbound connections</a:t>
+            </a:r>
+          </a:p>
+          <a:p>
+            <a:pPr marL="800100" lvl="1" indent="-342900">
+              <a:spcBef>
+                <a:spcPct val="20000"/>
+              </a:spcBef>
+              <a:buFont typeface="Arial" charset="0"/>
+              <a:buChar char="•"/>
+            </a:pPr>
+            <a:r>
+              <a:rPr lang="en-US" sz="2000" dirty="0" smtClean="0">
+                <a:latin typeface="Calibri" pitchFamily="34" charset="0"/>
+              </a:rPr>
+              <a:t>Randomly generated</a:t>
+            </a:r>
+          </a:p>
+          <a:p>
+            <a:pPr marL="800100" lvl="1" indent="-342900">
+              <a:spcBef>
+                <a:spcPct val="20000"/>
+              </a:spcBef>
+              <a:buFont typeface="Arial" charset="0"/>
+              <a:buChar char="•"/>
+            </a:pPr>
+            <a:r>
+              <a:rPr lang="en-US" sz="2000" dirty="0" smtClean="0">
+                <a:latin typeface="Calibri" pitchFamily="34" charset="0"/>
+              </a:rPr>
+              <a:t>Changes daily by default (1d preferred, 7d valid)</a:t>
+            </a:r>
+          </a:p>
+          <a:p>
+            <a:pPr marL="342900" indent="-342900">
+              <a:spcBef>
+                <a:spcPct val="20000"/>
+              </a:spcBef>
+              <a:buFont typeface="Arial" charset="0"/>
+              <a:buChar char="•"/>
+            </a:pPr>
+            <a:r>
+              <a:rPr lang="en-US" sz="2000" dirty="0" smtClean="0">
+                <a:latin typeface="Calibri" pitchFamily="34" charset="0"/>
+              </a:rPr>
+              <a:t>Idea was that you use temporary addresses for anonymous web browsing etc. and “public” addresses for advertising in DNS etc.</a:t>
+            </a:r>
+          </a:p>
+          <a:p>
+            <a:pPr marL="342900" indent="-342900">
+              <a:spcBef>
+                <a:spcPct val="20000"/>
+              </a:spcBef>
+              <a:buFont typeface="Arial" charset="0"/>
+              <a:buChar char="•"/>
+            </a:pPr>
+            <a:r>
+              <a:rPr lang="en-US" sz="2000" dirty="0" smtClean="0">
+                <a:latin typeface="Calibri" pitchFamily="34" charset="0"/>
+              </a:rPr>
+              <a:t>DON’T mix temporary &amp; public addresses, or the temporary addresses become </a:t>
+            </a:r>
+            <a:r>
+              <a:rPr lang="en-US" sz="2000" dirty="0" err="1" smtClean="0">
+                <a:latin typeface="Calibri" pitchFamily="34" charset="0"/>
+              </a:rPr>
+              <a:t>correlatable</a:t>
+            </a:r>
+            <a:endParaRPr lang="en-US" sz="2000" dirty="0" smtClean="0">
+              <a:latin typeface="Calibri" pitchFamily="34" charset="0"/>
+              <a:ea typeface="ＭＳ Ｐゴシック" pitchFamily="34" charset="-128"/>
+            </a:endParaRPr>
+          </a:p>
+          <a:p>
+            <a:pPr marL="457200" indent="-457200" fontAlgn="auto">
+              <a:spcBef>
+                <a:spcPct val="20000"/>
+              </a:spcBef>
+              <a:spcAft>
+                <a:spcPts val="0"/>
+              </a:spcAft>
+              <a:buFont typeface="Arial"/>
+              <a:buChar char="•"/>
+              <a:defRPr/>
+            </a:pPr>
+            <a:endParaRPr lang="en-US" sz="1600" dirty="0">
+              <a:latin typeface="+mn-lt"/>
+              <a:cs typeface="+mn-cs"/>
+            </a:endParaRPr>
+          </a:p>
+        </p:txBody>
+      </p:sp>
+    </p:spTree>
+  </p:cSld>
+  <p:clrMapOvr>
+    <a:masterClrMapping/>
+  </p:clrMapOvr>
+  <p:timing>
+    <p:tnLst>
+      <p:par>
+        <p:cTn id="1" dur="indefinite" restart="never" nodeType="tmRoot"/>
+      </p:par>
+    </p:tnLst>
+  </p:timing>
+</p:sld>
+</file>
+
+<file path=ppt/slides/slide24.xml><?xml version="1.0" encoding="utf-8"?>
+<p:sld xmlns:a="http://schemas.openxmlformats.org/drawingml/2006/main" xmlns:r="http://schemas.openxmlformats.org/officeDocument/2006/relationships" xmlns:mc="http://schemas.openxmlformats.org/markup-compatibility/2006" xmlns:mv="urn:schemas-microsoft-com:mac:vml" xmlns:p="http://schemas.openxmlformats.org/presentationml/2006/main" mc:Ignorable="mv" mc:PreserveAttributes="mv:*">
+  <p:cSld>
+    <p:spTree>
+      <p:nvGrpSpPr>
+        <p:cNvPr id="1" name=""/>
+        <p:cNvGrpSpPr/>
+        <p:nvPr/>
+      </p:nvGrpSpPr>
+      <p:grpSpPr>
+        <a:xfrm>
+          <a:off x="0" y="0"/>
+          <a:ext cx="0" cy="0"/>
+          <a:chOff x="0" y="0"/>
+          <a:chExt cx="0" cy="0"/>
+        </a:xfrm>
+      </p:grpSpPr>
+      <p:sp>
+        <p:nvSpPr>
+          <p:cNvPr id="72705" name="Title 1"/>
+          <p:cNvSpPr>
+            <a:spLocks noGrp="1"/>
+          </p:cNvSpPr>
+          <p:nvPr>
+            <p:ph type="title"/>
+          </p:nvPr>
+        </p:nvSpPr>
+        <p:spPr/>
+        <p:txBody>
+          <a:bodyPr/>
+          <a:lstStyle/>
+          <a:p>
+            <a:r>
+              <a:rPr lang="en-US" smtClean="0"/>
+              <a:t>Lessons Learned</a:t>
+            </a:r>
+          </a:p>
+        </p:txBody>
+      </p:sp>
+      <p:sp>
+        <p:nvSpPr>
+          <p:cNvPr id="72706" name="Content Placeholder 2"/>
+          <p:cNvSpPr txBox="1">
+            <a:spLocks/>
+          </p:cNvSpPr>
+          <p:nvPr/>
+        </p:nvSpPr>
+        <p:spPr bwMode="auto">
+          <a:xfrm>
+            <a:off x="381000" y="1493838"/>
+            <a:ext cx="8458200" cy="4525962"/>
+          </a:xfrm>
+          <a:prstGeom prst="rect">
+            <a:avLst/>
+          </a:prstGeom>
+          <a:noFill/>
+          <a:ln w="9525">
+            <a:noFill/>
+            <a:miter lim="800000"/>
+            <a:headEnd/>
+            <a:tailEnd/>
+          </a:ln>
+        </p:spPr>
+        <p:txBody>
+          <a:bodyPr/>
+          <a:lstStyle/>
+          <a:p>
+            <a:pPr marL="342900" indent="-342900">
+              <a:spcBef>
+                <a:spcPct val="20000"/>
+              </a:spcBef>
+              <a:buFont typeface="Arial" charset="0"/>
+              <a:buChar char="•"/>
+            </a:pPr>
+            <a:r>
+              <a:rPr lang="en-US" sz="3200" dirty="0">
+                <a:latin typeface="Calibri" pitchFamily="34" charset="0"/>
+              </a:rPr>
+              <a:t>Think about privacy up front.</a:t>
+            </a:r>
+          </a:p>
+          <a:p>
+            <a:pPr marL="342900" indent="-342900">
+              <a:spcBef>
+                <a:spcPct val="20000"/>
+              </a:spcBef>
+              <a:buFont typeface="Arial" charset="0"/>
+              <a:buChar char="•"/>
+            </a:pPr>
+            <a:r>
+              <a:rPr lang="en-US" sz="3200" dirty="0">
+                <a:latin typeface="Calibri" pitchFamily="34" charset="0"/>
+              </a:rPr>
+              <a:t>If you specify non-privacy solution first, it’ll be seen as required and there will be barriers to privacy.</a:t>
+            </a:r>
+          </a:p>
+          <a:p>
+            <a:pPr marL="342900" indent="-342900">
+              <a:spcBef>
+                <a:spcPct val="20000"/>
+              </a:spcBef>
+              <a:buFont typeface="Arial" charset="0"/>
+              <a:buChar char="•"/>
+            </a:pPr>
+            <a:r>
+              <a:rPr lang="en-US" sz="3200" dirty="0">
+                <a:latin typeface="Calibri" pitchFamily="34" charset="0"/>
+              </a:rPr>
+              <a:t>Stable identifiers (incl. MAC address) often cause concerns.</a:t>
+            </a:r>
+          </a:p>
+          <a:p>
+            <a:pPr marL="342900" indent="-342900">
+              <a:spcBef>
+                <a:spcPct val="20000"/>
+              </a:spcBef>
+              <a:buFont typeface="Arial" charset="0"/>
+              <a:buChar char="•"/>
+            </a:pPr>
+            <a:r>
+              <a:rPr lang="en-US" sz="3200" dirty="0">
+                <a:latin typeface="Calibri" pitchFamily="34" charset="0"/>
+              </a:rPr>
+              <a:t>Mixing stable identifiers and “privacy” identifiers is easy to do by accident.</a:t>
+            </a:r>
+            <a:endParaRPr lang="en-US" sz="3200" dirty="0">
+              <a:latin typeface="Calibri" pitchFamily="34" charset="0"/>
+              <a:ea typeface="ＭＳ Ｐゴシック" pitchFamily="34" charset="-128"/>
+            </a:endParaRPr>
+          </a:p>
+        </p:txBody>
+      </p:sp>
+    </p:spTree>
+  </p:cSld>
+  <p:clrMapOvr>
+    <a:masterClrMapping/>
+  </p:clrMapOvr>
+  <p:timing>
+    <p:tnLst>
+      <p:par>
+        <p:cTn id="1" dur="indefinite" restart="never" nodeType="tmRoot"/>
+      </p:par>
+    </p:tnLst>
+  </p:timing>
+</p:sld>
+</file>
+
+<file path=ppt/slides/slide25.xml><?xml version="1.0" encoding="utf-8"?>
+<p:sld xmlns:a="http://schemas.openxmlformats.org/drawingml/2006/main" xmlns:r="http://schemas.openxmlformats.org/officeDocument/2006/relationships" xmlns:mc="http://schemas.openxmlformats.org/markup-compatibility/2006" xmlns:mv="urn:schemas-microsoft-com:mac:vml" xmlns:p="http://schemas.openxmlformats.org/presentationml/2006/main" mc:Ignorable="mv" mc:PreserveAttributes="mv:*">
+  <p:cSld>
+    <p:spTree>
+      <p:nvGrpSpPr>
+        <p:cNvPr id="1" name=""/>
+        <p:cNvGrpSpPr/>
+        <p:nvPr/>
+      </p:nvGrpSpPr>
+      <p:grpSpPr>
+        <a:xfrm>
+          <a:off x="0" y="0"/>
+          <a:ext cx="0" cy="0"/>
+          <a:chOff x="0" y="0"/>
+          <a:chExt cx="0" cy="0"/>
+        </a:xfrm>
+      </p:grpSpPr>
+      <p:sp>
+        <p:nvSpPr>
+          <p:cNvPr id="50177" name="Title 1"/>
+          <p:cNvSpPr>
+            <a:spLocks noGrp="1"/>
+          </p:cNvSpPr>
+          <p:nvPr>
+            <p:ph type="ctrTitle"/>
+          </p:nvPr>
+        </p:nvSpPr>
+        <p:spPr>
+          <a:xfrm>
+            <a:off x="457200" y="2130425"/>
+            <a:ext cx="8229600" cy="1470025"/>
+          </a:xfrm>
+        </p:spPr>
+        <p:txBody>
+          <a:bodyPr/>
+          <a:lstStyle/>
+          <a:p>
+            <a:r>
+              <a:rPr lang="en-US" sz="4000" smtClean="0"/>
+              <a:t>Use Case: </a:t>
+            </a:r>
+            <a:br>
+              <a:rPr lang="en-US" sz="4000" smtClean="0"/>
+            </a:br>
+            <a:r>
+              <a:rPr lang="en-US" sz="4000" smtClean="0"/>
+              <a:t>OAuth</a:t>
+            </a:r>
+          </a:p>
+        </p:txBody>
+      </p:sp>
+    </p:spTree>
+  </p:cSld>
+  <p:clrMapOvr>
+    <a:masterClrMapping/>
+  </p:clrMapOvr>
+  <p:timing>
+    <p:tnLst>
+      <p:par>
+        <p:cTn id="1" dur="indefinite" restart="never" nodeType="tmRoot"/>
+      </p:par>
+    </p:tnLst>
+  </p:timing>
+</p:sld>
+</file>
+
+<file path=ppt/slides/slide26.xml><?xml version="1.0" encoding="utf-8"?>
+<p:sld xmlns:a="http://schemas.openxmlformats.org/drawingml/2006/main" xmlns:r="http://schemas.openxmlformats.org/officeDocument/2006/relationships" xmlns:mc="http://schemas.openxmlformats.org/markup-compatibility/2006" xmlns:mv="urn:schemas-microsoft-com:mac:vml" xmlns:p="http://schemas.openxmlformats.org/presentationml/2006/main" mc:Ignorable="mv" mc:PreserveAttributes="mv:*">
+  <p:cSld>
+    <p:spTree>
+      <p:nvGrpSpPr>
+        <p:cNvPr id="1" name=""/>
+        <p:cNvGrpSpPr/>
+        <p:nvPr/>
+      </p:nvGrpSpPr>
+      <p:grpSpPr>
+        <a:xfrm>
+          <a:off x="0" y="0"/>
+          <a:ext cx="0" cy="0"/>
+          <a:chOff x="0" y="0"/>
+          <a:chExt cx="0" cy="0"/>
+        </a:xfrm>
+      </p:grpSpPr>
+      <p:sp>
+        <p:nvSpPr>
+          <p:cNvPr id="51201" name="Title 1"/>
+          <p:cNvSpPr>
+            <a:spLocks noGrp="1"/>
+          </p:cNvSpPr>
+          <p:nvPr>
+            <p:ph type="title"/>
+          </p:nvPr>
+        </p:nvSpPr>
+        <p:spPr/>
+        <p:txBody>
+          <a:bodyPr/>
+          <a:lstStyle/>
+          <a:p>
+            <a:r>
               <a:rPr lang="en-US" sz="3600" dirty="0" err="1" smtClean="0"/>
               <a:t>OAuth</a:t>
             </a:r>
@@ -8998,7 +9351,6 @@
               <a:rPr lang="en-US" sz="3600" dirty="0" smtClean="0"/>
               <a:t> Background</a:t>
             </a:r>
-            <a:endParaRPr lang="en-US" sz="3600" dirty="0" smtClean="0"/>
           </a:p>
         </p:txBody>
       </p:sp>
@@ -9025,7 +9377,7 @@
               <a:pPr>
                 <a:defRPr/>
               </a:pPr>
-              <a:t>23</a:t>
+              <a:t>26</a:t>
             </a:fld>
             <a:endParaRPr lang="en-US"/>
           </a:p>
@@ -9133,374 +9485,6 @@
   <p:clrMapOvr>
     <a:masterClrMapping/>
   </p:clrMapOvr>
-</p:sld>
-</file>
-
-<file path=ppt/slides/slide24.xml><?xml version="1.0" encoding="utf-8"?>
-<p:sld xmlns:a="http://schemas.openxmlformats.org/drawingml/2006/main" xmlns:r="http://schemas.openxmlformats.org/officeDocument/2006/relationships" xmlns:mc="http://schemas.openxmlformats.org/markup-compatibility/2006" xmlns:mv="urn:schemas-microsoft-com:mac:vml" xmlns:p="http://schemas.openxmlformats.org/presentationml/2006/main" mc:Ignorable="mv" mc:PreserveAttributes="mv:*">
-  <p:cSld>
-    <p:spTree>
-      <p:nvGrpSpPr>
-        <p:cNvPr id="1" name=""/>
-        <p:cNvGrpSpPr/>
-        <p:nvPr/>
-      </p:nvGrpSpPr>
-      <p:grpSpPr>
-        <a:xfrm>
-          <a:off x="0" y="0"/>
-          <a:ext cx="0" cy="0"/>
-          <a:chOff x="0" y="0"/>
-          <a:chExt cx="0" cy="0"/>
-        </a:xfrm>
-      </p:grpSpPr>
-      <p:sp>
-        <p:nvSpPr>
-          <p:cNvPr id="2" name="Title 1"/>
-          <p:cNvSpPr>
-            <a:spLocks noGrp="1"/>
-          </p:cNvSpPr>
-          <p:nvPr>
-            <p:ph type="title"/>
-          </p:nvPr>
-        </p:nvSpPr>
-        <p:spPr/>
-        <p:txBody>
-          <a:bodyPr/>
-          <a:lstStyle/>
-          <a:p>
-            <a:r>
-              <a:rPr lang="en-US" dirty="0" smtClean="0"/>
-              <a:t>Guidelines</a:t>
-            </a:r>
-            <a:endParaRPr lang="en-US" dirty="0"/>
-          </a:p>
-        </p:txBody>
-      </p:sp>
-      <p:sp>
-        <p:nvSpPr>
-          <p:cNvPr id="3" name="Content Placeholder 2"/>
-          <p:cNvSpPr>
-            <a:spLocks noGrp="1"/>
-          </p:cNvSpPr>
-          <p:nvPr>
-            <p:ph idx="1"/>
-          </p:nvPr>
-        </p:nvSpPr>
-        <p:spPr/>
-        <p:txBody>
-          <a:bodyPr/>
-          <a:lstStyle/>
-          <a:p>
-            <a:r>
-              <a:rPr lang="en-US" dirty="0" smtClean="0"/>
-              <a:t>User </a:t>
-            </a:r>
-            <a:r>
-              <a:rPr lang="en-US" dirty="0" smtClean="0"/>
-              <a:t>Participation</a:t>
-            </a:r>
-          </a:p>
-          <a:p>
-            <a:pPr lvl="1"/>
-            <a:r>
-              <a:rPr lang="en-US" b="1" dirty="0" smtClean="0"/>
-              <a:t>User control</a:t>
-            </a:r>
-            <a:r>
-              <a:rPr lang="en-US" dirty="0" smtClean="0"/>
-              <a:t>. </a:t>
-            </a:r>
-            <a:r>
-              <a:rPr lang="en-US" dirty="0" smtClean="0"/>
-              <a:t> </a:t>
-            </a:r>
-            <a:r>
-              <a:rPr lang="en-US" dirty="0" smtClean="0"/>
-              <a:t/>
-            </a:r>
-            <a:br>
-              <a:rPr lang="en-US" dirty="0" smtClean="0"/>
-            </a:br>
-            <a:r>
-              <a:rPr lang="en-US" dirty="0" smtClean="0"/>
-              <a:t>What </a:t>
-            </a:r>
-            <a:r>
-              <a:rPr lang="en-US" dirty="0" smtClean="0"/>
-              <a:t>controls or consent mechanisms does the protocol define or require before personal data or identifiers are shared or exposed via the protocol</a:t>
-            </a:r>
-            <a:r>
-              <a:rPr lang="en-US" dirty="0" smtClean="0"/>
-              <a:t>?</a:t>
-            </a:r>
-          </a:p>
-          <a:p>
-            <a:pPr lvl="1"/>
-            <a:r>
-              <a:rPr lang="en-US" b="1" dirty="0" smtClean="0"/>
-              <a:t>Control </a:t>
-            </a:r>
-            <a:r>
-              <a:rPr lang="en-US" b="1" dirty="0" smtClean="0"/>
-              <a:t>over sharing with individual recipients</a:t>
-            </a:r>
-            <a:r>
-              <a:rPr lang="en-US" dirty="0" smtClean="0"/>
-              <a:t>.  Does the protocol provide ways for initiators to share different information with different recipients?</a:t>
-            </a:r>
-          </a:p>
-          <a:p>
-            <a:endParaRPr lang="en-US" dirty="0"/>
-          </a:p>
-        </p:txBody>
-      </p:sp>
-      <p:sp>
-        <p:nvSpPr>
-          <p:cNvPr id="4" name="Slide Number Placeholder 3"/>
-          <p:cNvSpPr>
-            <a:spLocks noGrp="1"/>
-          </p:cNvSpPr>
-          <p:nvPr>
-            <p:ph type="sldNum" sz="quarter" idx="12"/>
-          </p:nvPr>
-        </p:nvSpPr>
-        <p:spPr/>
-        <p:txBody>
-          <a:bodyPr/>
-          <a:lstStyle/>
-          <a:p>
-            <a:pPr>
-              <a:defRPr/>
-            </a:pPr>
-            <a:fld id="{4E698A4C-E10E-4ED5-A726-2B34B2342519}" type="slidenum">
-              <a:rPr lang="en-US" smtClean="0"/>
-              <a:pPr>
-                <a:defRPr/>
-              </a:pPr>
-              <a:t>24</a:t>
-            </a:fld>
-            <a:endParaRPr lang="en-US"/>
-          </a:p>
-        </p:txBody>
-      </p:sp>
-    </p:spTree>
-  </p:cSld>
-  <p:clrMapOvr>
-    <a:masterClrMapping/>
-  </p:clrMapOvr>
-</p:sld>
-</file>
-
-<file path=ppt/slides/slide25.xml><?xml version="1.0" encoding="utf-8"?>
-<p:sld xmlns:a="http://schemas.openxmlformats.org/drawingml/2006/main" xmlns:r="http://schemas.openxmlformats.org/officeDocument/2006/relationships" xmlns:mc="http://schemas.openxmlformats.org/markup-compatibility/2006" xmlns:mv="urn:schemas-microsoft-com:mac:vml" xmlns:p="http://schemas.openxmlformats.org/presentationml/2006/main" mc:Ignorable="mv" mc:PreserveAttributes="mv:*">
-  <p:cSld>
-    <p:spTree>
-      <p:nvGrpSpPr>
-        <p:cNvPr id="1" name=""/>
-        <p:cNvGrpSpPr/>
-        <p:nvPr/>
-      </p:nvGrpSpPr>
-      <p:grpSpPr>
-        <a:xfrm>
-          <a:off x="0" y="0"/>
-          <a:ext cx="0" cy="0"/>
-          <a:chOff x="0" y="0"/>
-          <a:chExt cx="0" cy="0"/>
-        </a:xfrm>
-      </p:grpSpPr>
-      <p:sp>
-        <p:nvSpPr>
-          <p:cNvPr id="58369" name="Title 1"/>
-          <p:cNvSpPr>
-            <a:spLocks noGrp="1"/>
-          </p:cNvSpPr>
-          <p:nvPr>
-            <p:ph type="title"/>
-          </p:nvPr>
-        </p:nvSpPr>
-        <p:spPr/>
-        <p:txBody>
-          <a:bodyPr/>
-          <a:lstStyle/>
-          <a:p>
-            <a:r>
-              <a:rPr lang="en-US" smtClean="0"/>
-              <a:t>Lessons Learned</a:t>
-            </a:r>
-          </a:p>
-        </p:txBody>
-      </p:sp>
-      <p:sp>
-        <p:nvSpPr>
-          <p:cNvPr id="58370" name="Content Placeholder 2"/>
-          <p:cNvSpPr>
-            <a:spLocks noGrp="1"/>
-          </p:cNvSpPr>
-          <p:nvPr>
-            <p:ph idx="1"/>
-          </p:nvPr>
-        </p:nvSpPr>
-        <p:spPr/>
-        <p:txBody>
-          <a:bodyPr/>
-          <a:lstStyle/>
-          <a:p>
-            <a:r>
-              <a:rPr lang="en-US" sz="2800" dirty="0" err="1" smtClean="0"/>
-              <a:t>OAuth</a:t>
-            </a:r>
-            <a:r>
-              <a:rPr lang="en-US" sz="2800" dirty="0" smtClean="0"/>
-              <a:t> </a:t>
-            </a:r>
-            <a:r>
-              <a:rPr lang="en-US" sz="2800" dirty="0" smtClean="0"/>
-              <a:t>provided a significant improvement over earlier practices where long-term passwords were shared.</a:t>
-            </a:r>
-          </a:p>
-          <a:p>
-            <a:r>
-              <a:rPr lang="en-US" sz="2800" dirty="0" smtClean="0"/>
-              <a:t>Provides a more privacy-friendly solution than CORS, backbone, etc.</a:t>
-            </a:r>
-            <a:r>
-              <a:rPr lang="en-US" sz="2800" dirty="0" smtClean="0"/>
-              <a:t> </a:t>
-            </a:r>
-          </a:p>
-          <a:p>
-            <a:r>
-              <a:rPr lang="en-US" sz="2800" dirty="0" smtClean="0"/>
-              <a:t>Real-time user consent still presents challenges from a user-interface point of view:</a:t>
-            </a:r>
-          </a:p>
-          <a:p>
-            <a:pPr lvl="1"/>
-            <a:r>
-              <a:rPr lang="en-US" sz="2400" dirty="0" smtClean="0">
-                <a:hlinkClick r:id="rId2"/>
-              </a:rPr>
-              <a:t>http</a:t>
-            </a:r>
-            <a:r>
-              <a:rPr lang="en-US" sz="2400" dirty="0" smtClean="0">
-                <a:hlinkClick r:id="rId2"/>
-              </a:rPr>
-              <a:t>://zachholman.com/2011/01/oauth_will_murder_your_children/</a:t>
-            </a:r>
-            <a:r>
-              <a:rPr lang="en-US" sz="2400" dirty="0" smtClean="0"/>
-              <a:t> </a:t>
-            </a:r>
-          </a:p>
-          <a:p>
-            <a:r>
-              <a:rPr lang="en-US" sz="2800" dirty="0" smtClean="0"/>
-              <a:t>Various insecure </a:t>
-            </a:r>
-            <a:r>
-              <a:rPr lang="en-US" sz="2800" dirty="0" err="1" smtClean="0"/>
-              <a:t>OAuth</a:t>
-            </a:r>
-            <a:r>
-              <a:rPr lang="en-US" sz="2800" dirty="0" smtClean="0"/>
-              <a:t> deployments lead to unauthorized access and stored data compromise. </a:t>
-            </a:r>
-          </a:p>
-          <a:p>
-            <a:endParaRPr lang="en-US" sz="2800" dirty="0" smtClean="0"/>
-          </a:p>
-          <a:p>
-            <a:endParaRPr lang="en-US" sz="2800" dirty="0" smtClean="0"/>
-          </a:p>
-        </p:txBody>
-      </p:sp>
-      <p:sp>
-        <p:nvSpPr>
-          <p:cNvPr id="4" name="Slide Number Placeholder 3"/>
-          <p:cNvSpPr>
-            <a:spLocks noGrp="1"/>
-          </p:cNvSpPr>
-          <p:nvPr>
-            <p:ph type="sldNum" sz="quarter" idx="12"/>
-          </p:nvPr>
-        </p:nvSpPr>
-        <p:spPr/>
-        <p:txBody>
-          <a:bodyPr/>
-          <a:lstStyle/>
-          <a:p>
-            <a:pPr>
-              <a:defRPr/>
-            </a:pPr>
-            <a:fld id="{196BEDEA-CC74-4E26-97A2-2AB0DA97C2C1}" type="slidenum">
-              <a:rPr lang="en-US" smtClean="0"/>
-              <a:pPr>
-                <a:defRPr/>
-              </a:pPr>
-              <a:t>25</a:t>
-            </a:fld>
-            <a:endParaRPr lang="en-US"/>
-          </a:p>
-        </p:txBody>
-      </p:sp>
-    </p:spTree>
-  </p:cSld>
-  <p:clrMapOvr>
-    <a:masterClrMapping/>
-  </p:clrMapOvr>
-</p:sld>
-</file>
-
-<file path=ppt/slides/slide26.xml><?xml version="1.0" encoding="utf-8"?>
-<p:sld xmlns:a="http://schemas.openxmlformats.org/drawingml/2006/main" xmlns:r="http://schemas.openxmlformats.org/officeDocument/2006/relationships" xmlns:mc="http://schemas.openxmlformats.org/markup-compatibility/2006" xmlns:mv="urn:schemas-microsoft-com:mac:vml" xmlns:p="http://schemas.openxmlformats.org/presentationml/2006/main" mc:Ignorable="mv" mc:PreserveAttributes="mv:*">
-  <p:cSld>
-    <p:spTree>
-      <p:nvGrpSpPr>
-        <p:cNvPr id="1" name=""/>
-        <p:cNvGrpSpPr/>
-        <p:nvPr/>
-      </p:nvGrpSpPr>
-      <p:grpSpPr>
-        <a:xfrm>
-          <a:off x="0" y="0"/>
-          <a:ext cx="0" cy="0"/>
-          <a:chOff x="0" y="0"/>
-          <a:chExt cx="0" cy="0"/>
-        </a:xfrm>
-      </p:grpSpPr>
-      <p:sp>
-        <p:nvSpPr>
-          <p:cNvPr id="73729" name="Title 1"/>
-          <p:cNvSpPr>
-            <a:spLocks noGrp="1"/>
-          </p:cNvSpPr>
-          <p:nvPr>
-            <p:ph type="ctrTitle"/>
-          </p:nvPr>
-        </p:nvSpPr>
-        <p:spPr>
-          <a:xfrm>
-            <a:off x="457200" y="2130425"/>
-            <a:ext cx="8229600" cy="1470025"/>
-          </a:xfrm>
-        </p:spPr>
-        <p:txBody>
-          <a:bodyPr/>
-          <a:lstStyle/>
-          <a:p>
-            <a:r>
-              <a:rPr lang="en-US" sz="4000" smtClean="0"/>
-              <a:t>Use Case: SIP-based Real-Time Communication</a:t>
-            </a:r>
-          </a:p>
-        </p:txBody>
-      </p:sp>
-    </p:spTree>
-  </p:cSld>
-  <p:clrMapOvr>
-    <a:masterClrMapping/>
-  </p:clrMapOvr>
   <p:timing>
     <p:tnLst>
       <p:par>
@@ -9530,6 +9514,478 @@
       </p:grpSpPr>
       <p:sp>
         <p:nvSpPr>
+          <p:cNvPr id="2" name="Title 1"/>
+          <p:cNvSpPr>
+            <a:spLocks noGrp="1"/>
+          </p:cNvSpPr>
+          <p:nvPr>
+            <p:ph type="title"/>
+          </p:nvPr>
+        </p:nvSpPr>
+        <p:spPr/>
+        <p:txBody>
+          <a:bodyPr/>
+          <a:lstStyle/>
+          <a:p>
+            <a:r>
+              <a:rPr lang="en-US" dirty="0" smtClean="0"/>
+              <a:t>Guidelines</a:t>
+            </a:r>
+            <a:endParaRPr lang="en-US" dirty="0"/>
+          </a:p>
+        </p:txBody>
+      </p:sp>
+      <p:sp>
+        <p:nvSpPr>
+          <p:cNvPr id="3" name="Content Placeholder 2"/>
+          <p:cNvSpPr>
+            <a:spLocks noGrp="1"/>
+          </p:cNvSpPr>
+          <p:nvPr>
+            <p:ph idx="1"/>
+          </p:nvPr>
+        </p:nvSpPr>
+        <p:spPr/>
+        <p:txBody>
+          <a:bodyPr/>
+          <a:lstStyle/>
+          <a:p>
+            <a:r>
+              <a:rPr lang="en-US" dirty="0" smtClean="0"/>
+              <a:t>User Participation</a:t>
+            </a:r>
+          </a:p>
+          <a:p>
+            <a:pPr lvl="1"/>
+            <a:r>
+              <a:rPr lang="en-US" b="1" dirty="0" smtClean="0"/>
+              <a:t>User control</a:t>
+            </a:r>
+            <a:r>
+              <a:rPr lang="en-US" dirty="0" smtClean="0"/>
+              <a:t>.  </a:t>
+            </a:r>
+            <a:br>
+              <a:rPr lang="en-US" dirty="0" smtClean="0"/>
+            </a:br>
+            <a:r>
+              <a:rPr lang="en-US" dirty="0" smtClean="0"/>
+              <a:t>What controls or consent mechanisms does the protocol define or require before personal data or identifiers are shared or exposed via the protocol?</a:t>
+            </a:r>
+          </a:p>
+          <a:p>
+            <a:pPr lvl="1"/>
+            <a:r>
+              <a:rPr lang="en-US" b="1" dirty="0" smtClean="0"/>
+              <a:t>Control over sharing with individual recipients</a:t>
+            </a:r>
+            <a:r>
+              <a:rPr lang="en-US" dirty="0" smtClean="0"/>
+              <a:t>.  Does the protocol provide ways for initiators to share different information with different recipients?</a:t>
+            </a:r>
+          </a:p>
+          <a:p>
+            <a:endParaRPr lang="en-US" dirty="0"/>
+          </a:p>
+        </p:txBody>
+      </p:sp>
+      <p:sp>
+        <p:nvSpPr>
+          <p:cNvPr id="4" name="Slide Number Placeholder 3"/>
+          <p:cNvSpPr>
+            <a:spLocks noGrp="1"/>
+          </p:cNvSpPr>
+          <p:nvPr>
+            <p:ph type="sldNum" sz="quarter" idx="12"/>
+          </p:nvPr>
+        </p:nvSpPr>
+        <p:spPr/>
+        <p:txBody>
+          <a:bodyPr/>
+          <a:lstStyle/>
+          <a:p>
+            <a:pPr>
+              <a:defRPr/>
+            </a:pPr>
+            <a:fld id="{4E698A4C-E10E-4ED5-A726-2B34B2342519}" type="slidenum">
+              <a:rPr lang="en-US" smtClean="0"/>
+              <a:pPr>
+                <a:defRPr/>
+              </a:pPr>
+              <a:t>27</a:t>
+            </a:fld>
+            <a:endParaRPr lang="en-US"/>
+          </a:p>
+        </p:txBody>
+      </p:sp>
+    </p:spTree>
+  </p:cSld>
+  <p:clrMapOvr>
+    <a:masterClrMapping/>
+  </p:clrMapOvr>
+  <p:timing>
+    <p:tnLst>
+      <p:par>
+        <p:cTn id="1" dur="indefinite" restart="never" nodeType="tmRoot"/>
+      </p:par>
+    </p:tnLst>
+  </p:timing>
+</p:sld>
+</file>
+
+<file path=ppt/slides/slide28.xml><?xml version="1.0" encoding="utf-8"?>
+<p:sld xmlns:a="http://schemas.openxmlformats.org/drawingml/2006/main" xmlns:r="http://schemas.openxmlformats.org/officeDocument/2006/relationships" xmlns:mc="http://schemas.openxmlformats.org/markup-compatibility/2006" xmlns:mv="urn:schemas-microsoft-com:mac:vml" xmlns:p="http://schemas.openxmlformats.org/presentationml/2006/main" mc:Ignorable="mv" mc:PreserveAttributes="mv:*">
+  <p:cSld>
+    <p:spTree>
+      <p:nvGrpSpPr>
+        <p:cNvPr id="1" name=""/>
+        <p:cNvGrpSpPr/>
+        <p:nvPr/>
+      </p:nvGrpSpPr>
+      <p:grpSpPr>
+        <a:xfrm>
+          <a:off x="0" y="0"/>
+          <a:ext cx="0" cy="0"/>
+          <a:chOff x="0" y="0"/>
+          <a:chExt cx="0" cy="0"/>
+        </a:xfrm>
+      </p:grpSpPr>
+      <p:sp>
+        <p:nvSpPr>
+          <p:cNvPr id="58369" name="Title 1"/>
+          <p:cNvSpPr>
+            <a:spLocks noGrp="1"/>
+          </p:cNvSpPr>
+          <p:nvPr>
+            <p:ph type="title"/>
+          </p:nvPr>
+        </p:nvSpPr>
+        <p:spPr/>
+        <p:txBody>
+          <a:bodyPr/>
+          <a:lstStyle/>
+          <a:p>
+            <a:r>
+              <a:rPr lang="en-US" smtClean="0"/>
+              <a:t>Lessons Learned</a:t>
+            </a:r>
+          </a:p>
+        </p:txBody>
+      </p:sp>
+      <p:sp>
+        <p:nvSpPr>
+          <p:cNvPr id="58370" name="Content Placeholder 2"/>
+          <p:cNvSpPr>
+            <a:spLocks noGrp="1"/>
+          </p:cNvSpPr>
+          <p:nvPr>
+            <p:ph idx="1"/>
+          </p:nvPr>
+        </p:nvSpPr>
+        <p:spPr/>
+        <p:txBody>
+          <a:bodyPr/>
+          <a:lstStyle/>
+          <a:p>
+            <a:r>
+              <a:rPr lang="en-US" sz="2800" dirty="0" err="1" smtClean="0"/>
+              <a:t>OAuth</a:t>
+            </a:r>
+            <a:r>
+              <a:rPr lang="en-US" sz="2800" dirty="0" smtClean="0"/>
+              <a:t> provided a significant improvement over earlier practices where long-term passwords were shared.</a:t>
+            </a:r>
+          </a:p>
+          <a:p>
+            <a:r>
+              <a:rPr lang="en-US" sz="2800" dirty="0" smtClean="0"/>
+              <a:t>Provides a more privacy-friendly solution than CORS, backbone, etc. </a:t>
+            </a:r>
+          </a:p>
+          <a:p>
+            <a:r>
+              <a:rPr lang="en-US" sz="2800" dirty="0" smtClean="0"/>
+              <a:t>Real-time user consent still presents challenges from a user-interface point of view:</a:t>
+            </a:r>
+          </a:p>
+          <a:p>
+            <a:pPr lvl="1"/>
+            <a:r>
+              <a:rPr lang="en-US" sz="2400" dirty="0" smtClean="0">
+                <a:hlinkClick r:id="rId2"/>
+              </a:rPr>
+              <a:t>http://zachholman.com/2011/01/oauth_will_murder_your_children/</a:t>
+            </a:r>
+            <a:r>
+              <a:rPr lang="en-US" sz="2400" dirty="0" smtClean="0"/>
+              <a:t> </a:t>
+            </a:r>
+          </a:p>
+          <a:p>
+            <a:r>
+              <a:rPr lang="en-US" sz="2800" dirty="0" smtClean="0"/>
+              <a:t>Various insecure </a:t>
+            </a:r>
+            <a:r>
+              <a:rPr lang="en-US" sz="2800" dirty="0" err="1" smtClean="0"/>
+              <a:t>OAuth</a:t>
+            </a:r>
+            <a:r>
+              <a:rPr lang="en-US" sz="2800" dirty="0" smtClean="0"/>
+              <a:t> deployments lead to unauthorized access and stored data compromise. </a:t>
+            </a:r>
+          </a:p>
+          <a:p>
+            <a:endParaRPr lang="en-US" sz="2800" dirty="0" smtClean="0"/>
+          </a:p>
+          <a:p>
+            <a:endParaRPr lang="en-US" sz="2800" dirty="0" smtClean="0"/>
+          </a:p>
+        </p:txBody>
+      </p:sp>
+      <p:sp>
+        <p:nvSpPr>
+          <p:cNvPr id="4" name="Slide Number Placeholder 3"/>
+          <p:cNvSpPr>
+            <a:spLocks noGrp="1"/>
+          </p:cNvSpPr>
+          <p:nvPr>
+            <p:ph type="sldNum" sz="quarter" idx="12"/>
+          </p:nvPr>
+        </p:nvSpPr>
+        <p:spPr/>
+        <p:txBody>
+          <a:bodyPr/>
+          <a:lstStyle/>
+          <a:p>
+            <a:pPr>
+              <a:defRPr/>
+            </a:pPr>
+            <a:fld id="{196BEDEA-CC74-4E26-97A2-2AB0DA97C2C1}" type="slidenum">
+              <a:rPr lang="en-US" smtClean="0"/>
+              <a:pPr>
+                <a:defRPr/>
+              </a:pPr>
+              <a:t>28</a:t>
+            </a:fld>
+            <a:endParaRPr lang="en-US"/>
+          </a:p>
+        </p:txBody>
+      </p:sp>
+    </p:spTree>
+  </p:cSld>
+  <p:clrMapOvr>
+    <a:masterClrMapping/>
+  </p:clrMapOvr>
+  <p:timing>
+    <p:tnLst>
+      <p:par>
+        <p:cTn id="1" dur="indefinite" restart="never" nodeType="tmRoot"/>
+      </p:par>
+    </p:tnLst>
+  </p:timing>
+</p:sld>
+</file>
+
+<file path=ppt/slides/slide29.xml><?xml version="1.0" encoding="utf-8"?>
+<p:sld xmlns:a="http://schemas.openxmlformats.org/drawingml/2006/main" xmlns:r="http://schemas.openxmlformats.org/officeDocument/2006/relationships" xmlns:mc="http://schemas.openxmlformats.org/markup-compatibility/2006" xmlns:mv="urn:schemas-microsoft-com:mac:vml" xmlns:p="http://schemas.openxmlformats.org/presentationml/2006/main" mc:Ignorable="mv" mc:PreserveAttributes="mv:*">
+  <p:cSld>
+    <p:spTree>
+      <p:nvGrpSpPr>
+        <p:cNvPr id="1" name=""/>
+        <p:cNvGrpSpPr/>
+        <p:nvPr/>
+      </p:nvGrpSpPr>
+      <p:grpSpPr>
+        <a:xfrm>
+          <a:off x="0" y="0"/>
+          <a:ext cx="0" cy="0"/>
+          <a:chOff x="0" y="0"/>
+          <a:chExt cx="0" cy="0"/>
+        </a:xfrm>
+      </p:grpSpPr>
+      <p:sp>
+        <p:nvSpPr>
+          <p:cNvPr id="73729" name="Title 1"/>
+          <p:cNvSpPr>
+            <a:spLocks noGrp="1"/>
+          </p:cNvSpPr>
+          <p:nvPr>
+            <p:ph type="ctrTitle"/>
+          </p:nvPr>
+        </p:nvSpPr>
+        <p:spPr>
+          <a:xfrm>
+            <a:off x="457200" y="2130425"/>
+            <a:ext cx="8229600" cy="1470025"/>
+          </a:xfrm>
+        </p:spPr>
+        <p:txBody>
+          <a:bodyPr/>
+          <a:lstStyle/>
+          <a:p>
+            <a:r>
+              <a:rPr lang="en-US" sz="4000" smtClean="0"/>
+              <a:t>Use Case: SIP-based Real-Time Communication</a:t>
+            </a:r>
+          </a:p>
+        </p:txBody>
+      </p:sp>
+    </p:spTree>
+  </p:cSld>
+  <p:clrMapOvr>
+    <a:masterClrMapping/>
+  </p:clrMapOvr>
+  <p:timing>
+    <p:tnLst>
+      <p:par>
+        <p:cTn id="1" dur="indefinite" restart="never" nodeType="tmRoot"/>
+      </p:par>
+    </p:tnLst>
+  </p:timing>
+</p:sld>
+</file>
+
+<file path=ppt/slides/slide3.xml><?xml version="1.0" encoding="utf-8"?>
+<p:sld xmlns:a="http://schemas.openxmlformats.org/drawingml/2006/main" xmlns:r="http://schemas.openxmlformats.org/officeDocument/2006/relationships" xmlns:mc="http://schemas.openxmlformats.org/markup-compatibility/2006" xmlns:mv="urn:schemas-microsoft-com:mac:vml" xmlns:p="http://schemas.openxmlformats.org/presentationml/2006/main" mc:Ignorable="mv" mc:PreserveAttributes="mv:*">
+  <p:cSld>
+    <p:spTree>
+      <p:nvGrpSpPr>
+        <p:cNvPr id="1" name=""/>
+        <p:cNvGrpSpPr/>
+        <p:nvPr/>
+      </p:nvGrpSpPr>
+      <p:grpSpPr>
+        <a:xfrm>
+          <a:off x="0" y="0"/>
+          <a:ext cx="0" cy="0"/>
+          <a:chOff x="0" y="0"/>
+          <a:chExt cx="0" cy="0"/>
+        </a:xfrm>
+      </p:grpSpPr>
+      <p:sp>
+        <p:nvSpPr>
+          <p:cNvPr id="2" name="Title 1"/>
+          <p:cNvSpPr>
+            <a:spLocks noGrp="1"/>
+          </p:cNvSpPr>
+          <p:nvPr>
+            <p:ph type="title"/>
+          </p:nvPr>
+        </p:nvSpPr>
+        <p:spPr/>
+        <p:txBody>
+          <a:bodyPr rtlCol="0">
+            <a:normAutofit/>
+          </a:bodyPr>
+          <a:lstStyle/>
+          <a:p>
+            <a:pPr fontAlgn="auto">
+              <a:spcAft>
+                <a:spcPts val="0"/>
+              </a:spcAft>
+              <a:defRPr/>
+            </a:pPr>
+            <a:r>
+              <a:rPr lang="en-US" dirty="0" smtClean="0"/>
+              <a:t>Netflix</a:t>
+            </a:r>
+            <a:endParaRPr lang="en-US" dirty="0" smtClean="0"/>
+          </a:p>
+        </p:txBody>
+      </p:sp>
+      <p:sp>
+        <p:nvSpPr>
+          <p:cNvPr id="5" name="Text Placeholder 4"/>
+          <p:cNvSpPr>
+            <a:spLocks noGrp="1"/>
+          </p:cNvSpPr>
+          <p:nvPr>
+            <p:ph type="body" idx="1"/>
+          </p:nvPr>
+        </p:nvSpPr>
+        <p:spPr/>
+        <p:txBody>
+          <a:bodyPr rtlCol="0">
+            <a:normAutofit/>
+          </a:bodyPr>
+          <a:lstStyle/>
+          <a:p>
+            <a:pPr fontAlgn="auto">
+              <a:spcAft>
+                <a:spcPts val="0"/>
+              </a:spcAft>
+              <a:buFont typeface="Arial"/>
+              <a:buNone/>
+              <a:defRPr/>
+            </a:pPr>
+            <a:endParaRPr lang="en-US" dirty="0"/>
+          </a:p>
+        </p:txBody>
+      </p:sp>
+      <p:sp>
+        <p:nvSpPr>
+          <p:cNvPr id="4" name="Slide Number Placeholder 3"/>
+          <p:cNvSpPr>
+            <a:spLocks noGrp="1"/>
+          </p:cNvSpPr>
+          <p:nvPr>
+            <p:ph type="sldNum" sz="quarter" idx="12"/>
+          </p:nvPr>
+        </p:nvSpPr>
+        <p:spPr/>
+        <p:txBody>
+          <a:bodyPr/>
+          <a:lstStyle/>
+          <a:p>
+            <a:pPr>
+              <a:defRPr/>
+            </a:pPr>
+            <a:fld id="{0B7EBD3E-F327-49A7-B776-ABE45368DF4A}" type="slidenum">
+              <a:rPr lang="en-US" smtClean="0"/>
+              <a:pPr>
+                <a:defRPr/>
+              </a:pPr>
+              <a:t>3</a:t>
+            </a:fld>
+            <a:endParaRPr lang="en-US"/>
+          </a:p>
+        </p:txBody>
+      </p:sp>
+    </p:spTree>
+  </p:cSld>
+  <p:clrMapOvr>
+    <a:masterClrMapping/>
+  </p:clrMapOvr>
+  <p:timing>
+    <p:tnLst>
+      <p:par>
+        <p:cTn id="1" dur="indefinite" restart="never" nodeType="tmRoot"/>
+      </p:par>
+    </p:tnLst>
+  </p:timing>
+</p:sld>
+</file>
+
+<file path=ppt/slides/slide30.xml><?xml version="1.0" encoding="utf-8"?>
+<p:sld xmlns:a="http://schemas.openxmlformats.org/drawingml/2006/main" xmlns:r="http://schemas.openxmlformats.org/officeDocument/2006/relationships" xmlns:mc="http://schemas.openxmlformats.org/markup-compatibility/2006" xmlns:mv="urn:schemas-microsoft-com:mac:vml" xmlns:p="http://schemas.openxmlformats.org/presentationml/2006/main" mc:Ignorable="mv" mc:PreserveAttributes="mv:*">
+  <p:cSld>
+    <p:spTree>
+      <p:nvGrpSpPr>
+        <p:cNvPr id="1" name=""/>
+        <p:cNvGrpSpPr/>
+        <p:nvPr/>
+      </p:nvGrpSpPr>
+      <p:grpSpPr>
+        <a:xfrm>
+          <a:off x="0" y="0"/>
+          <a:ext cx="0" cy="0"/>
+          <a:chOff x="0" y="0"/>
+          <a:chExt cx="0" cy="0"/>
+        </a:xfrm>
+      </p:grpSpPr>
+      <p:sp>
+        <p:nvSpPr>
           <p:cNvPr id="74753" name="Rectangle 2"/>
           <p:cNvSpPr>
             <a:spLocks noGrp="1" noChangeArrowheads="1"/>
@@ -9572,23 +10028,7 @@
           <a:p>
             <a:r>
               <a:rPr lang="en-US" sz="2400" dirty="0" smtClean="0"/>
-              <a:t>Session Initiation Protocol (SIP</a:t>
-            </a:r>
-            <a:r>
-              <a:rPr lang="en-US" sz="2400" dirty="0" smtClean="0"/>
-              <a:t>)</a:t>
-            </a:r>
-            <a:r>
-              <a:rPr lang="en-US" sz="2400" dirty="0" smtClean="0"/>
-              <a:t> -- </a:t>
-            </a:r>
-            <a:r>
-              <a:rPr lang="en-US" sz="2400" dirty="0" smtClean="0"/>
-              <a:t>RFC </a:t>
-            </a:r>
-            <a:r>
-              <a:rPr lang="en-US" sz="2400" dirty="0" smtClean="0"/>
-              <a:t>3261 </a:t>
+              <a:t>Session Initiation Protocol (SIP) -- RFC 3261 </a:t>
             </a:r>
           </a:p>
           <a:p>
@@ -10237,524 +10677,6 @@
 </p:sld>
 </file>
 
-<file path=ppt/slides/slide28.xml><?xml version="1.0" encoding="utf-8"?>
-<p:sld xmlns:a="http://schemas.openxmlformats.org/drawingml/2006/main" xmlns:r="http://schemas.openxmlformats.org/officeDocument/2006/relationships" xmlns:mc="http://schemas.openxmlformats.org/markup-compatibility/2006" xmlns:mv="urn:schemas-microsoft-com:mac:vml" xmlns:p="http://schemas.openxmlformats.org/presentationml/2006/main" mc:Ignorable="mv" mc:PreserveAttributes="mv:*">
-  <p:cSld>
-    <p:spTree>
-      <p:nvGrpSpPr>
-        <p:cNvPr id="1" name=""/>
-        <p:cNvGrpSpPr/>
-        <p:nvPr/>
-      </p:nvGrpSpPr>
-      <p:grpSpPr>
-        <a:xfrm>
-          <a:off x="0" y="0"/>
-          <a:ext cx="0" cy="0"/>
-          <a:chOff x="0" y="0"/>
-          <a:chExt cx="0" cy="0"/>
-        </a:xfrm>
-      </p:grpSpPr>
-      <p:sp>
-        <p:nvSpPr>
-          <p:cNvPr id="2" name="Title 1"/>
-          <p:cNvSpPr>
-            <a:spLocks noGrp="1"/>
-          </p:cNvSpPr>
-          <p:nvPr>
-            <p:ph type="title"/>
-          </p:nvPr>
-        </p:nvSpPr>
-        <p:spPr/>
-        <p:txBody>
-          <a:bodyPr/>
-          <a:lstStyle/>
-          <a:p>
-            <a:r>
-              <a:rPr lang="en-US" dirty="0" smtClean="0"/>
-              <a:t>Guidelines</a:t>
-            </a:r>
-            <a:endParaRPr lang="en-US" dirty="0"/>
-          </a:p>
-        </p:txBody>
-      </p:sp>
-      <p:sp>
-        <p:nvSpPr>
-          <p:cNvPr id="3" name="Content Placeholder 2"/>
-          <p:cNvSpPr>
-            <a:spLocks noGrp="1"/>
-          </p:cNvSpPr>
-          <p:nvPr>
-            <p:ph idx="1"/>
-          </p:nvPr>
-        </p:nvSpPr>
-        <p:spPr>
-          <a:xfrm>
-            <a:off x="457200" y="1417638"/>
-            <a:ext cx="8229600" cy="4708525"/>
-          </a:xfrm>
-        </p:spPr>
-        <p:txBody>
-          <a:bodyPr/>
-          <a:lstStyle/>
-          <a:p>
-            <a:r>
-              <a:rPr lang="en-US" sz="2800" dirty="0" smtClean="0"/>
-              <a:t>Security</a:t>
-            </a:r>
-          </a:p>
-          <a:p>
-            <a:pPr lvl="1"/>
-            <a:r>
-              <a:rPr lang="en-US" sz="2400" b="1" dirty="0" smtClean="0"/>
-              <a:t>Surveillance</a:t>
-            </a:r>
-            <a:r>
-              <a:rPr lang="en-US" sz="2400" dirty="0" smtClean="0"/>
-              <a:t>.  How do the protocol's security considerations prevent surveillance, including eavesdropping and traffic analysis</a:t>
-            </a:r>
-            <a:r>
-              <a:rPr lang="en-US" sz="2400" dirty="0" smtClean="0"/>
-              <a:t>?</a:t>
-            </a:r>
-          </a:p>
-          <a:p>
-            <a:pPr lvl="1"/>
-            <a:r>
-              <a:rPr lang="en-US" sz="2400" b="1" dirty="0" smtClean="0"/>
-              <a:t>Intrusion</a:t>
-            </a:r>
-            <a:r>
-              <a:rPr lang="en-US" sz="2400" dirty="0" smtClean="0"/>
-              <a:t>.  How do the protocol's security considerations prevent or mitigate intrusion, including denial-of-service attacks and unsolicited communications more generally</a:t>
-            </a:r>
-            <a:r>
-              <a:rPr lang="en-US" sz="2400" dirty="0" smtClean="0"/>
-              <a:t>?</a:t>
-            </a:r>
-          </a:p>
-        </p:txBody>
-      </p:sp>
-      <p:sp>
-        <p:nvSpPr>
-          <p:cNvPr id="4" name="Slide Number Placeholder 3"/>
-          <p:cNvSpPr>
-            <a:spLocks noGrp="1"/>
-          </p:cNvSpPr>
-          <p:nvPr>
-            <p:ph type="sldNum" sz="quarter" idx="12"/>
-          </p:nvPr>
-        </p:nvSpPr>
-        <p:spPr/>
-        <p:txBody>
-          <a:bodyPr/>
-          <a:lstStyle/>
-          <a:p>
-            <a:pPr>
-              <a:defRPr/>
-            </a:pPr>
-            <a:fld id="{4E698A4C-E10E-4ED5-A726-2B34B2342519}" type="slidenum">
-              <a:rPr lang="en-US" smtClean="0"/>
-              <a:pPr>
-                <a:defRPr/>
-              </a:pPr>
-              <a:t>28</a:t>
-            </a:fld>
-            <a:endParaRPr lang="en-US"/>
-          </a:p>
-        </p:txBody>
-      </p:sp>
-    </p:spTree>
-  </p:cSld>
-  <p:clrMapOvr>
-    <a:masterClrMapping/>
-  </p:clrMapOvr>
-</p:sld>
-</file>
-
-<file path=ppt/slides/slide29.xml><?xml version="1.0" encoding="utf-8"?>
-<p:sld xmlns:a="http://schemas.openxmlformats.org/drawingml/2006/main" xmlns:r="http://schemas.openxmlformats.org/officeDocument/2006/relationships" xmlns:mc="http://schemas.openxmlformats.org/markup-compatibility/2006" xmlns:mv="urn:schemas-microsoft-com:mac:vml" xmlns:p="http://schemas.openxmlformats.org/presentationml/2006/main" mc:Ignorable="mv" mc:PreserveAttributes="mv:*">
-  <p:cSld>
-    <p:spTree>
-      <p:nvGrpSpPr>
-        <p:cNvPr id="1" name=""/>
-        <p:cNvGrpSpPr/>
-        <p:nvPr/>
-      </p:nvGrpSpPr>
-      <p:grpSpPr>
-        <a:xfrm>
-          <a:off x="0" y="0"/>
-          <a:ext cx="0" cy="0"/>
-          <a:chOff x="0" y="0"/>
-          <a:chExt cx="0" cy="0"/>
-        </a:xfrm>
-      </p:grpSpPr>
-      <p:sp>
-        <p:nvSpPr>
-          <p:cNvPr id="2" name="Title 1"/>
-          <p:cNvSpPr>
-            <a:spLocks noGrp="1"/>
-          </p:cNvSpPr>
-          <p:nvPr>
-            <p:ph type="title"/>
-          </p:nvPr>
-        </p:nvSpPr>
-        <p:spPr/>
-        <p:txBody>
-          <a:bodyPr/>
-          <a:lstStyle/>
-          <a:p>
-            <a:r>
-              <a:rPr lang="en-US" dirty="0" smtClean="0"/>
-              <a:t>Guidelines, cont.</a:t>
-            </a:r>
-            <a:endParaRPr lang="en-US" dirty="0"/>
-          </a:p>
-        </p:txBody>
-      </p:sp>
-      <p:sp>
-        <p:nvSpPr>
-          <p:cNvPr id="3" name="Content Placeholder 2"/>
-          <p:cNvSpPr>
-            <a:spLocks noGrp="1"/>
-          </p:cNvSpPr>
-          <p:nvPr>
-            <p:ph idx="1"/>
-          </p:nvPr>
-        </p:nvSpPr>
-        <p:spPr/>
-        <p:txBody>
-          <a:bodyPr/>
-          <a:lstStyle/>
-          <a:p>
-            <a:r>
-              <a:rPr lang="en-US" sz="2800" dirty="0" smtClean="0"/>
-              <a:t>General</a:t>
-            </a:r>
-          </a:p>
-          <a:p>
-            <a:pPr lvl="1"/>
-            <a:r>
-              <a:rPr lang="en-US" sz="2400" b="1" dirty="0" smtClean="0"/>
-              <a:t>Trade-offs</a:t>
-            </a:r>
-            <a:r>
-              <a:rPr lang="en-US" sz="2400" dirty="0" smtClean="0"/>
-              <a:t>.  Does the protocol make trade-offs between privacy and usability, privacy and efficiency, privacy and </a:t>
-            </a:r>
-            <a:r>
-              <a:rPr lang="en-US" sz="2400" dirty="0" err="1" smtClean="0"/>
-              <a:t>implementability</a:t>
-            </a:r>
-            <a:r>
-              <a:rPr lang="en-US" sz="2400" dirty="0" smtClean="0"/>
-              <a:t>, or privacy and other design goals?</a:t>
-            </a:r>
-          </a:p>
-          <a:p>
-            <a:pPr lvl="1"/>
-            <a:r>
-              <a:rPr lang="en-US" sz="2400" b="1" dirty="0" smtClean="0"/>
-              <a:t>Defaults</a:t>
-            </a:r>
-            <a:r>
-              <a:rPr lang="en-US" sz="2400" dirty="0" smtClean="0"/>
-              <a:t>.  If the protocol can be operated in multiple modes or with multiple configurable options, does the default mode or option minimize the amount, </a:t>
-            </a:r>
-            <a:r>
-              <a:rPr lang="en-US" sz="2400" dirty="0" err="1" smtClean="0"/>
-              <a:t>identifiability</a:t>
-            </a:r>
-            <a:r>
-              <a:rPr lang="en-US" sz="2400" dirty="0" smtClean="0"/>
-              <a:t>, and persistence of the data and identifiers exposed by the protocol? </a:t>
-            </a:r>
-          </a:p>
-          <a:p>
-            <a:pPr lvl="1"/>
-            <a:endParaRPr lang="en-US" sz="2400" dirty="0" smtClean="0"/>
-          </a:p>
-          <a:p>
-            <a:endParaRPr lang="en-US" dirty="0"/>
-          </a:p>
-        </p:txBody>
-      </p:sp>
-      <p:sp>
-        <p:nvSpPr>
-          <p:cNvPr id="4" name="Slide Number Placeholder 3"/>
-          <p:cNvSpPr>
-            <a:spLocks noGrp="1"/>
-          </p:cNvSpPr>
-          <p:nvPr>
-            <p:ph type="sldNum" sz="quarter" idx="12"/>
-          </p:nvPr>
-        </p:nvSpPr>
-        <p:spPr/>
-        <p:txBody>
-          <a:bodyPr/>
-          <a:lstStyle/>
-          <a:p>
-            <a:pPr>
-              <a:defRPr/>
-            </a:pPr>
-            <a:fld id="{4E698A4C-E10E-4ED5-A726-2B34B2342519}" type="slidenum">
-              <a:rPr lang="en-US" smtClean="0"/>
-              <a:pPr>
-                <a:defRPr/>
-              </a:pPr>
-              <a:t>29</a:t>
-            </a:fld>
-            <a:endParaRPr lang="en-US"/>
-          </a:p>
-        </p:txBody>
-      </p:sp>
-    </p:spTree>
-  </p:cSld>
-  <p:clrMapOvr>
-    <a:masterClrMapping/>
-  </p:clrMapOvr>
-</p:sld>
-</file>
-
-<file path=ppt/slides/slide3.xml><?xml version="1.0" encoding="utf-8"?>
-<p:sld xmlns:a="http://schemas.openxmlformats.org/drawingml/2006/main" xmlns:r="http://schemas.openxmlformats.org/officeDocument/2006/relationships" xmlns:mc="http://schemas.openxmlformats.org/markup-compatibility/2006" xmlns:mv="urn:schemas-microsoft-com:mac:vml" xmlns:p="http://schemas.openxmlformats.org/presentationml/2006/main" mc:Ignorable="mv" mc:PreserveAttributes="mv:*">
-  <p:cSld>
-    <p:spTree>
-      <p:nvGrpSpPr>
-        <p:cNvPr id="1" name=""/>
-        <p:cNvGrpSpPr/>
-        <p:nvPr/>
-      </p:nvGrpSpPr>
-      <p:grpSpPr>
-        <a:xfrm>
-          <a:off x="0" y="0"/>
-          <a:ext cx="0" cy="0"/>
-          <a:chOff x="0" y="0"/>
-          <a:chExt cx="0" cy="0"/>
-        </a:xfrm>
-      </p:grpSpPr>
-      <p:sp>
-        <p:nvSpPr>
-          <p:cNvPr id="2" name="Title 1"/>
-          <p:cNvSpPr>
-            <a:spLocks noGrp="1"/>
-          </p:cNvSpPr>
-          <p:nvPr>
-            <p:ph type="title"/>
-          </p:nvPr>
-        </p:nvSpPr>
-        <p:spPr/>
-        <p:txBody>
-          <a:bodyPr/>
-          <a:lstStyle/>
-          <a:p>
-            <a:r>
-              <a:rPr lang="en-US" dirty="0" smtClean="0"/>
-              <a:t>Netflix</a:t>
-            </a:r>
-            <a:endParaRPr lang="en-US" dirty="0"/>
-          </a:p>
-        </p:txBody>
-      </p:sp>
-      <p:sp>
-        <p:nvSpPr>
-          <p:cNvPr id="3" name="Content Placeholder 2"/>
-          <p:cNvSpPr>
-            <a:spLocks noGrp="1"/>
-          </p:cNvSpPr>
-          <p:nvPr>
-            <p:ph idx="1"/>
-          </p:nvPr>
-        </p:nvSpPr>
-        <p:spPr/>
-        <p:txBody>
-          <a:bodyPr/>
-          <a:lstStyle/>
-          <a:p>
-            <a:r>
-              <a:rPr lang="en-US" dirty="0" smtClean="0"/>
-              <a:t>TBD.</a:t>
-            </a:r>
-            <a:endParaRPr lang="en-US" dirty="0"/>
-          </a:p>
-        </p:txBody>
-      </p:sp>
-      <p:sp>
-        <p:nvSpPr>
-          <p:cNvPr id="4" name="Slide Number Placeholder 3"/>
-          <p:cNvSpPr>
-            <a:spLocks noGrp="1"/>
-          </p:cNvSpPr>
-          <p:nvPr>
-            <p:ph type="sldNum" sz="quarter" idx="12"/>
-          </p:nvPr>
-        </p:nvSpPr>
-        <p:spPr/>
-        <p:txBody>
-          <a:bodyPr/>
-          <a:lstStyle/>
-          <a:p>
-            <a:pPr>
-              <a:defRPr/>
-            </a:pPr>
-            <a:fld id="{4E698A4C-E10E-4ED5-A726-2B34B2342519}" type="slidenum">
-              <a:rPr lang="en-US" smtClean="0"/>
-              <a:pPr>
-                <a:defRPr/>
-              </a:pPr>
-              <a:t>3</a:t>
-            </a:fld>
-            <a:endParaRPr lang="en-US"/>
-          </a:p>
-        </p:txBody>
-      </p:sp>
-    </p:spTree>
-  </p:cSld>
-  <p:clrMapOvr>
-    <a:masterClrMapping/>
-  </p:clrMapOvr>
-</p:sld>
-</file>
-
-<file path=ppt/slides/slide30.xml><?xml version="1.0" encoding="utf-8"?>
-<p:sld xmlns:a="http://schemas.openxmlformats.org/drawingml/2006/main" xmlns:r="http://schemas.openxmlformats.org/officeDocument/2006/relationships" xmlns:mc="http://schemas.openxmlformats.org/markup-compatibility/2006" xmlns:mv="urn:schemas-microsoft-com:mac:vml" xmlns:p="http://schemas.openxmlformats.org/presentationml/2006/main" mc:Ignorable="mv" mc:PreserveAttributes="mv:*">
-  <p:cSld>
-    <p:spTree>
-      <p:nvGrpSpPr>
-        <p:cNvPr id="1" name=""/>
-        <p:cNvGrpSpPr/>
-        <p:nvPr/>
-      </p:nvGrpSpPr>
-      <p:grpSpPr>
-        <a:xfrm>
-          <a:off x="0" y="0"/>
-          <a:ext cx="0" cy="0"/>
-          <a:chOff x="0" y="0"/>
-          <a:chExt cx="0" cy="0"/>
-        </a:xfrm>
-      </p:grpSpPr>
-      <p:sp>
-        <p:nvSpPr>
-          <p:cNvPr id="2" name="Title 1"/>
-          <p:cNvSpPr>
-            <a:spLocks noGrp="1"/>
-          </p:cNvSpPr>
-          <p:nvPr>
-            <p:ph type="title"/>
-          </p:nvPr>
-        </p:nvSpPr>
-        <p:spPr/>
-        <p:txBody>
-          <a:bodyPr/>
-          <a:lstStyle/>
-          <a:p>
-            <a:r>
-              <a:rPr lang="en-US" dirty="0" smtClean="0"/>
-              <a:t>Guidelines, cont.</a:t>
-            </a:r>
-            <a:endParaRPr lang="en-US" dirty="0"/>
-          </a:p>
-        </p:txBody>
-      </p:sp>
-      <p:sp>
-        <p:nvSpPr>
-          <p:cNvPr id="3" name="Content Placeholder 2"/>
-          <p:cNvSpPr>
-            <a:spLocks noGrp="1"/>
-          </p:cNvSpPr>
-          <p:nvPr>
-            <p:ph idx="1"/>
-          </p:nvPr>
-        </p:nvSpPr>
-        <p:spPr/>
-        <p:txBody>
-          <a:bodyPr/>
-          <a:lstStyle/>
-          <a:p>
-            <a:r>
-              <a:rPr lang="en-US" dirty="0" smtClean="0"/>
-              <a:t>User </a:t>
-            </a:r>
-            <a:r>
-              <a:rPr lang="en-US" dirty="0" smtClean="0"/>
-              <a:t>Participation</a:t>
-            </a:r>
-          </a:p>
-          <a:p>
-            <a:pPr lvl="1"/>
-            <a:r>
-              <a:rPr lang="en-US" b="1" dirty="0" smtClean="0"/>
-              <a:t>Control </a:t>
-            </a:r>
-            <a:r>
-              <a:rPr lang="en-US" b="1" dirty="0" smtClean="0"/>
-              <a:t>over sharing with intermediaries</a:t>
-            </a:r>
-            <a:r>
-              <a:rPr lang="en-US" dirty="0" smtClean="0"/>
-              <a:t>.  Does the protocol provide ways for initiators to limit which information is shared with intermediaries?</a:t>
-            </a:r>
-            <a:r>
-              <a:rPr lang="en-US" dirty="0" smtClean="0"/>
-              <a:t> </a:t>
-            </a:r>
-          </a:p>
-          <a:p>
-            <a:pPr lvl="1"/>
-            <a:r>
-              <a:rPr lang="en-US" b="1" dirty="0" smtClean="0"/>
-              <a:t>Preference </a:t>
-            </a:r>
-            <a:r>
-              <a:rPr lang="en-US" b="1" dirty="0" smtClean="0"/>
-              <a:t>expression</a:t>
-            </a:r>
-            <a:r>
-              <a:rPr lang="en-US" dirty="0" smtClean="0"/>
-              <a:t>.  Does the protocol provide ways for initiators to express individuals' preferences to recipients or intermediaries with regard to the collection, use, or disclosure of their personal data?</a:t>
-            </a:r>
-          </a:p>
-          <a:p>
-            <a:endParaRPr lang="en-US" dirty="0"/>
-          </a:p>
-        </p:txBody>
-      </p:sp>
-      <p:sp>
-        <p:nvSpPr>
-          <p:cNvPr id="4" name="Slide Number Placeholder 3"/>
-          <p:cNvSpPr>
-            <a:spLocks noGrp="1"/>
-          </p:cNvSpPr>
-          <p:nvPr>
-            <p:ph type="sldNum" sz="quarter" idx="12"/>
-          </p:nvPr>
-        </p:nvSpPr>
-        <p:spPr/>
-        <p:txBody>
-          <a:bodyPr/>
-          <a:lstStyle/>
-          <a:p>
-            <a:pPr>
-              <a:defRPr/>
-            </a:pPr>
-            <a:fld id="{4E698A4C-E10E-4ED5-A726-2B34B2342519}" type="slidenum">
-              <a:rPr lang="en-US" smtClean="0"/>
-              <a:pPr>
-                <a:defRPr/>
-              </a:pPr>
-              <a:t>30</a:t>
-            </a:fld>
-            <a:endParaRPr lang="en-US"/>
-          </a:p>
-        </p:txBody>
-      </p:sp>
-    </p:spTree>
-  </p:cSld>
-  <p:clrMapOvr>
-    <a:masterClrMapping/>
-  </p:clrMapOvr>
-</p:sld>
-</file>
-
 <file path=ppt/slides/slide31.xml><?xml version="1.0" encoding="utf-8"?>
 <p:sld xmlns:a="http://schemas.openxmlformats.org/drawingml/2006/main" xmlns:r="http://schemas.openxmlformats.org/officeDocument/2006/relationships" xmlns:mc="http://schemas.openxmlformats.org/markup-compatibility/2006" xmlns:mv="urn:schemas-microsoft-com:mac:vml" xmlns:p="http://schemas.openxmlformats.org/presentationml/2006/main" mc:Ignorable="mv" mc:PreserveAttributes="mv:*">
   <p:cSld>
@@ -10774,7 +10696,7 @@
       </p:grpSpPr>
       <p:sp>
         <p:nvSpPr>
-          <p:cNvPr id="89089" name="Title 1"/>
+          <p:cNvPr id="2" name="Title 1"/>
           <p:cNvSpPr>
             <a:spLocks noGrp="1"/>
           </p:cNvSpPr>
@@ -10788,15 +10710,16 @@
           <a:lstStyle/>
           <a:p>
             <a:r>
-              <a:rPr lang="en-US" smtClean="0"/>
-              <a:t>Lessons Learned</a:t>
-            </a:r>
-          </a:p>
-        </p:txBody>
-      </p:sp>
-      <p:sp>
-        <p:nvSpPr>
-          <p:cNvPr id="89090" name="Content Placeholder 2"/>
+              <a:rPr lang="en-US" dirty="0" smtClean="0"/>
+              <a:t>Guidelines</a:t>
+            </a:r>
+            <a:endParaRPr lang="en-US" dirty="0"/>
+          </a:p>
+        </p:txBody>
+      </p:sp>
+      <p:sp>
+        <p:nvSpPr>
+          <p:cNvPr id="3" name="Content Placeholder 2"/>
           <p:cNvSpPr>
             <a:spLocks noGrp="1"/>
           </p:cNvSpPr>
@@ -10816,50 +10739,30 @@
           <a:p>
             <a:r>
               <a:rPr lang="en-US" sz="2800" dirty="0" smtClean="0"/>
-              <a:t>SIP is a powerful communication protocol that raises a broad range of privacy concerns.</a:t>
-            </a:r>
-          </a:p>
-          <a:p>
-            <a:r>
-              <a:rPr lang="en-US" sz="2800" dirty="0" smtClean="0"/>
-              <a:t>Various privacy-enabling techniques have been specified but in the majority of deployments these privacy features are not available.</a:t>
+              <a:t>Security</a:t>
             </a:r>
           </a:p>
           <a:p>
             <a:pPr lvl="1"/>
             <a:r>
+              <a:rPr lang="en-US" sz="2400" b="1" dirty="0" smtClean="0"/>
+              <a:t>Surveillance</a:t>
+            </a:r>
+            <a:r>
               <a:rPr lang="en-US" sz="2400" dirty="0" smtClean="0"/>
-              <a:t>The choice of defaults </a:t>
+              <a:t>.  How do the protocol's security considerations prevent surveillance, including eavesdropping and traffic analysis?</a:t>
+            </a:r>
+          </a:p>
+          <a:p>
+            <a:pPr lvl="1"/>
+            <a:r>
+              <a:rPr lang="en-US" sz="2400" b="1" dirty="0" smtClean="0"/>
+              <a:t>Intrusion</a:t>
             </a:r>
             <a:r>
               <a:rPr lang="en-US" sz="2400" dirty="0" smtClean="0"/>
-              <a:t>had a big (negative) impact on what has been deployed (e.g., in the e2e security context). </a:t>
-            </a:r>
-          </a:p>
-          <a:p>
-            <a:r>
-              <a:rPr lang="en-US" sz="2800" dirty="0" smtClean="0"/>
-              <a:t>A success, however, was the ability to introduce a consent-based mechanism (buddy list) – a concept unknown in the legacy telephony world. </a:t>
-            </a:r>
-          </a:p>
-          <a:p>
-            <a:r>
-              <a:rPr lang="en-US" sz="2800" dirty="0" smtClean="0"/>
-              <a:t>With </a:t>
-            </a:r>
-            <a:r>
-              <a:rPr lang="en-US" sz="2800" dirty="0" smtClean="0"/>
-              <a:t>subsequent work on XMPP and </a:t>
-            </a:r>
-            <a:r>
-              <a:rPr lang="en-US" sz="2800" dirty="0" err="1" smtClean="0"/>
-              <a:t>WebRTC</a:t>
-            </a:r>
-            <a:r>
-              <a:rPr lang="en-US" sz="2800" dirty="0" smtClean="0"/>
-              <a:t>  some of these privacy questions are re-considered. </a:t>
-            </a:r>
-            <a:endParaRPr lang="en-US" sz="2800" dirty="0" smtClean="0"/>
+              <a:t>.  How do the protocol's security considerations prevent or mitigate intrusion, including denial-of-service attacks and unsolicited communications more generally?</a:t>
+            </a:r>
           </a:p>
         </p:txBody>
       </p:sp>
@@ -10881,7 +10784,7 @@
             <a:pPr>
               <a:defRPr/>
             </a:pPr>
-            <a:fld id="{DFA0481A-855E-4DC6-95A2-F6D6BCB90C17}" type="slidenum">
+            <a:fld id="{4E698A4C-E10E-4ED5-A726-2B34B2342519}" type="slidenum">
               <a:rPr lang="en-US" smtClean="0"/>
               <a:pPr>
                 <a:defRPr/>
@@ -10897,6 +10800,13 @@
   <p:clrMapOvr>
     <a:masterClrMapping/>
   </p:clrMapOvr>
+  <p:timing>
+    <p:tnLst>
+      <p:par>
+        <p:cTn id="1" dur="indefinite" restart="never" nodeType="tmRoot"/>
+      </p:par>
+    </p:tnLst>
+  </p:timing>
 </p:sld>
 </file>
 
@@ -10929,72 +10839,103 @@
         </p:nvSpPr>
         <p:spPr/>
         <p:txBody>
-          <a:bodyPr rtlCol="0">
-            <a:normAutofit/>
-          </a:bodyPr>
-          <a:lstStyle/>
-          <a:p>
-            <a:pPr fontAlgn="auto">
-              <a:spcAft>
-                <a:spcPts val="0"/>
-              </a:spcAft>
-              <a:defRPr/>
-            </a:pPr>
-            <a:r>
-              <a:rPr lang="en-US" dirty="0" smtClean="0"/>
-              <a:t>Summary</a:t>
-            </a:r>
-          </a:p>
-        </p:txBody>
-      </p:sp>
-      <p:sp>
-        <p:nvSpPr>
-          <p:cNvPr id="5" name="Text Placeholder 4"/>
-          <p:cNvSpPr>
-            <a:spLocks noGrp="1"/>
-          </p:cNvSpPr>
-          <p:nvPr>
-            <p:ph type="body" idx="1"/>
-          </p:nvPr>
-        </p:nvSpPr>
-        <p:spPr/>
-        <p:txBody>
-          <a:bodyPr rtlCol="0">
-            <a:normAutofit/>
-          </a:bodyPr>
-          <a:lstStyle/>
-          <a:p>
-            <a:pPr fontAlgn="auto">
-              <a:spcAft>
-                <a:spcPts val="0"/>
-              </a:spcAft>
-              <a:buFont typeface="Arial"/>
-              <a:buNone/>
-              <a:defRPr/>
-            </a:pPr>
-            <a:endParaRPr lang="en-US" dirty="0"/>
-          </a:p>
-        </p:txBody>
-      </p:sp>
-      <p:sp>
-        <p:nvSpPr>
-          <p:cNvPr id="4" name="Slide Number Placeholder 3"/>
-          <p:cNvSpPr>
-            <a:spLocks noGrp="1"/>
-          </p:cNvSpPr>
-          <p:nvPr>
-            <p:ph type="sldNum" sz="quarter" idx="12"/>
-          </p:nvPr>
-        </p:nvSpPr>
-        <p:spPr/>
-        <p:txBody>
           <a:bodyPr/>
           <a:lstStyle/>
           <a:p>
+            <a:r>
+              <a:rPr lang="en-US" dirty="0" smtClean="0"/>
+              <a:t>Guidelines, cont.</a:t>
+            </a:r>
+            <a:endParaRPr lang="en-US" dirty="0"/>
+          </a:p>
+        </p:txBody>
+      </p:sp>
+      <p:sp>
+        <p:nvSpPr>
+          <p:cNvPr id="3" name="Content Placeholder 2"/>
+          <p:cNvSpPr>
+            <a:spLocks noGrp="1"/>
+          </p:cNvSpPr>
+          <p:nvPr>
+            <p:ph idx="1"/>
+          </p:nvPr>
+        </p:nvSpPr>
+        <p:spPr/>
+        <p:txBody>
+          <a:bodyPr/>
+          <a:lstStyle/>
+          <a:p>
+            <a:r>
+              <a:rPr lang="en-US" sz="2800" dirty="0" smtClean="0"/>
+              <a:t>General</a:t>
+            </a:r>
+          </a:p>
+          <a:p>
+            <a:pPr lvl="1"/>
+            <a:r>
+              <a:rPr lang="en-US" sz="2400" b="1" dirty="0" smtClean="0"/>
+              <a:t>Trade-offs</a:t>
+            </a:r>
+            <a:r>
+              <a:rPr lang="en-US" sz="2400" dirty="0" smtClean="0"/>
+              <a:t>.  Does the protocol make trade-offs between privacy and usability, privacy and efficiency, privacy and </a:t>
+            </a:r>
+            <a:r>
+              <a:rPr lang="en-US" sz="2400" dirty="0" err="1" smtClean="0"/>
+              <a:t>implementability</a:t>
+            </a:r>
+            <a:r>
+              <a:rPr lang="en-US" sz="2400" dirty="0" smtClean="0"/>
+              <a:t>, or privacy and other design goals?</a:t>
+            </a:r>
+          </a:p>
+          <a:p>
+            <a:pPr lvl="1"/>
+            <a:r>
+              <a:rPr lang="en-US" sz="2400" b="1" dirty="0" smtClean="0"/>
+              <a:t>Defaults</a:t>
+            </a:r>
+            <a:r>
+              <a:rPr lang="en-US" sz="2400" dirty="0" smtClean="0"/>
+              <a:t>.  If the protocol can be operated in multiple modes or with multiple configurable options, does the default mode or option minimize the amount, </a:t>
+            </a:r>
+            <a:r>
+              <a:rPr lang="en-US" sz="2400" dirty="0" err="1" smtClean="0"/>
+              <a:t>identifiability</a:t>
+            </a:r>
+            <a:r>
+              <a:rPr lang="en-US" sz="2400" dirty="0" smtClean="0"/>
+              <a:t>, and persistence of the data and identifiers exposed by the protocol? </a:t>
+            </a:r>
+          </a:p>
+          <a:p>
+            <a:pPr lvl="1"/>
+            <a:endParaRPr lang="en-US" sz="2400" dirty="0" smtClean="0"/>
+          </a:p>
+          <a:p>
+            <a:endParaRPr lang="en-US" dirty="0"/>
+          </a:p>
+        </p:txBody>
+      </p:sp>
+      <p:sp>
+        <p:nvSpPr>
+          <p:cNvPr id="4" name="Slide Number Placeholder 3"/>
+          <p:cNvSpPr>
+            <a:spLocks noGrp="1"/>
+          </p:cNvSpPr>
+          <p:nvPr>
+            <p:ph type="sldNum" sz="quarter" idx="12"/>
+          </p:nvPr>
+        </p:nvSpPr>
+        <p:spPr/>
+        <p:txBody>
+          <a:bodyPr/>
+          <a:lstStyle/>
+          <a:p>
             <a:pPr>
               <a:defRPr/>
             </a:pPr>
-            <a:fld id="{0B7EBD3E-F327-49A7-B776-ABE45368DF4A}" type="slidenum">
+            <a:fld id="{4E698A4C-E10E-4ED5-A726-2B34B2342519}" type="slidenum">
               <a:rPr lang="en-US" smtClean="0"/>
               <a:pPr>
                 <a:defRPr/>
@@ -11010,6 +10951,13 @@
   <p:clrMapOvr>
     <a:masterClrMapping/>
   </p:clrMapOvr>
+  <p:timing>
+    <p:tnLst>
+      <p:par>
+        <p:cTn id="1" dur="indefinite" restart="never" nodeType="tmRoot"/>
+      </p:par>
+    </p:tnLst>
+  </p:timing>
 </p:sld>
 </file>
 
@@ -11032,7 +10980,7 @@
       </p:grpSpPr>
       <p:sp>
         <p:nvSpPr>
-          <p:cNvPr id="47105" name="Title 1"/>
+          <p:cNvPr id="2" name="Title 1"/>
           <p:cNvSpPr>
             <a:spLocks noGrp="1"/>
           </p:cNvSpPr>
@@ -11046,9 +10994,10 @@
           <a:lstStyle/>
           <a:p>
             <a:r>
-              <a:rPr lang="en-US" smtClean="0"/>
-              <a:t>Guidelines</a:t>
-            </a:r>
+              <a:rPr lang="en-US" dirty="0" smtClean="0"/>
+              <a:t>Guidelines, cont.</a:t>
+            </a:r>
+            <a:endParaRPr lang="en-US" dirty="0"/>
           </a:p>
         </p:txBody>
       </p:sp>
@@ -11060,107 +11009,6 @@
           </p:cNvSpPr>
           <p:nvPr>
             <p:ph idx="1"/>
-          </p:nvPr>
-        </p:nvSpPr>
-        <p:spPr/>
-        <p:txBody>
-          <a:bodyPr>
-            <a:normAutofit fontScale="92500" lnSpcReduction="10000"/>
-          </a:bodyPr>
-          <a:lstStyle/>
-          <a:p>
-            <a:pPr marL="609600" indent="-609600">
-              <a:lnSpc>
-                <a:spcPct val="80000"/>
-              </a:lnSpc>
-            </a:pPr>
-            <a:r>
-              <a:rPr lang="en-US" sz="3400" dirty="0" smtClean="0"/>
-              <a:t>Questions that </a:t>
-            </a:r>
-          </a:p>
-          <a:p>
-            <a:pPr marL="990600" lvl="1" indent="-533400">
-              <a:lnSpc>
-                <a:spcPct val="80000"/>
-              </a:lnSpc>
-              <a:buFont typeface="Arial" charset="0"/>
-              <a:buAutoNum type="arabicPeriod"/>
-            </a:pPr>
-            <a:r>
-              <a:rPr lang="en-US" sz="3000" dirty="0" smtClean="0"/>
-              <a:t>get protocol designers to think about design decisions that relate to privacy concerns, and </a:t>
-            </a:r>
-          </a:p>
-          <a:p>
-            <a:pPr marL="990600" lvl="1" indent="-533400">
-              <a:lnSpc>
-                <a:spcPct val="80000"/>
-              </a:lnSpc>
-              <a:buFont typeface="Arial" charset="0"/>
-              <a:buAutoNum type="arabicPeriod"/>
-            </a:pPr>
-            <a:r>
-              <a:rPr lang="en-US" sz="3000" dirty="0" smtClean="0"/>
-              <a:t>make authors describe their tradeoff decisions. </a:t>
-            </a:r>
-          </a:p>
-          <a:p>
-            <a:pPr marL="590550" indent="-533400">
-              <a:lnSpc>
-                <a:spcPct val="80000"/>
-              </a:lnSpc>
-            </a:pPr>
-            <a:r>
-              <a:rPr lang="en-US" sz="3400" dirty="0" smtClean="0"/>
-              <a:t>RFC 4101 </a:t>
-            </a:r>
-            <a:r>
-              <a:rPr lang="en-US" sz="3600" dirty="0" smtClean="0"/>
-              <a:t>describes an approach for providing protocol "models" that allow reviewers to quickly grasp the essence of a system.</a:t>
-            </a:r>
-            <a:endParaRPr lang="en-US" sz="3400" dirty="0" smtClean="0"/>
-          </a:p>
-          <a:p>
-            <a:pPr marL="990600" lvl="1" indent="-533400">
-              <a:lnSpc>
-                <a:spcPct val="80000"/>
-              </a:lnSpc>
-            </a:pPr>
-            <a:r>
-              <a:rPr lang="en-US" sz="3000" dirty="0" smtClean="0"/>
-              <a:t>Could be useful also for privacy-related review but is not mandated. </a:t>
-            </a:r>
-          </a:p>
-          <a:p>
-            <a:pPr marL="590550" indent="-533400">
-              <a:lnSpc>
-                <a:spcPct val="80000"/>
-              </a:lnSpc>
-            </a:pPr>
-            <a:r>
-              <a:rPr lang="en-US" sz="3600" dirty="0" smtClean="0"/>
-              <a:t>Guidelines does not tell what the solution should be.</a:t>
-            </a:r>
-          </a:p>
-          <a:p>
-            <a:pPr marL="990600" lvl="1" indent="-533400">
-              <a:lnSpc>
-                <a:spcPct val="80000"/>
-              </a:lnSpc>
-            </a:pPr>
-            <a:endParaRPr lang="en-US" sz="3000" dirty="0" smtClean="0"/>
-          </a:p>
-        </p:txBody>
-      </p:sp>
-      <p:sp>
-        <p:nvSpPr>
-          <p:cNvPr id="4" name="Slide Number Placeholder 3"/>
-          <p:cNvSpPr>
-            <a:spLocks noGrp="1"/>
-          </p:cNvSpPr>
-          <p:nvPr>
-            <p:ph type="sldNum" sz="quarter" idx="12"/>
           </p:nvPr>
         </p:nvSpPr>
         <p:spPr/>
@@ -11168,10 +11016,57 @@
           <a:bodyPr/>
           <a:lstStyle/>
           <a:p>
+            <a:r>
+              <a:rPr lang="en-US" dirty="0" smtClean="0"/>
+              <a:t>User Participation</a:t>
+            </a:r>
+          </a:p>
+          <a:p>
+            <a:pPr lvl="1"/>
+            <a:r>
+              <a:rPr lang="en-US" b="1" dirty="0" smtClean="0"/>
+              <a:t>Control over sharing with intermediaries</a:t>
+            </a:r>
+            <a:r>
+              <a:rPr lang="en-US" dirty="0" smtClean="0"/>
+              <a:t>.  Does the protocol provide ways for initiators to limit which information is shared with intermediaries? </a:t>
+            </a:r>
+          </a:p>
+          <a:p>
+            <a:pPr lvl="1"/>
+            <a:r>
+              <a:rPr lang="en-US" b="1" dirty="0" smtClean="0"/>
+              <a:t>Preference expression</a:t>
+            </a:r>
+            <a:r>
+              <a:rPr lang="en-US" dirty="0" smtClean="0"/>
+              <a:t>.  Does the protocol provide ways for initiators to express individuals' preferences to recipients or intermediaries with regard to the collection, use, or disclosure of their personal data?</a:t>
+            </a:r>
+          </a:p>
+          <a:p>
+            <a:endParaRPr lang="en-US" dirty="0"/>
+          </a:p>
+        </p:txBody>
+      </p:sp>
+      <p:sp>
+        <p:nvSpPr>
+          <p:cNvPr id="4" name="Slide Number Placeholder 3"/>
+          <p:cNvSpPr>
+            <a:spLocks noGrp="1"/>
+          </p:cNvSpPr>
+          <p:nvPr>
+            <p:ph type="sldNum" sz="quarter" idx="12"/>
+          </p:nvPr>
+        </p:nvSpPr>
+        <p:spPr/>
+        <p:txBody>
+          <a:bodyPr/>
+          <a:lstStyle/>
+          <a:p>
             <a:pPr>
               <a:defRPr/>
             </a:pPr>
-            <a:fld id="{E0D050EF-537A-437E-9ED3-71A08988B865}" type="slidenum">
+            <a:fld id="{4E698A4C-E10E-4ED5-A726-2B34B2342519}" type="slidenum">
               <a:rPr lang="en-US" smtClean="0"/>
               <a:pPr>
                 <a:defRPr/>
@@ -11187,6 +11082,13 @@
   <p:clrMapOvr>
     <a:masterClrMapping/>
   </p:clrMapOvr>
+  <p:timing>
+    <p:tnLst>
+      <p:par>
+        <p:cTn id="1" dur="indefinite" restart="never" nodeType="tmRoot"/>
+      </p:par>
+    </p:tnLst>
+  </p:timing>
 </p:sld>
 </file>
 
@@ -11209,6 +11111,453 @@
       </p:grpSpPr>
       <p:sp>
         <p:nvSpPr>
+          <p:cNvPr id="89089" name="Title 1"/>
+          <p:cNvSpPr>
+            <a:spLocks noGrp="1"/>
+          </p:cNvSpPr>
+          <p:nvPr>
+            <p:ph type="title"/>
+          </p:nvPr>
+        </p:nvSpPr>
+        <p:spPr/>
+        <p:txBody>
+          <a:bodyPr/>
+          <a:lstStyle/>
+          <a:p>
+            <a:r>
+              <a:rPr lang="en-US" smtClean="0"/>
+              <a:t>Lessons Learned</a:t>
+            </a:r>
+          </a:p>
+        </p:txBody>
+      </p:sp>
+      <p:sp>
+        <p:nvSpPr>
+          <p:cNvPr id="89090" name="Content Placeholder 2"/>
+          <p:cNvSpPr>
+            <a:spLocks noGrp="1"/>
+          </p:cNvSpPr>
+          <p:nvPr>
+            <p:ph idx="1"/>
+          </p:nvPr>
+        </p:nvSpPr>
+        <p:spPr>
+          <a:xfrm>
+            <a:off x="457200" y="1417638"/>
+            <a:ext cx="8229600" cy="4708525"/>
+          </a:xfrm>
+        </p:spPr>
+        <p:txBody>
+          <a:bodyPr/>
+          <a:lstStyle/>
+          <a:p>
+            <a:r>
+              <a:rPr lang="en-US" sz="2800" dirty="0" smtClean="0"/>
+              <a:t>SIP is a powerful communication protocol that raises a broad range of privacy concerns.</a:t>
+            </a:r>
+          </a:p>
+          <a:p>
+            <a:r>
+              <a:rPr lang="en-US" sz="2800" dirty="0" smtClean="0"/>
+              <a:t>Various privacy-enabling techniques have been specified but in the majority of deployments these privacy features are not available.</a:t>
+            </a:r>
+          </a:p>
+          <a:p>
+            <a:pPr lvl="1"/>
+            <a:r>
+              <a:rPr lang="en-US" sz="2400" dirty="0" smtClean="0"/>
+              <a:t>The choice of defaults had a big (negative) impact on what has been deployed (e.g., in the e2e security context). </a:t>
+            </a:r>
+          </a:p>
+          <a:p>
+            <a:r>
+              <a:rPr lang="en-US" sz="2800" dirty="0" smtClean="0"/>
+              <a:t>A success, however, was the ability to introduce a consent-based mechanism (buddy list) – a concept unknown in the legacy telephony world. </a:t>
+            </a:r>
+          </a:p>
+          <a:p>
+            <a:r>
+              <a:rPr lang="en-US" sz="2800" dirty="0" smtClean="0"/>
+              <a:t>With subsequent work on XMPP and </a:t>
+            </a:r>
+            <a:r>
+              <a:rPr lang="en-US" sz="2800" dirty="0" err="1" smtClean="0"/>
+              <a:t>WebRTC</a:t>
+            </a:r>
+            <a:r>
+              <a:rPr lang="en-US" sz="2800" dirty="0" smtClean="0"/>
+              <a:t>  some of these privacy questions are re-considered. </a:t>
+            </a:r>
+          </a:p>
+        </p:txBody>
+      </p:sp>
+      <p:sp>
+        <p:nvSpPr>
+          <p:cNvPr id="4" name="Slide Number Placeholder 3"/>
+          <p:cNvSpPr>
+            <a:spLocks noGrp="1"/>
+          </p:cNvSpPr>
+          <p:nvPr>
+            <p:ph type="sldNum" sz="quarter" idx="12"/>
+          </p:nvPr>
+        </p:nvSpPr>
+        <p:spPr/>
+        <p:txBody>
+          <a:bodyPr/>
+          <a:lstStyle/>
+          <a:p>
+            <a:pPr>
+              <a:defRPr/>
+            </a:pPr>
+            <a:fld id="{DFA0481A-855E-4DC6-95A2-F6D6BCB90C17}" type="slidenum">
+              <a:rPr lang="en-US" smtClean="0"/>
+              <a:pPr>
+                <a:defRPr/>
+              </a:pPr>
+              <a:t>34</a:t>
+            </a:fld>
+            <a:endParaRPr lang="en-US"/>
+          </a:p>
+        </p:txBody>
+      </p:sp>
+    </p:spTree>
+  </p:cSld>
+  <p:clrMapOvr>
+    <a:masterClrMapping/>
+  </p:clrMapOvr>
+  <p:timing>
+    <p:tnLst>
+      <p:par>
+        <p:cTn id="1" dur="indefinite" restart="never" nodeType="tmRoot"/>
+      </p:par>
+    </p:tnLst>
+  </p:timing>
+</p:sld>
+</file>
+
+<file path=ppt/slides/slide35.xml><?xml version="1.0" encoding="utf-8"?>
+<p:sld xmlns:a="http://schemas.openxmlformats.org/drawingml/2006/main" xmlns:r="http://schemas.openxmlformats.org/officeDocument/2006/relationships" xmlns:mc="http://schemas.openxmlformats.org/markup-compatibility/2006" xmlns:mv="urn:schemas-microsoft-com:mac:vml" xmlns:p="http://schemas.openxmlformats.org/presentationml/2006/main" mc:Ignorable="mv" mc:PreserveAttributes="mv:*">
+  <p:cSld>
+    <p:spTree>
+      <p:nvGrpSpPr>
+        <p:cNvPr id="1" name=""/>
+        <p:cNvGrpSpPr/>
+        <p:nvPr/>
+      </p:nvGrpSpPr>
+      <p:grpSpPr>
+        <a:xfrm>
+          <a:off x="0" y="0"/>
+          <a:ext cx="0" cy="0"/>
+          <a:chOff x="0" y="0"/>
+          <a:chExt cx="0" cy="0"/>
+        </a:xfrm>
+      </p:grpSpPr>
+      <p:sp>
+        <p:nvSpPr>
+          <p:cNvPr id="2" name="Title 1"/>
+          <p:cNvSpPr>
+            <a:spLocks noGrp="1"/>
+          </p:cNvSpPr>
+          <p:nvPr>
+            <p:ph type="title"/>
+          </p:nvPr>
+        </p:nvSpPr>
+        <p:spPr/>
+        <p:txBody>
+          <a:bodyPr rtlCol="0">
+            <a:normAutofit/>
+          </a:bodyPr>
+          <a:lstStyle/>
+          <a:p>
+            <a:pPr fontAlgn="auto">
+              <a:spcAft>
+                <a:spcPts val="0"/>
+              </a:spcAft>
+              <a:defRPr/>
+            </a:pPr>
+            <a:r>
+              <a:rPr lang="en-US" dirty="0" smtClean="0"/>
+              <a:t>Summary</a:t>
+            </a:r>
+          </a:p>
+        </p:txBody>
+      </p:sp>
+      <p:sp>
+        <p:nvSpPr>
+          <p:cNvPr id="5" name="Text Placeholder 4"/>
+          <p:cNvSpPr>
+            <a:spLocks noGrp="1"/>
+          </p:cNvSpPr>
+          <p:nvPr>
+            <p:ph type="body" idx="1"/>
+          </p:nvPr>
+        </p:nvSpPr>
+        <p:spPr/>
+        <p:txBody>
+          <a:bodyPr rtlCol="0">
+            <a:normAutofit/>
+          </a:bodyPr>
+          <a:lstStyle/>
+          <a:p>
+            <a:pPr fontAlgn="auto">
+              <a:spcAft>
+                <a:spcPts val="0"/>
+              </a:spcAft>
+              <a:buFont typeface="Arial"/>
+              <a:buNone/>
+              <a:defRPr/>
+            </a:pPr>
+            <a:endParaRPr lang="en-US" dirty="0"/>
+          </a:p>
+        </p:txBody>
+      </p:sp>
+      <p:sp>
+        <p:nvSpPr>
+          <p:cNvPr id="4" name="Slide Number Placeholder 3"/>
+          <p:cNvSpPr>
+            <a:spLocks noGrp="1"/>
+          </p:cNvSpPr>
+          <p:nvPr>
+            <p:ph type="sldNum" sz="quarter" idx="12"/>
+          </p:nvPr>
+        </p:nvSpPr>
+        <p:spPr/>
+        <p:txBody>
+          <a:bodyPr/>
+          <a:lstStyle/>
+          <a:p>
+            <a:pPr>
+              <a:defRPr/>
+            </a:pPr>
+            <a:fld id="{0B7EBD3E-F327-49A7-B776-ABE45368DF4A}" type="slidenum">
+              <a:rPr lang="en-US" smtClean="0"/>
+              <a:pPr>
+                <a:defRPr/>
+              </a:pPr>
+              <a:t>35</a:t>
+            </a:fld>
+            <a:endParaRPr lang="en-US"/>
+          </a:p>
+        </p:txBody>
+      </p:sp>
+    </p:spTree>
+  </p:cSld>
+  <p:clrMapOvr>
+    <a:masterClrMapping/>
+  </p:clrMapOvr>
+  <p:timing>
+    <p:tnLst>
+      <p:par>
+        <p:cTn id="1" dur="indefinite" restart="never" nodeType="tmRoot"/>
+      </p:par>
+    </p:tnLst>
+  </p:timing>
+</p:sld>
+</file>
+
+<file path=ppt/slides/slide36.xml><?xml version="1.0" encoding="utf-8"?>
+<p:sld xmlns:a="http://schemas.openxmlformats.org/drawingml/2006/main" xmlns:r="http://schemas.openxmlformats.org/officeDocument/2006/relationships" xmlns:mc="http://schemas.openxmlformats.org/markup-compatibility/2006" xmlns:mv="urn:schemas-microsoft-com:mac:vml" xmlns:p="http://schemas.openxmlformats.org/presentationml/2006/main" mc:Ignorable="mv" mc:PreserveAttributes="mv:*">
+  <p:cSld>
+    <p:spTree>
+      <p:nvGrpSpPr>
+        <p:cNvPr id="1" name=""/>
+        <p:cNvGrpSpPr/>
+        <p:nvPr/>
+      </p:nvGrpSpPr>
+      <p:grpSpPr>
+        <a:xfrm>
+          <a:off x="0" y="0"/>
+          <a:ext cx="0" cy="0"/>
+          <a:chOff x="0" y="0"/>
+          <a:chExt cx="0" cy="0"/>
+        </a:xfrm>
+      </p:grpSpPr>
+      <p:sp>
+        <p:nvSpPr>
+          <p:cNvPr id="47105" name="Title 1"/>
+          <p:cNvSpPr>
+            <a:spLocks noGrp="1"/>
+          </p:cNvSpPr>
+          <p:nvPr>
+            <p:ph type="title"/>
+          </p:nvPr>
+        </p:nvSpPr>
+        <p:spPr/>
+        <p:txBody>
+          <a:bodyPr/>
+          <a:lstStyle/>
+          <a:p>
+            <a:r>
+              <a:rPr lang="en-US" smtClean="0"/>
+              <a:t>Guidelines</a:t>
+            </a:r>
+          </a:p>
+        </p:txBody>
+      </p:sp>
+      <p:sp>
+        <p:nvSpPr>
+          <p:cNvPr id="3" name="Content Placeholder 2"/>
+          <p:cNvSpPr>
+            <a:spLocks noGrp="1"/>
+          </p:cNvSpPr>
+          <p:nvPr>
+            <p:ph idx="1"/>
+          </p:nvPr>
+        </p:nvSpPr>
+        <p:spPr/>
+        <p:txBody>
+          <a:bodyPr>
+            <a:normAutofit fontScale="92500" lnSpcReduction="10000"/>
+          </a:bodyPr>
+          <a:lstStyle/>
+          <a:p>
+            <a:pPr marL="609600" indent="-609600">
+              <a:lnSpc>
+                <a:spcPct val="80000"/>
+              </a:lnSpc>
+            </a:pPr>
+            <a:r>
+              <a:rPr lang="en-US" sz="3400" dirty="0" smtClean="0"/>
+              <a:t>Questions that </a:t>
+            </a:r>
+          </a:p>
+          <a:p>
+            <a:pPr marL="990600" lvl="1" indent="-533400">
+              <a:lnSpc>
+                <a:spcPct val="80000"/>
+              </a:lnSpc>
+              <a:buFont typeface="Arial" charset="0"/>
+              <a:buAutoNum type="arabicPeriod"/>
+            </a:pPr>
+            <a:r>
+              <a:rPr lang="en-US" sz="3000" dirty="0" smtClean="0"/>
+              <a:t>get protocol designers to think about design decisions that relate to privacy concerns, and </a:t>
+            </a:r>
+          </a:p>
+          <a:p>
+            <a:pPr marL="990600" lvl="1" indent="-533400">
+              <a:lnSpc>
+                <a:spcPct val="80000"/>
+              </a:lnSpc>
+              <a:buFont typeface="Arial" charset="0"/>
+              <a:buAutoNum type="arabicPeriod"/>
+            </a:pPr>
+            <a:r>
+              <a:rPr lang="en-US" sz="3000" dirty="0" smtClean="0"/>
+              <a:t>make authors describe their tradeoff decisions. </a:t>
+            </a:r>
+          </a:p>
+          <a:p>
+            <a:pPr marL="590550" indent="-533400">
+              <a:lnSpc>
+                <a:spcPct val="80000"/>
+              </a:lnSpc>
+            </a:pPr>
+            <a:r>
+              <a:rPr lang="en-US" sz="3400" dirty="0" smtClean="0"/>
+              <a:t>RFC 4101 </a:t>
+            </a:r>
+            <a:r>
+              <a:rPr lang="en-US" sz="3600" dirty="0" smtClean="0"/>
+              <a:t>describes an approach for providing protocol "models" that allow reviewers to quickly grasp the essence of a system.</a:t>
+            </a:r>
+            <a:endParaRPr lang="en-US" sz="3400" dirty="0" smtClean="0"/>
+          </a:p>
+          <a:p>
+            <a:pPr marL="990600" lvl="1" indent="-533400">
+              <a:lnSpc>
+                <a:spcPct val="80000"/>
+              </a:lnSpc>
+            </a:pPr>
+            <a:r>
+              <a:rPr lang="en-US" sz="3000" dirty="0" smtClean="0"/>
+              <a:t>Could be useful also for privacy-related review but is not mandated. </a:t>
+            </a:r>
+          </a:p>
+          <a:p>
+            <a:pPr marL="590550" indent="-533400">
+              <a:lnSpc>
+                <a:spcPct val="80000"/>
+              </a:lnSpc>
+            </a:pPr>
+            <a:r>
+              <a:rPr lang="en-US" sz="3600" dirty="0" smtClean="0"/>
+              <a:t>Guidelines does not tell what the solution should be.</a:t>
+            </a:r>
+          </a:p>
+          <a:p>
+            <a:pPr marL="990600" lvl="1" indent="-533400">
+              <a:lnSpc>
+                <a:spcPct val="80000"/>
+              </a:lnSpc>
+            </a:pPr>
+            <a:endParaRPr lang="en-US" sz="3000" dirty="0" smtClean="0"/>
+          </a:p>
+        </p:txBody>
+      </p:sp>
+      <p:sp>
+        <p:nvSpPr>
+          <p:cNvPr id="4" name="Slide Number Placeholder 3"/>
+          <p:cNvSpPr>
+            <a:spLocks noGrp="1"/>
+          </p:cNvSpPr>
+          <p:nvPr>
+            <p:ph type="sldNum" sz="quarter" idx="12"/>
+          </p:nvPr>
+        </p:nvSpPr>
+        <p:spPr/>
+        <p:txBody>
+          <a:bodyPr/>
+          <a:lstStyle/>
+          <a:p>
+            <a:pPr>
+              <a:defRPr/>
+            </a:pPr>
+            <a:fld id="{E0D050EF-537A-437E-9ED3-71A08988B865}" type="slidenum">
+              <a:rPr lang="en-US" smtClean="0"/>
+              <a:pPr>
+                <a:defRPr/>
+              </a:pPr>
+              <a:t>36</a:t>
+            </a:fld>
+            <a:endParaRPr lang="en-US"/>
+          </a:p>
+        </p:txBody>
+      </p:sp>
+    </p:spTree>
+  </p:cSld>
+  <p:clrMapOvr>
+    <a:masterClrMapping/>
+  </p:clrMapOvr>
+  <p:timing>
+    <p:tnLst>
+      <p:par>
+        <p:cTn id="1" dur="indefinite" restart="never" nodeType="tmRoot"/>
+      </p:par>
+    </p:tnLst>
+  </p:timing>
+</p:sld>
+</file>
+
+<file path=ppt/slides/slide37.xml><?xml version="1.0" encoding="utf-8"?>
+<p:sld xmlns:a="http://schemas.openxmlformats.org/drawingml/2006/main" xmlns:r="http://schemas.openxmlformats.org/officeDocument/2006/relationships" xmlns:mc="http://schemas.openxmlformats.org/markup-compatibility/2006" xmlns:mv="urn:schemas-microsoft-com:mac:vml" xmlns:p="http://schemas.openxmlformats.org/presentationml/2006/main" mc:Ignorable="mv" mc:PreserveAttributes="mv:*">
+  <p:cSld>
+    <p:spTree>
+      <p:nvGrpSpPr>
+        <p:cNvPr id="1" name=""/>
+        <p:cNvGrpSpPr/>
+        <p:nvPr/>
+      </p:nvGrpSpPr>
+      <p:grpSpPr>
+        <a:xfrm>
+          <a:off x="0" y="0"/>
+          <a:ext cx="0" cy="0"/>
+          <a:chOff x="0" y="0"/>
+          <a:chExt cx="0" cy="0"/>
+        </a:xfrm>
+      </p:grpSpPr>
+      <p:sp>
+        <p:nvSpPr>
           <p:cNvPr id="46081" name="Title 1"/>
           <p:cNvSpPr>
             <a:spLocks noGrp="1"/>
@@ -11402,7 +11751,7 @@
               <a:pPr>
                 <a:defRPr/>
               </a:pPr>
-              <a:t>34</a:t>
+              <a:t>37</a:t>
             </a:fld>
             <a:endParaRPr lang="en-US"/>
           </a:p>
@@ -11413,10 +11762,17 @@
   <p:clrMapOvr>
     <a:masterClrMapping/>
   </p:clrMapOvr>
+  <p:timing>
+    <p:tnLst>
+      <p:par>
+        <p:cTn id="1" dur="indefinite" restart="never" nodeType="tmRoot"/>
+      </p:par>
+    </p:tnLst>
+  </p:timing>
 </p:sld>
 </file>
 
-<file path=ppt/slides/slide35.xml><?xml version="1.0" encoding="utf-8"?>
+<file path=ppt/slides/slide38.xml><?xml version="1.0" encoding="utf-8"?>
 <p:sld xmlns:a="http://schemas.openxmlformats.org/drawingml/2006/main" xmlns:r="http://schemas.openxmlformats.org/officeDocument/2006/relationships" xmlns:mc="http://schemas.openxmlformats.org/markup-compatibility/2006" xmlns:mv="urn:schemas-microsoft-com:mac:vml" xmlns:p="http://schemas.openxmlformats.org/presentationml/2006/main" mc:Ignorable="mv" mc:PreserveAttributes="mv:*">
   <p:cSld>
     <p:spTree>
@@ -11602,7 +11958,7 @@
       </p:grpSpPr>
       <p:sp>
         <p:nvSpPr>
-          <p:cNvPr id="36865" name="Title 1"/>
+          <p:cNvPr id="2" name="Title 1"/>
           <p:cNvSpPr>
             <a:spLocks noGrp="1"/>
           </p:cNvSpPr>
@@ -11617,13 +11973,9 @@
           <a:p>
             <a:r>
               <a:rPr lang="en-US" dirty="0" smtClean="0"/>
-              <a:t>What is Privacy</a:t>
-            </a:r>
-            <a:r>
-              <a:rPr lang="en-US" dirty="0" smtClean="0"/>
-              <a:t>?</a:t>
-            </a:r>
-            <a:endParaRPr lang="en-US" dirty="0" smtClean="0"/>
+              <a:t>A Motivating Example</a:t>
+            </a:r>
+            <a:endParaRPr lang="en-US" dirty="0"/>
           </a:p>
         </p:txBody>
       </p:sp>
@@ -11639,161 +11991,144 @@
         </p:nvSpPr>
         <p:spPr>
           <a:xfrm>
-            <a:off x="457200" y="1600200"/>
-            <a:ext cx="8686800" cy="4525963"/>
+            <a:off x="457200" y="1270000"/>
+            <a:ext cx="8554720" cy="4856163"/>
           </a:xfrm>
         </p:spPr>
         <p:txBody>
-          <a:bodyPr>
-            <a:normAutofit fontScale="92500" lnSpcReduction="20000"/>
-          </a:bodyPr>
-          <a:lstStyle/>
-          <a:p>
-            <a:pPr>
-              <a:buFontTx/>
-              <a:buChar char="•"/>
-            </a:pPr>
-            <a:r>
-              <a:rPr lang="en-US" sz="3000" dirty="0" smtClean="0"/>
-              <a:t>We </a:t>
-            </a:r>
-            <a:r>
-              <a:rPr lang="en-US" sz="3000" dirty="0" smtClean="0"/>
-              <a:t>do not offer a one-sentence privacy definition.</a:t>
-            </a:r>
-          </a:p>
-          <a:p>
-            <a:pPr lvl="1">
-              <a:lnSpc>
-                <a:spcPct val="90000"/>
-              </a:lnSpc>
-            </a:pPr>
-            <a:r>
-              <a:rPr lang="en-US" sz="2400" dirty="0" smtClean="0"/>
-              <a:t>Privacy is the sum of what is described in the document.</a:t>
-            </a:r>
-            <a:endParaRPr lang="en-US" sz="2600" dirty="0" smtClean="0"/>
-          </a:p>
-          <a:p>
-            <a:pPr lvl="1">
-              <a:lnSpc>
-                <a:spcPct val="90000"/>
-              </a:lnSpc>
-            </a:pPr>
-            <a:r>
-              <a:rPr lang="en-US" sz="2600" dirty="0" smtClean="0"/>
-              <a:t>Similar approach followed with RFC 3552 (for security</a:t>
-            </a:r>
-            <a:r>
-              <a:rPr lang="en-US" sz="2600" dirty="0" smtClean="0"/>
-              <a:t>)</a:t>
-            </a:r>
-          </a:p>
-          <a:p>
-            <a:pPr>
-              <a:buFontTx/>
-              <a:buChar char="•"/>
-            </a:pPr>
-            <a:r>
-              <a:rPr lang="en-US" sz="2800" dirty="0" smtClean="0"/>
-              <a:t>As an Internet protocol designer we look at a more narrow slice of privacy.</a:t>
-            </a:r>
-            <a:r>
-              <a:rPr lang="en-US" dirty="0" smtClean="0"/>
-              <a:t> </a:t>
-            </a:r>
-          </a:p>
-          <a:p>
-            <a:pPr lvl="1">
-              <a:buFontTx/>
-              <a:buChar char="•"/>
-            </a:pPr>
-            <a:r>
-              <a:rPr lang="en-US" dirty="0" smtClean="0"/>
-              <a:t>There are also additional privacy-related deployment choices that go beyond the ability of what an IETF specification can do</a:t>
-            </a:r>
-            <a:r>
-              <a:rPr lang="en-US" dirty="0" smtClean="0"/>
-              <a:t>.</a:t>
-            </a:r>
-            <a:endParaRPr lang="en-US" sz="2600" dirty="0" smtClean="0"/>
-          </a:p>
-          <a:p>
-            <a:pPr>
-              <a:buFontTx/>
-              <a:buChar char="•"/>
-            </a:pPr>
-            <a:r>
-              <a:rPr lang="en-US" sz="2800" dirty="0" smtClean="0"/>
-              <a:t>There is also an overlap between security and privacy.</a:t>
-            </a:r>
-            <a:r>
-              <a:rPr lang="en-US" sz="2800" dirty="0" smtClean="0">
-                <a:latin typeface="Calibri" charset="0"/>
-              </a:rPr>
-              <a:t> </a:t>
-            </a:r>
-          </a:p>
-          <a:p>
-            <a:pPr lvl="1"/>
-            <a:r>
-              <a:rPr lang="en-US" dirty="0" smtClean="0"/>
-              <a:t>Privacy threats extend security threats.</a:t>
-            </a:r>
-          </a:p>
-          <a:p>
-            <a:pPr lvl="1"/>
-            <a:r>
-              <a:rPr lang="en-US" dirty="0" smtClean="0"/>
-              <a:t>Privacy protection assumes that security protection is in place.</a:t>
-            </a:r>
-          </a:p>
-          <a:p>
-            <a:pPr>
-              <a:buFontTx/>
-              <a:buChar char="•"/>
-            </a:pPr>
-            <a:endParaRPr lang="en-US" sz="2800" dirty="0" smtClean="0"/>
-          </a:p>
-          <a:p>
-            <a:pPr>
-              <a:lnSpc>
-                <a:spcPct val="90000"/>
-              </a:lnSpc>
-            </a:pPr>
-            <a:endParaRPr lang="en-US" sz="2800" dirty="0" smtClean="0"/>
-          </a:p>
-          <a:p>
-            <a:pPr>
-              <a:lnSpc>
-                <a:spcPct val="90000"/>
-              </a:lnSpc>
-              <a:buFont typeface="Arial" charset="0"/>
-              <a:buNone/>
-            </a:pPr>
-            <a:endParaRPr lang="en-US" sz="3000" dirty="0" smtClean="0"/>
-          </a:p>
-        </p:txBody>
-      </p:sp>
-      <p:sp>
-        <p:nvSpPr>
-          <p:cNvPr id="4" name="Slide Number Placeholder 3"/>
-          <p:cNvSpPr>
-            <a:spLocks noGrp="1"/>
-          </p:cNvSpPr>
-          <p:nvPr>
-            <p:ph type="sldNum" sz="quarter" idx="12"/>
-          </p:nvPr>
-        </p:nvSpPr>
-        <p:spPr/>
-        <p:txBody>
           <a:bodyPr/>
           <a:lstStyle/>
           <a:p>
+            <a:r>
+              <a:rPr lang="en-US" sz="2800" dirty="0" smtClean="0"/>
+              <a:t>In</a:t>
+            </a:r>
+            <a:r>
+              <a:rPr lang="en-US" sz="2800" dirty="0" smtClean="0"/>
+              <a:t> October </a:t>
+            </a:r>
+            <a:r>
+              <a:rPr lang="en-US" sz="2800" dirty="0" smtClean="0"/>
+              <a:t>2006</a:t>
+            </a:r>
+            <a:r>
+              <a:rPr lang="en-US" sz="2800" dirty="0" smtClean="0"/>
+              <a:t> </a:t>
+            </a:r>
+            <a:r>
+              <a:rPr lang="en-US" sz="2800" dirty="0" smtClean="0"/>
+              <a:t>Netflix announced the $1-million </a:t>
+            </a:r>
+            <a:r>
+              <a:rPr lang="en-US" sz="2800" dirty="0" err="1" smtClean="0"/>
+              <a:t>Netﬂix</a:t>
+            </a:r>
+            <a:r>
+              <a:rPr lang="en-US" sz="2800" dirty="0" smtClean="0"/>
+              <a:t> </a:t>
+            </a:r>
+            <a:r>
+              <a:rPr lang="en-US" sz="2800" dirty="0" smtClean="0"/>
+              <a:t>Prize for improving their movie </a:t>
+            </a:r>
+            <a:r>
+              <a:rPr lang="en-US" sz="2800" dirty="0" smtClean="0"/>
+              <a:t>recommendation</a:t>
+            </a:r>
+            <a:r>
+              <a:rPr lang="en-US" sz="2800" dirty="0" smtClean="0"/>
+              <a:t> </a:t>
+            </a:r>
+            <a:r>
+              <a:rPr lang="en-US" sz="2800" dirty="0" smtClean="0"/>
+              <a:t>service: </a:t>
+            </a:r>
+          </a:p>
+          <a:p>
+            <a:pPr lvl="1"/>
+            <a:r>
+              <a:rPr lang="en-US" sz="2400" dirty="0" smtClean="0"/>
+              <a:t>“</a:t>
+            </a:r>
+            <a:r>
+              <a:rPr lang="en-US" sz="2400" dirty="0" smtClean="0"/>
+              <a:t>The Netflix Prize seeks to substantially improve the accuracy of predictions about how much someone is going to love a movie based on their movie preferences</a:t>
+            </a:r>
+            <a:r>
+              <a:rPr lang="en-US" sz="2400" dirty="0" smtClean="0"/>
+              <a:t>.”</a:t>
+            </a:r>
+          </a:p>
+          <a:p>
+            <a:pPr lvl="1"/>
+            <a:r>
+              <a:rPr lang="en-US" sz="2400" dirty="0" smtClean="0"/>
+              <a:t>It is a challenge to the world's researchers to improve the rental firm's movie-recommendation engine.</a:t>
+            </a:r>
+            <a:endParaRPr lang="en-US" sz="2400" dirty="0" smtClean="0"/>
+          </a:p>
+          <a:p>
+            <a:r>
+              <a:rPr lang="en-US" sz="2800" dirty="0" smtClean="0"/>
+              <a:t>Netflix published the large database as part of its $1 million Netflix Prize.</a:t>
+            </a:r>
+            <a:r>
+              <a:rPr lang="en-US" sz="2800" dirty="0" smtClean="0"/>
+              <a:t> </a:t>
+            </a:r>
+          </a:p>
+          <a:p>
+            <a:pPr lvl="1"/>
+            <a:r>
+              <a:rPr lang="en-US" sz="2400" dirty="0" smtClean="0"/>
+              <a:t>The </a:t>
+            </a:r>
+            <a:r>
+              <a:rPr lang="en-US" sz="2400" dirty="0" smtClean="0"/>
+              <a:t>released data (from 480,000+ subscribers of </a:t>
+            </a:r>
+            <a:r>
+              <a:rPr lang="en-US" sz="2400" dirty="0" err="1" smtClean="0"/>
+              <a:t>Netﬂix</a:t>
+            </a:r>
+            <a:r>
+              <a:rPr lang="en-US" sz="2400" dirty="0" smtClean="0"/>
+              <a:t>) with 100,000,000+ video ratings between December 1999 and December 2005 was </a:t>
+            </a:r>
+            <a:r>
+              <a:rPr lang="en-US" sz="2400" dirty="0" err="1" smtClean="0"/>
+              <a:t>anonymized</a:t>
+            </a:r>
+            <a:r>
+              <a:rPr lang="en-US" sz="2400" dirty="0" smtClean="0"/>
+              <a:t> (by</a:t>
+            </a:r>
+            <a:r>
+              <a:rPr lang="en-US" sz="2400" dirty="0" smtClean="0"/>
+              <a:t> using pseudonyms).</a:t>
+            </a:r>
+          </a:p>
+        </p:txBody>
+      </p:sp>
+      <p:sp>
+        <p:nvSpPr>
+          <p:cNvPr id="4" name="Slide Number Placeholder 3"/>
+          <p:cNvSpPr>
+            <a:spLocks noGrp="1"/>
+          </p:cNvSpPr>
+          <p:nvPr>
+            <p:ph type="sldNum" sz="quarter" idx="12"/>
+          </p:nvPr>
+        </p:nvSpPr>
+        <p:spPr/>
+        <p:txBody>
+          <a:bodyPr/>
+          <a:lstStyle/>
+          <a:p>
             <a:pPr>
               <a:defRPr/>
             </a:pPr>
-            <a:fld id="{7E3F630D-4D2F-4201-9951-57E80A75E199}" type="slidenum">
+            <a:fld id="{4E698A4C-E10E-4ED5-A726-2B34B2342519}" type="slidenum">
               <a:rPr lang="en-US" smtClean="0"/>
               <a:pPr>
                 <a:defRPr/>
@@ -11809,6 +12144,13 @@
   <p:clrMapOvr>
     <a:masterClrMapping/>
   </p:clrMapOvr>
+  <p:timing>
+    <p:tnLst>
+      <p:par>
+        <p:cTn id="1" dur="indefinite" restart="never" nodeType="tmRoot"/>
+      </p:par>
+    </p:tnLst>
+  </p:timing>
 </p:sld>
 </file>
 
@@ -11831,7 +12173,7 @@
       </p:grpSpPr>
       <p:sp>
         <p:nvSpPr>
-          <p:cNvPr id="45057" name="Title 1"/>
+          <p:cNvPr id="2" name="Title 1"/>
           <p:cNvSpPr>
             <a:spLocks noGrp="1"/>
           </p:cNvSpPr>
@@ -11845,9 +12187,10 @@
           <a:lstStyle/>
           <a:p>
             <a:r>
-              <a:rPr lang="en-US" smtClean="0"/>
-              <a:t>Threat Model</a:t>
-            </a:r>
+              <a:rPr lang="en-US" dirty="0" smtClean="0"/>
+              <a:t>Netflix, cont.</a:t>
+            </a:r>
+            <a:endParaRPr lang="en-US" dirty="0"/>
           </a:p>
         </p:txBody>
       </p:sp>
@@ -11859,114 +12202,6 @@
           </p:cNvSpPr>
           <p:nvPr>
             <p:ph idx="1"/>
-          </p:nvPr>
-        </p:nvSpPr>
-        <p:spPr>
-          <a:xfrm>
-            <a:off x="457200" y="1465263"/>
-            <a:ext cx="8229600" cy="4525962"/>
-          </a:xfrm>
-        </p:spPr>
-        <p:txBody>
-          <a:bodyPr>
-            <a:normAutofit/>
-          </a:bodyPr>
-          <a:lstStyle/>
-          <a:p>
-            <a:pPr>
-              <a:lnSpc>
-                <a:spcPct val="80000"/>
-              </a:lnSpc>
-            </a:pPr>
-            <a:r>
-              <a:rPr lang="en-US" sz="2700" smtClean="0"/>
-              <a:t>Privacy threat models builds on security threat model and extends it. </a:t>
-            </a:r>
-          </a:p>
-          <a:p>
-            <a:pPr>
-              <a:lnSpc>
-                <a:spcPct val="80000"/>
-              </a:lnSpc>
-            </a:pPr>
-            <a:r>
-              <a:rPr lang="en-US" sz="2700" smtClean="0"/>
-              <a:t>Generic enough to be applicable to a wide range of specifications. </a:t>
-            </a:r>
-          </a:p>
-          <a:p>
-            <a:pPr>
-              <a:lnSpc>
-                <a:spcPct val="80000"/>
-              </a:lnSpc>
-            </a:pPr>
-            <a:r>
-              <a:rPr lang="en-US" sz="2700" smtClean="0"/>
-              <a:t>Offer a list of typical concerns that arise during standardization and subsequent deployment.</a:t>
-            </a:r>
-          </a:p>
-          <a:p>
-            <a:pPr>
-              <a:lnSpc>
-                <a:spcPct val="80000"/>
-              </a:lnSpc>
-            </a:pPr>
-            <a:r>
-              <a:rPr lang="en-US" sz="2700" smtClean="0"/>
-              <a:t>Not all threats are applicable to all applications.</a:t>
-            </a:r>
-          </a:p>
-          <a:p>
-            <a:pPr>
-              <a:lnSpc>
-                <a:spcPct val="80000"/>
-              </a:lnSpc>
-            </a:pPr>
-            <a:r>
-              <a:rPr lang="en-US" sz="2700" smtClean="0"/>
-              <a:t>Threats fall into two categories: </a:t>
-            </a:r>
-          </a:p>
-          <a:p>
-            <a:pPr lvl="1">
-              <a:lnSpc>
-                <a:spcPct val="80000"/>
-              </a:lnSpc>
-            </a:pPr>
-            <a:r>
-              <a:rPr lang="en-US" smtClean="0"/>
-              <a:t>Combined security-privacy threats</a:t>
-            </a:r>
-          </a:p>
-          <a:p>
-            <a:pPr lvl="1">
-              <a:lnSpc>
-                <a:spcPct val="80000"/>
-              </a:lnSpc>
-            </a:pPr>
-            <a:r>
-              <a:rPr lang="en-US" smtClean="0"/>
-              <a:t>Privacy-specific threats</a:t>
-            </a:r>
-          </a:p>
-          <a:p>
-            <a:pPr lvl="1">
-              <a:lnSpc>
-                <a:spcPct val="80000"/>
-              </a:lnSpc>
-            </a:pPr>
-            <a:endParaRPr lang="en-US" smtClean="0"/>
-          </a:p>
-        </p:txBody>
-      </p:sp>
-      <p:sp>
-        <p:nvSpPr>
-          <p:cNvPr id="4" name="Slide Number Placeholder 3"/>
-          <p:cNvSpPr>
-            <a:spLocks noGrp="1"/>
-          </p:cNvSpPr>
-          <p:nvPr>
-            <p:ph type="sldNum" sz="quarter" idx="12"/>
           </p:nvPr>
         </p:nvSpPr>
         <p:spPr/>
@@ -11974,17 +12209,140 @@
           <a:bodyPr/>
           <a:lstStyle/>
           <a:p>
+            <a:r>
+              <a:rPr lang="en-US" sz="2800" dirty="0" smtClean="0">
+                <a:hlinkClick r:id="rId2"/>
+              </a:rPr>
+              <a:t>Two </a:t>
+            </a:r>
+            <a:r>
+              <a:rPr lang="en-US" sz="2800" dirty="0" smtClean="0">
+                <a:hlinkClick r:id="rId2"/>
+              </a:rPr>
+              <a:t>researchers </a:t>
+            </a:r>
+            <a:r>
+              <a:rPr lang="en-US" sz="2800" dirty="0" smtClean="0"/>
+              <a:t>from University of Texas have identified two people out of the dataset.</a:t>
+            </a:r>
+            <a:r>
+              <a:rPr lang="en-US" sz="2800" dirty="0" smtClean="0"/>
+              <a:t> 	</a:t>
+            </a:r>
+          </a:p>
+          <a:p>
+            <a:r>
+              <a:rPr lang="en-US" sz="2800" dirty="0" smtClean="0"/>
+              <a:t>It </a:t>
+            </a:r>
+            <a:r>
+              <a:rPr lang="en-US" sz="2800" dirty="0" smtClean="0"/>
+              <a:t>is possible to learn sensitive non-public information about a person from his </a:t>
+            </a:r>
+            <a:r>
+              <a:rPr lang="en-US" sz="2800" dirty="0" smtClean="0"/>
+              <a:t>or her </a:t>
+            </a:r>
+            <a:r>
+              <a:rPr lang="en-US" sz="2800" dirty="0" smtClean="0"/>
+              <a:t>movie viewing </a:t>
+            </a:r>
+            <a:r>
+              <a:rPr lang="en-US" sz="2800" dirty="0" smtClean="0"/>
+              <a:t>history. </a:t>
+            </a:r>
+          </a:p>
+          <a:p>
+            <a:r>
+              <a:rPr lang="en-US" sz="2800" dirty="0" smtClean="0"/>
+              <a:t>An </a:t>
+            </a:r>
+            <a:r>
+              <a:rPr lang="en-US" sz="2800" dirty="0" smtClean="0"/>
+              <a:t>adversary may have auxiliary information about a subscriber’s movie </a:t>
+            </a:r>
+            <a:r>
+              <a:rPr lang="en-US" sz="2800" dirty="0" smtClean="0"/>
+              <a:t>preferences </a:t>
+            </a:r>
+            <a:br>
+              <a:rPr lang="en-US" sz="2800" dirty="0" smtClean="0"/>
+            </a:br>
+            <a:r>
+              <a:rPr lang="en-US" sz="2800" dirty="0" smtClean="0"/>
+              <a:t>(e.g., from the Internet </a:t>
+            </a:r>
+            <a:r>
+              <a:rPr lang="en-US" sz="2800" dirty="0" smtClean="0"/>
+              <a:t>Movie </a:t>
+            </a:r>
+            <a:r>
+              <a:rPr lang="en-US" sz="2800" dirty="0" smtClean="0"/>
+              <a:t>Database):</a:t>
+            </a:r>
+          </a:p>
+          <a:p>
+            <a:pPr lvl="1"/>
+            <a:r>
+              <a:rPr lang="en-US" sz="2400" dirty="0" smtClean="0"/>
+              <a:t>the </a:t>
+            </a:r>
+            <a:r>
+              <a:rPr lang="en-US" sz="2400" dirty="0" smtClean="0"/>
+              <a:t>titles of a few of the movies that this subscriber </a:t>
+            </a:r>
+            <a:r>
+              <a:rPr lang="en-US" sz="2400" dirty="0" smtClean="0"/>
+              <a:t>watched </a:t>
+            </a:r>
+          </a:p>
+          <a:p>
+            <a:pPr lvl="1"/>
+            <a:r>
+              <a:rPr lang="en-US" sz="2400" dirty="0" smtClean="0"/>
+              <a:t>maybe even </a:t>
+            </a:r>
+            <a:r>
+              <a:rPr lang="en-US" sz="2400" dirty="0" smtClean="0"/>
+              <a:t>approximate</a:t>
+            </a:r>
+            <a:r>
+              <a:rPr lang="en-US" sz="2400" dirty="0" smtClean="0"/>
+              <a:t> </a:t>
+            </a:r>
+            <a:r>
+              <a:rPr lang="en-US" sz="2400" dirty="0" smtClean="0"/>
+              <a:t>dates</a:t>
+            </a:r>
+          </a:p>
+        </p:txBody>
+      </p:sp>
+      <p:sp>
+        <p:nvSpPr>
+          <p:cNvPr id="4" name="Slide Number Placeholder 3"/>
+          <p:cNvSpPr>
+            <a:spLocks noGrp="1"/>
+          </p:cNvSpPr>
+          <p:nvPr>
+            <p:ph type="sldNum" sz="quarter" idx="12"/>
+          </p:nvPr>
+        </p:nvSpPr>
+        <p:spPr/>
+        <p:txBody>
+          <a:bodyPr/>
+          <a:lstStyle/>
+          <a:p>
             <a:pPr>
               <a:defRPr/>
             </a:pPr>
-            <a:fld id="{1DE14769-45BD-4F5A-9387-D4D999F6CA7B}" type="slidenum">
-              <a:rPr/>
+            <a:fld id="{4E698A4C-E10E-4ED5-A726-2B34B2342519}" type="slidenum">
+              <a:rPr lang="en-US" smtClean="0"/>
               <a:pPr>
                 <a:defRPr/>
               </a:pPr>
               <a:t>5</a:t>
             </a:fld>
-            <a:endParaRPr lang="en-US"/>
+            <a:endParaRPr lang="en-US" dirty="0"/>
           </a:p>
         </p:txBody>
       </p:sp>
@@ -11993,6 +12351,13 @@
   <p:clrMapOvr>
     <a:masterClrMapping/>
   </p:clrMapOvr>
+  <p:timing>
+    <p:tnLst>
+      <p:par>
+        <p:cTn id="1" dur="indefinite" restart="never" nodeType="tmRoot"/>
+      </p:par>
+    </p:tnLst>
+  </p:timing>
 </p:sld>
 </file>
 
@@ -12015,12 +12380,72 @@
       </p:grpSpPr>
       <p:sp>
         <p:nvSpPr>
-          <p:cNvPr id="8194" name="Title 1"/>
+          <p:cNvPr id="2" name="Title 1"/>
           <p:cNvSpPr>
             <a:spLocks noGrp="1"/>
           </p:cNvSpPr>
           <p:nvPr>
             <p:ph type="title"/>
+          </p:nvPr>
+        </p:nvSpPr>
+        <p:spPr/>
+        <p:txBody>
+          <a:bodyPr rtlCol="0">
+            <a:normAutofit/>
+          </a:bodyPr>
+          <a:lstStyle/>
+          <a:p>
+            <a:pPr fontAlgn="auto">
+              <a:spcAft>
+                <a:spcPts val="0"/>
+              </a:spcAft>
+              <a:defRPr/>
+            </a:pPr>
+            <a:r>
+              <a:rPr lang="en-US" dirty="0" smtClean="0"/>
+              <a:t>What is Privacy?</a:t>
+            </a:r>
+            <a:endParaRPr lang="en-US" dirty="0" smtClean="0"/>
+          </a:p>
+        </p:txBody>
+      </p:sp>
+      <p:sp>
+        <p:nvSpPr>
+          <p:cNvPr id="5" name="Text Placeholder 4"/>
+          <p:cNvSpPr>
+            <a:spLocks noGrp="1"/>
+          </p:cNvSpPr>
+          <p:nvPr>
+            <p:ph type="body" idx="1"/>
+          </p:nvPr>
+        </p:nvSpPr>
+        <p:spPr/>
+        <p:txBody>
+          <a:bodyPr rtlCol="0">
+            <a:normAutofit/>
+          </a:bodyPr>
+          <a:lstStyle/>
+          <a:p>
+            <a:pPr fontAlgn="auto">
+              <a:spcAft>
+                <a:spcPts val="0"/>
+              </a:spcAft>
+              <a:buFont typeface="Arial"/>
+              <a:buNone/>
+              <a:defRPr/>
+            </a:pPr>
+            <a:endParaRPr lang="en-US" dirty="0"/>
+          </a:p>
+        </p:txBody>
+      </p:sp>
+      <p:sp>
+        <p:nvSpPr>
+          <p:cNvPr id="4" name="Slide Number Placeholder 3"/>
+          <p:cNvSpPr>
+            <a:spLocks noGrp="1"/>
+          </p:cNvSpPr>
+          <p:nvPr>
+            <p:ph type="sldNum" sz="quarter" idx="12"/>
           </p:nvPr>
         </p:nvSpPr>
         <p:spPr/>
@@ -12028,116 +12453,14 @@
           <a:bodyPr/>
           <a:lstStyle/>
           <a:p>
-            <a:r>
-              <a:rPr lang="en-US" dirty="0" smtClean="0">
-                <a:latin typeface="Calibri" charset="0"/>
-              </a:rPr>
-              <a:t>Combined Security-Privacy Threats</a:t>
-            </a:r>
-            <a:endParaRPr lang="en-US" dirty="0">
-              <a:latin typeface="Calibri" charset="0"/>
-            </a:endParaRPr>
-          </a:p>
-        </p:txBody>
-      </p:sp>
-      <p:sp>
-        <p:nvSpPr>
-          <p:cNvPr id="8195" name="Content Placeholder 2"/>
-          <p:cNvSpPr>
-            <a:spLocks noGrp="1"/>
-          </p:cNvSpPr>
-          <p:nvPr>
-            <p:ph idx="1"/>
-          </p:nvPr>
-        </p:nvSpPr>
-        <p:spPr>
-          <a:xfrm>
-            <a:off x="457200" y="1259840"/>
-            <a:ext cx="8229600" cy="4623435"/>
-          </a:xfrm>
-        </p:spPr>
-        <p:txBody>
-          <a:bodyPr/>
-          <a:lstStyle/>
-          <a:p>
-            <a:r>
-              <a:rPr lang="en-US" dirty="0" smtClean="0">
-                <a:latin typeface="Calibri" charset="0"/>
-              </a:rPr>
-              <a:t>Surveillance</a:t>
-            </a:r>
-          </a:p>
-          <a:p>
-            <a:r>
-              <a:rPr lang="en-US" dirty="0">
-                <a:latin typeface="Calibri" charset="0"/>
-              </a:rPr>
-              <a:t>Stored data compromise</a:t>
-            </a:r>
-          </a:p>
-          <a:p>
-            <a:r>
-              <a:rPr lang="en-US" dirty="0">
-                <a:latin typeface="Calibri" charset="0"/>
-              </a:rPr>
-              <a:t>Intrusion: Consists of invasive acts that disturb or interrupt one's life or activities.</a:t>
-            </a:r>
-          </a:p>
-          <a:p>
-            <a:r>
-              <a:rPr lang="en-US" dirty="0">
-                <a:latin typeface="Calibri" charset="0"/>
-              </a:rPr>
-              <a:t>Misattribution: Occurs when data or communications related to one individual are attributed to another</a:t>
-            </a:r>
-            <a:r>
-              <a:rPr lang="en-US" dirty="0" smtClean="0">
-                <a:latin typeface="Calibri" charset="0"/>
-              </a:rPr>
-              <a:t>.</a:t>
-            </a:r>
-            <a:endParaRPr lang="en-US" dirty="0">
-              <a:latin typeface="Calibri" charset="0"/>
-            </a:endParaRPr>
-          </a:p>
-        </p:txBody>
-      </p:sp>
-      <p:sp>
-        <p:nvSpPr>
-          <p:cNvPr id="8196" name="Slide Number Placeholder 3"/>
-          <p:cNvSpPr>
-            <a:spLocks noGrp="1"/>
-          </p:cNvSpPr>
-          <p:nvPr>
-            <p:ph type="sldNum" sz="quarter" idx="4294967295"/>
-          </p:nvPr>
-        </p:nvSpPr>
-        <p:spPr bwMode="auto">
-          <a:xfrm>
-            <a:off x="6553200" y="6356350"/>
-            <a:ext cx="2133600" cy="365125"/>
-          </a:xfrm>
-          <a:prstGeom prst="rect">
-            <a:avLst/>
-          </a:prstGeom>
-          <a:noFill/>
-          <a:ln>
-            <a:miter lim="800000"/>
-            <a:headEnd/>
-            <a:tailEnd/>
-          </a:ln>
-        </p:spPr>
-        <p:txBody>
-          <a:bodyPr>
-            <a:prstTxWarp prst="textNoShape">
-              <a:avLst/>
-            </a:prstTxWarp>
-          </a:bodyPr>
-          <a:lstStyle/>
-          <a:p>
-            <a:fld id="{C4858007-8EA6-6640-A21D-71C7A0388043}" type="slidenum">
-              <a:rPr lang="en-US"/>
-              <a:pPr/>
+            <a:pPr>
+              <a:defRPr/>
+            </a:pPr>
+            <a:fld id="{0B7EBD3E-F327-49A7-B776-ABE45368DF4A}" type="slidenum">
+              <a:rPr lang="en-US" smtClean="0"/>
+              <a:pPr>
+                <a:defRPr/>
+              </a:pPr>
               <a:t>6</a:t>
             </a:fld>
             <a:endParaRPr lang="en-US"/>
@@ -12149,6 +12472,13 @@
   <p:clrMapOvr>
     <a:masterClrMapping/>
   </p:clrMapOvr>
+  <p:timing>
+    <p:tnLst>
+      <p:par>
+        <p:cTn id="1" dur="indefinite" restart="never" nodeType="tmRoot"/>
+      </p:par>
+    </p:tnLst>
+  </p:timing>
 </p:sld>
 </file>
 
@@ -12171,7 +12501,7 @@
       </p:grpSpPr>
       <p:sp>
         <p:nvSpPr>
-          <p:cNvPr id="2" name="Title 1"/>
+          <p:cNvPr id="36865" name="Title 1"/>
           <p:cNvSpPr>
             <a:spLocks noGrp="1"/>
           </p:cNvSpPr>
@@ -12185,23 +12515,156 @@
           <a:lstStyle/>
           <a:p>
             <a:r>
-              <a:rPr lang="en-US" dirty="0" smtClean="0">
+              <a:rPr lang="en-US" dirty="0" smtClean="0"/>
+              <a:t>What is Privacy?</a:t>
+            </a:r>
+          </a:p>
+        </p:txBody>
+      </p:sp>
+      <p:sp>
+        <p:nvSpPr>
+          <p:cNvPr id="3" name="Content Placeholder 2"/>
+          <p:cNvSpPr>
+            <a:spLocks noGrp="1"/>
+          </p:cNvSpPr>
+          <p:nvPr>
+            <p:ph idx="1"/>
+          </p:nvPr>
+        </p:nvSpPr>
+        <p:spPr>
+          <a:xfrm>
+            <a:off x="457200" y="1600200"/>
+            <a:ext cx="8686800" cy="4525963"/>
+          </a:xfrm>
+        </p:spPr>
+        <p:txBody>
+          <a:bodyPr>
+            <a:normAutofit fontScale="92500" lnSpcReduction="20000"/>
+          </a:bodyPr>
+          <a:lstStyle/>
+          <a:p>
+            <a:pPr>
+              <a:buFontTx/>
+              <a:buChar char="•"/>
+            </a:pPr>
+            <a:r>
+              <a:rPr lang="en-US" sz="3000" dirty="0" smtClean="0"/>
+              <a:t>We do not offer a one-sentence privacy definition.</a:t>
+            </a:r>
+          </a:p>
+          <a:p>
+            <a:pPr lvl="1">
+              <a:lnSpc>
+                <a:spcPct val="90000"/>
+              </a:lnSpc>
+            </a:pPr>
+            <a:r>
+              <a:rPr lang="en-US" sz="2400" dirty="0" smtClean="0"/>
+              <a:t>Privacy is the sum of what is described in the document.</a:t>
+            </a:r>
+            <a:endParaRPr lang="en-US" sz="2600" dirty="0" smtClean="0"/>
+          </a:p>
+          <a:p>
+            <a:pPr lvl="1">
+              <a:lnSpc>
+                <a:spcPct val="90000"/>
+              </a:lnSpc>
+            </a:pPr>
+            <a:r>
+              <a:rPr lang="en-US" sz="2600" dirty="0" smtClean="0"/>
+              <a:t>Similar approach followed with RFC 3552 (for security)</a:t>
+            </a:r>
+          </a:p>
+          <a:p>
+            <a:pPr>
+              <a:buFontTx/>
+              <a:buChar char="•"/>
+            </a:pPr>
+            <a:r>
+              <a:rPr lang="en-US" sz="2800" dirty="0" smtClean="0"/>
+              <a:t>As an Internet protocol designer we look at a more narrow slice of privacy.</a:t>
+            </a:r>
+            <a:r>
+              <a:rPr lang="en-US" dirty="0" smtClean="0"/>
+              <a:t> </a:t>
+            </a:r>
+          </a:p>
+          <a:p>
+            <a:pPr lvl="1">
+              <a:buFontTx/>
+              <a:buChar char="•"/>
+            </a:pPr>
+            <a:r>
+              <a:rPr lang="en-US" dirty="0" smtClean="0"/>
+              <a:t>There are also additional privacy-related deployment choices that go beyond the ability of what an IETF specification can do.</a:t>
+            </a:r>
+            <a:endParaRPr lang="en-US" sz="2600" dirty="0" smtClean="0"/>
+          </a:p>
+          <a:p>
+            <a:pPr>
+              <a:buFontTx/>
+              <a:buChar char="•"/>
+            </a:pPr>
+            <a:r>
+              <a:rPr lang="en-US" sz="2800" dirty="0" smtClean="0"/>
+              <a:t>There is also an overlap between security and privacy.</a:t>
+            </a:r>
+            <a:r>
+              <a:rPr lang="en-US" sz="2800" dirty="0" smtClean="0">
                 <a:latin typeface="Calibri" charset="0"/>
               </a:rPr>
-              <a:t>Privacy-Specific Threats</a:t>
-            </a:r>
-            <a:endParaRPr lang="en-US" dirty="0"/>
-          </a:p>
-        </p:txBody>
-      </p:sp>
-      <p:sp>
-        <p:nvSpPr>
-          <p:cNvPr id="3" name="Content Placeholder 2"/>
-          <p:cNvSpPr>
-            <a:spLocks noGrp="1"/>
-          </p:cNvSpPr>
-          <p:nvPr>
-            <p:ph idx="1"/>
+              <a:t> </a:t>
+            </a:r>
+          </a:p>
+          <a:p>
+            <a:pPr lvl="1"/>
+            <a:r>
+              <a:rPr lang="en-US" dirty="0" smtClean="0"/>
+              <a:t>Privacy threats extend security threats.</a:t>
+            </a:r>
+          </a:p>
+          <a:p>
+            <a:pPr lvl="1"/>
+            <a:r>
+              <a:rPr lang="en-US" dirty="0" smtClean="0"/>
+              <a:t>Privacy protection assumes that security protection is in place.</a:t>
+            </a:r>
+          </a:p>
+          <a:p>
+            <a:pPr>
+              <a:buFontTx/>
+              <a:buChar char="•"/>
+            </a:pPr>
+            <a:endParaRPr lang="en-US" sz="2800" dirty="0" smtClean="0"/>
+          </a:p>
+          <a:p>
+            <a:pPr>
+              <a:lnSpc>
+                <a:spcPct val="90000"/>
+              </a:lnSpc>
+            </a:pPr>
+            <a:endParaRPr lang="en-US" sz="2800" dirty="0" smtClean="0"/>
+          </a:p>
+          <a:p>
+            <a:pPr>
+              <a:lnSpc>
+                <a:spcPct val="90000"/>
+              </a:lnSpc>
+              <a:buFont typeface="Arial" charset="0"/>
+              <a:buNone/>
+            </a:pPr>
+            <a:endParaRPr lang="en-US" sz="3000" dirty="0" smtClean="0"/>
+          </a:p>
+        </p:txBody>
+      </p:sp>
+      <p:sp>
+        <p:nvSpPr>
+          <p:cNvPr id="4" name="Slide Number Placeholder 3"/>
+          <p:cNvSpPr>
+            <a:spLocks noGrp="1"/>
+          </p:cNvSpPr>
+          <p:nvPr>
+            <p:ph type="sldNum" sz="quarter" idx="12"/>
           </p:nvPr>
         </p:nvSpPr>
         <p:spPr/>
@@ -12209,66 +12672,10 @@
           <a:bodyPr/>
           <a:lstStyle/>
           <a:p>
-            <a:r>
-              <a:rPr lang="en-US" sz="2400" dirty="0" smtClean="0">
-                <a:latin typeface="Calibri" charset="0"/>
-              </a:rPr>
-              <a:t>Correlation: Correlation is the combination of various pieces of information related to an individual. </a:t>
-            </a:r>
-          </a:p>
-          <a:p>
-            <a:r>
-              <a:rPr lang="en-US" sz="2400" dirty="0" smtClean="0">
-                <a:latin typeface="Calibri" charset="0"/>
-              </a:rPr>
-              <a:t>Identification: Linking of information to a particular individual. </a:t>
-            </a:r>
-          </a:p>
-          <a:p>
-            <a:r>
-              <a:rPr lang="en-US" sz="2400" dirty="0" smtClean="0">
-                <a:latin typeface="Calibri" charset="0"/>
-              </a:rPr>
-              <a:t>Secondary use: It the individual's consent for a purpose different from that for which the information was collected.</a:t>
-            </a:r>
-          </a:p>
-          <a:p>
-            <a:r>
-              <a:rPr lang="en-US" sz="2400" dirty="0" smtClean="0">
-                <a:latin typeface="Calibri" charset="0"/>
-              </a:rPr>
-              <a:t>Disclosure: Revelation of information about an individual that affects the way others judge the individual</a:t>
-            </a:r>
-          </a:p>
-          <a:p>
-            <a:r>
-              <a:rPr lang="en-US" sz="2400" dirty="0" smtClean="0">
-                <a:latin typeface="Calibri" charset="0"/>
-              </a:rPr>
-              <a:t>Exclusion: Is the failure to allow individuals to know about the data that others have about them. </a:t>
-            </a:r>
-          </a:p>
-        </p:txBody>
-      </p:sp>
-      <p:sp>
-        <p:nvSpPr>
-          <p:cNvPr id="4" name="Slide Number Placeholder 3"/>
-          <p:cNvSpPr>
-            <a:spLocks noGrp="1"/>
-          </p:cNvSpPr>
-          <p:nvPr>
-            <p:ph type="sldNum" sz="quarter" idx="12"/>
-          </p:nvPr>
-        </p:nvSpPr>
-        <p:spPr/>
-        <p:txBody>
-          <a:bodyPr/>
-          <a:lstStyle/>
-          <a:p>
             <a:pPr>
               <a:defRPr/>
             </a:pPr>
-            <a:fld id="{4E698A4C-E10E-4ED5-A726-2B34B2342519}" type="slidenum">
+            <a:fld id="{7E3F630D-4D2F-4201-9951-57E80A75E199}" type="slidenum">
               <a:rPr lang="en-US" smtClean="0"/>
               <a:pPr>
                 <a:defRPr/>
@@ -12284,6 +12691,13 @@
   <p:clrMapOvr>
     <a:masterClrMapping/>
   </p:clrMapOvr>
+  <p:timing>
+    <p:tnLst>
+      <p:par>
+        <p:cTn id="1" dur="indefinite" restart="never" nodeType="tmRoot"/>
+      </p:par>
+    </p:tnLst>
+  </p:timing>
 </p:sld>
 </file>
 
@@ -12306,7 +12720,7 @@
       </p:grpSpPr>
       <p:sp>
         <p:nvSpPr>
-          <p:cNvPr id="2" name="Title 1"/>
+          <p:cNvPr id="45057" name="Title 1"/>
           <p:cNvSpPr>
             <a:spLocks noGrp="1"/>
           </p:cNvSpPr>
@@ -12316,50 +12730,121 @@
         </p:nvSpPr>
         <p:spPr/>
         <p:txBody>
-          <a:bodyPr rtlCol="0">
+          <a:bodyPr/>
+          <a:lstStyle/>
+          <a:p>
+            <a:r>
+              <a:rPr lang="en-US" smtClean="0"/>
+              <a:t>Threat Model</a:t>
+            </a:r>
+          </a:p>
+        </p:txBody>
+      </p:sp>
+      <p:sp>
+        <p:nvSpPr>
+          <p:cNvPr id="3" name="Content Placeholder 2"/>
+          <p:cNvSpPr>
+            <a:spLocks noGrp="1"/>
+          </p:cNvSpPr>
+          <p:nvPr>
+            <p:ph idx="1"/>
+          </p:nvPr>
+        </p:nvSpPr>
+        <p:spPr>
+          <a:xfrm>
+            <a:off x="457200" y="1465263"/>
+            <a:ext cx="8229600" cy="4525962"/>
+          </a:xfrm>
+        </p:spPr>
+        <p:txBody>
+          <a:bodyPr>
             <a:normAutofit/>
           </a:bodyPr>
           <a:lstStyle/>
           <a:p>
-            <a:pPr fontAlgn="auto">
-              <a:spcAft>
-                <a:spcPts val="0"/>
-              </a:spcAft>
-              <a:defRPr/>
-            </a:pPr>
-            <a:r>
-              <a:rPr lang="en-US" dirty="0" smtClean="0"/>
-              <a:t>Examples</a:t>
-            </a:r>
-          </a:p>
-        </p:txBody>
-      </p:sp>
-      <p:sp>
-        <p:nvSpPr>
-          <p:cNvPr id="5" name="Text Placeholder 4"/>
-          <p:cNvSpPr>
-            <a:spLocks noGrp="1"/>
-          </p:cNvSpPr>
-          <p:nvPr>
-            <p:ph type="body" idx="1"/>
-          </p:nvPr>
-        </p:nvSpPr>
-        <p:spPr/>
-        <p:txBody>
-          <a:bodyPr rtlCol="0">
-            <a:normAutofit/>
-          </a:bodyPr>
-          <a:lstStyle/>
-          <a:p>
-            <a:pPr fontAlgn="auto">
-              <a:spcAft>
-                <a:spcPts val="0"/>
-              </a:spcAft>
-              <a:buFont typeface="Arial"/>
-              <a:buNone/>
-              <a:defRPr/>
-            </a:pPr>
-            <a:endParaRPr lang="en-US" dirty="0"/>
+            <a:pPr>
+              <a:lnSpc>
+                <a:spcPct val="80000"/>
+              </a:lnSpc>
+            </a:pPr>
+            <a:r>
+              <a:rPr lang="en-US" sz="2700" smtClean="0"/>
+              <a:t>Privacy threat models builds on security threat model and extends it. </a:t>
+            </a:r>
+          </a:p>
+          <a:p>
+            <a:pPr>
+              <a:lnSpc>
+                <a:spcPct val="80000"/>
+              </a:lnSpc>
+            </a:pPr>
+            <a:r>
+              <a:rPr lang="en-US" sz="2700" smtClean="0"/>
+              <a:t>Generic enough to be applicable to a wide range of specifications. </a:t>
+            </a:r>
+          </a:p>
+          <a:p>
+            <a:pPr>
+              <a:lnSpc>
+                <a:spcPct val="80000"/>
+              </a:lnSpc>
+            </a:pPr>
+            <a:r>
+              <a:rPr lang="en-US" sz="2700" smtClean="0"/>
+              <a:t>Offer a list of typical concerns that arise during standardization and subsequent deployment.</a:t>
+            </a:r>
+          </a:p>
+          <a:p>
+            <a:pPr>
+              <a:lnSpc>
+                <a:spcPct val="80000"/>
+              </a:lnSpc>
+            </a:pPr>
+            <a:r>
+              <a:rPr lang="en-US" sz="2700" smtClean="0"/>
+              <a:t>Not all threats are applicable to all applications.</a:t>
+            </a:r>
+          </a:p>
+          <a:p>
+            <a:pPr>
+              <a:lnSpc>
+                <a:spcPct val="80000"/>
+              </a:lnSpc>
+            </a:pPr>
+            <a:r>
+              <a:rPr lang="en-US" sz="2700" smtClean="0"/>
+              <a:t>Threats fall into two categories: </a:t>
+            </a:r>
+          </a:p>
+          <a:p>
+            <a:pPr lvl="1">
+              <a:lnSpc>
+                <a:spcPct val="80000"/>
+              </a:lnSpc>
+            </a:pPr>
+            <a:r>
+              <a:rPr lang="en-US" smtClean="0"/>
+              <a:t>Combined security-privacy threats</a:t>
+            </a:r>
+          </a:p>
+          <a:p>
+            <a:pPr lvl="1">
+              <a:lnSpc>
+                <a:spcPct val="80000"/>
+              </a:lnSpc>
+            </a:pPr>
+            <a:r>
+              <a:rPr lang="en-US" smtClean="0"/>
+              <a:t>Privacy-specific threats</a:t>
+            </a:r>
+          </a:p>
+          <a:p>
+            <a:pPr lvl="1">
+              <a:lnSpc>
+                <a:spcPct val="80000"/>
+              </a:lnSpc>
+            </a:pPr>
+            <a:endParaRPr lang="en-US" smtClean="0"/>
           </a:p>
         </p:txBody>
       </p:sp>
@@ -12381,8 +12866,8 @@
             <a:pPr>
               <a:defRPr/>
             </a:pPr>
-            <a:fld id="{0B7EBD3E-F327-49A7-B776-ABE45368DF4A}" type="slidenum">
-              <a:rPr lang="en-US" smtClean="0"/>
+            <a:fld id="{1DE14769-45BD-4F5A-9387-D4D999F6CA7B}" type="slidenum">
+              <a:rPr/>
               <a:pPr>
                 <a:defRPr/>
               </a:pPr>
@@ -12397,6 +12882,13 @@
   <p:clrMapOvr>
     <a:masterClrMapping/>
   </p:clrMapOvr>
+  <p:timing>
+    <p:tnLst>
+      <p:par>
+        <p:cTn id="1" dur="indefinite" restart="never" nodeType="tmRoot"/>
+      </p:par>
+    </p:tnLst>
+  </p:timing>
 </p:sld>
 </file>
 
@@ -12419,18 +12911,45 @@
       </p:grpSpPr>
       <p:sp>
         <p:nvSpPr>
-          <p:cNvPr id="59393" name="Title 1"/>
-          <p:cNvSpPr>
-            <a:spLocks noGrp="1"/>
-          </p:cNvSpPr>
-          <p:nvPr>
-            <p:ph type="ctrTitle"/>
+          <p:cNvPr id="8194" name="Title 1"/>
+          <p:cNvSpPr>
+            <a:spLocks noGrp="1"/>
+          </p:cNvSpPr>
+          <p:nvPr>
+            <p:ph type="title"/>
+          </p:nvPr>
+        </p:nvSpPr>
+        <p:spPr/>
+        <p:txBody>
+          <a:bodyPr/>
+          <a:lstStyle/>
+          <a:p>
+            <a:r>
+              <a:rPr lang="en-US" dirty="0" smtClean="0">
+                <a:latin typeface="Calibri" charset="0"/>
+              </a:rPr>
+              <a:t>Combined Security-Privacy Threats</a:t>
+            </a:r>
+            <a:endParaRPr lang="en-US" dirty="0">
+              <a:latin typeface="Calibri" charset="0"/>
+            </a:endParaRPr>
+          </a:p>
+        </p:txBody>
+      </p:sp>
+      <p:sp>
+        <p:nvSpPr>
+          <p:cNvPr id="8195" name="Content Placeholder 2"/>
+          <p:cNvSpPr>
+            <a:spLocks noGrp="1"/>
+          </p:cNvSpPr>
+          <p:nvPr>
+            <p:ph idx="1"/>
           </p:nvPr>
         </p:nvSpPr>
         <p:spPr>
           <a:xfrm>
-            <a:off x="457200" y="2130425"/>
-            <a:ext cx="8229600" cy="1470025"/>
+            <a:off x="457200" y="1259840"/>
+            <a:ext cx="8229600" cy="4623435"/>
           </a:xfrm>
         </p:spPr>
         <p:txBody>
@@ -12438,16 +12957,86 @@
           <a:lstStyle/>
           <a:p>
             <a:r>
-              <a:rPr lang="en-US" sz="4000" dirty="0" smtClean="0"/>
-              <a:t>Example:  </a:t>
-            </a:r>
-            <a:br>
-              <a:rPr lang="en-US" sz="4000" dirty="0" smtClean="0"/>
-            </a:br>
-            <a:r>
-              <a:rPr lang="en-US" sz="4000" dirty="0" smtClean="0"/>
-              <a:t>Network Access Authentication</a:t>
-            </a:r>
+              <a:rPr lang="en-US" dirty="0" smtClean="0">
+                <a:latin typeface="Calibri" charset="0"/>
+              </a:rPr>
+              <a:t>Surveillance</a:t>
+            </a:r>
+          </a:p>
+          <a:p>
+            <a:r>
+              <a:rPr lang="en-US" dirty="0">
+                <a:latin typeface="Calibri" charset="0"/>
+              </a:rPr>
+              <a:t>Stored data compromise</a:t>
+            </a:r>
+          </a:p>
+          <a:p>
+            <a:r>
+              <a:rPr lang="en-US" dirty="0">
+                <a:latin typeface="Calibri" charset="0"/>
+              </a:rPr>
+              <a:t>Intrusion: Consists of invasive acts that disturb or interrupt one's life or activities.</a:t>
+            </a:r>
+          </a:p>
+          <a:p>
+            <a:r>
+              <a:rPr lang="en-US" dirty="0">
+                <a:latin typeface="Calibri" charset="0"/>
+              </a:rPr>
+              <a:t>Misattribution: Occurs when data or communications related to one individual are attributed to another</a:t>
+            </a:r>
+            <a:r>
+              <a:rPr lang="en-US" dirty="0" smtClean="0">
+                <a:latin typeface="Calibri" charset="0"/>
+              </a:rPr>
+              <a:t>.</a:t>
+            </a:r>
+            <a:endParaRPr lang="en-US" dirty="0">
+              <a:latin typeface="Calibri" charset="0"/>
+            </a:endParaRPr>
+          </a:p>
+        </p:txBody>
+      </p:sp>
+      <p:sp>
+        <p:nvSpPr>
+          <p:cNvPr id="8196" name="Slide Number Placeholder 3"/>
+          <p:cNvSpPr>
+            <a:spLocks noGrp="1"/>
+          </p:cNvSpPr>
+          <p:nvPr>
+            <p:ph type="sldNum" sz="quarter" idx="4294967295"/>
+          </p:nvPr>
+        </p:nvSpPr>
+        <p:spPr bwMode="auto">
+          <a:xfrm>
+            <a:off x="6553200" y="6356350"/>
+            <a:ext cx="2133600" cy="365125"/>
+          </a:xfrm>
+          <a:prstGeom prst="rect">
+            <a:avLst/>
+          </a:prstGeom>
+          <a:noFill/>
+          <a:ln>
+            <a:miter lim="800000"/>
+            <a:headEnd/>
+            <a:tailEnd/>
+          </a:ln>
+        </p:spPr>
+        <p:txBody>
+          <a:bodyPr>
+            <a:prstTxWarp prst="textNoShape">
+              <a:avLst/>
+            </a:prstTxWarp>
+          </a:bodyPr>
+          <a:lstStyle/>
+          <a:p>
+            <a:fld id="{C4858007-8EA6-6640-A21D-71C7A0388043}" type="slidenum">
+              <a:rPr lang="en-US"/>
+              <a:pPr/>
+              <a:t>9</a:t>
+            </a:fld>
+            <a:endParaRPr lang="en-US"/>
           </a:p>
         </p:txBody>
       </p:sp>
